--- a/GameDevelopment_Session.pptx
+++ b/GameDevelopment_Session.pptx
@@ -14,6 +14,18 @@
     <p:sldId id="263" r:id="rId8"/>
     <p:sldId id="264" r:id="rId9"/>
     <p:sldId id="262" r:id="rId10"/>
+    <p:sldId id="265" r:id="rId11"/>
+    <p:sldId id="266" r:id="rId12"/>
+    <p:sldId id="267" r:id="rId13"/>
+    <p:sldId id="268" r:id="rId14"/>
+    <p:sldId id="269" r:id="rId15"/>
+    <p:sldId id="270" r:id="rId16"/>
+    <p:sldId id="271" r:id="rId17"/>
+    <p:sldId id="272" r:id="rId18"/>
+    <p:sldId id="273" r:id="rId19"/>
+    <p:sldId id="274" r:id="rId20"/>
+    <p:sldId id="275" r:id="rId21"/>
+    <p:sldId id="276" r:id="rId22"/>
   </p:sldIdLst>
   <p:sldSz cx="12192000" cy="6858000"/>
   <p:notesSz cx="6858000" cy="9144000"/>
@@ -311,7 +323,7 @@
           <a:p>
             <a:fld id="{B61BEF0D-F0BB-DE4B-95CE-6DB70DBA9567}" type="datetimeFigureOut">
               <a:rPr lang="en-US" smtClean="0"/>
-              <a:t>10/26/2016</a:t>
+              <a:t>10/31/2016</a:t>
             </a:fld>
             <a:endParaRPr lang="en-US" dirty="0"/>
           </a:p>
@@ -747,7 +759,7 @@
           <a:p>
             <a:fld id="{B61BEF0D-F0BB-DE4B-95CE-6DB70DBA9567}" type="datetimeFigureOut">
               <a:rPr lang="en-US" smtClean="0"/>
-              <a:t>10/26/2016</a:t>
+              <a:t>10/31/2016</a:t>
             </a:fld>
             <a:endParaRPr lang="en-US" dirty="0"/>
           </a:p>
@@ -997,7 +1009,7 @@
           <a:p>
             <a:fld id="{B61BEF0D-F0BB-DE4B-95CE-6DB70DBA9567}" type="datetimeFigureOut">
               <a:rPr lang="en-US" smtClean="0"/>
-              <a:t>10/26/2016</a:t>
+              <a:t>10/31/2016</a:t>
             </a:fld>
             <a:endParaRPr lang="en-US" dirty="0"/>
           </a:p>
@@ -1305,7 +1317,7 @@
           <a:p>
             <a:fld id="{B61BEF0D-F0BB-DE4B-95CE-6DB70DBA9567}" type="datetimeFigureOut">
               <a:rPr lang="en-US" smtClean="0"/>
-              <a:t>10/26/2016</a:t>
+              <a:t>10/31/2016</a:t>
             </a:fld>
             <a:endParaRPr lang="en-US" dirty="0"/>
           </a:p>
@@ -1623,7 +1635,7 @@
           <a:p>
             <a:fld id="{B61BEF0D-F0BB-DE4B-95CE-6DB70DBA9567}" type="datetimeFigureOut">
               <a:rPr lang="en-US" smtClean="0"/>
-              <a:t>10/26/2016</a:t>
+              <a:t>10/31/2016</a:t>
             </a:fld>
             <a:endParaRPr lang="en-US" dirty="0"/>
           </a:p>
@@ -1925,7 +1937,7 @@
           <a:p>
             <a:fld id="{B61BEF0D-F0BB-DE4B-95CE-6DB70DBA9567}" type="datetimeFigureOut">
               <a:rPr lang="en-US" smtClean="0"/>
-              <a:t>10/26/2016</a:t>
+              <a:t>10/31/2016</a:t>
             </a:fld>
             <a:endParaRPr lang="en-US" dirty="0"/>
           </a:p>
@@ -2292,7 +2304,7 @@
           <a:p>
             <a:fld id="{B61BEF0D-F0BB-DE4B-95CE-6DB70DBA9567}" type="datetimeFigureOut">
               <a:rPr lang="en-US" smtClean="0"/>
-              <a:t>10/26/2016</a:t>
+              <a:t>10/31/2016</a:t>
             </a:fld>
             <a:endParaRPr lang="en-US" dirty="0"/>
           </a:p>
@@ -2466,7 +2478,7 @@
           <a:p>
             <a:fld id="{B61BEF0D-F0BB-DE4B-95CE-6DB70DBA9567}" type="datetimeFigureOut">
               <a:rPr lang="en-US" smtClean="0"/>
-              <a:t>10/26/2016</a:t>
+              <a:t>10/31/2016</a:t>
             </a:fld>
             <a:endParaRPr lang="en-US" dirty="0"/>
           </a:p>
@@ -2646,7 +2658,7 @@
           <a:p>
             <a:fld id="{B61BEF0D-F0BB-DE4B-95CE-6DB70DBA9567}" type="datetimeFigureOut">
               <a:rPr lang="en-US" smtClean="0"/>
-              <a:t>10/26/2016</a:t>
+              <a:t>10/31/2016</a:t>
             </a:fld>
             <a:endParaRPr lang="en-US" dirty="0"/>
           </a:p>
@@ -2816,7 +2828,7 @@
           <a:p>
             <a:fld id="{B61BEF0D-F0BB-DE4B-95CE-6DB70DBA9567}" type="datetimeFigureOut">
               <a:rPr lang="en-US" smtClean="0"/>
-              <a:t>10/26/2016</a:t>
+              <a:t>10/31/2016</a:t>
             </a:fld>
             <a:endParaRPr lang="en-US" dirty="0"/>
           </a:p>
@@ -3066,7 +3078,7 @@
           <a:p>
             <a:fld id="{B61BEF0D-F0BB-DE4B-95CE-6DB70DBA9567}" type="datetimeFigureOut">
               <a:rPr lang="en-US" smtClean="0"/>
-              <a:t>10/26/2016</a:t>
+              <a:t>10/31/2016</a:t>
             </a:fld>
             <a:endParaRPr lang="en-US" dirty="0"/>
           </a:p>
@@ -3302,7 +3314,7 @@
           <a:p>
             <a:fld id="{B61BEF0D-F0BB-DE4B-95CE-6DB70DBA9567}" type="datetimeFigureOut">
               <a:rPr lang="en-US" smtClean="0"/>
-              <a:t>10/26/2016</a:t>
+              <a:t>10/31/2016</a:t>
             </a:fld>
             <a:endParaRPr lang="en-US" dirty="0"/>
           </a:p>
@@ -3689,7 +3701,7 @@
           <a:p>
             <a:fld id="{B61BEF0D-F0BB-DE4B-95CE-6DB70DBA9567}" type="datetimeFigureOut">
               <a:rPr lang="en-US" smtClean="0"/>
-              <a:t>10/26/2016</a:t>
+              <a:t>10/31/2016</a:t>
             </a:fld>
             <a:endParaRPr lang="en-US" dirty="0"/>
           </a:p>
@@ -3812,7 +3824,7 @@
           <a:p>
             <a:fld id="{B61BEF0D-F0BB-DE4B-95CE-6DB70DBA9567}" type="datetimeFigureOut">
               <a:rPr lang="en-US" smtClean="0"/>
-              <a:t>10/26/2016</a:t>
+              <a:t>10/31/2016</a:t>
             </a:fld>
             <a:endParaRPr lang="en-US" dirty="0"/>
           </a:p>
@@ -3907,7 +3919,7 @@
           <a:p>
             <a:fld id="{B61BEF0D-F0BB-DE4B-95CE-6DB70DBA9567}" type="datetimeFigureOut">
               <a:rPr lang="en-US" smtClean="0"/>
-              <a:t>10/26/2016</a:t>
+              <a:t>10/31/2016</a:t>
             </a:fld>
             <a:endParaRPr lang="en-US" dirty="0"/>
           </a:p>
@@ -4162,7 +4174,7 @@
           <a:p>
             <a:fld id="{B61BEF0D-F0BB-DE4B-95CE-6DB70DBA9567}" type="datetimeFigureOut">
               <a:rPr lang="en-US" smtClean="0"/>
-              <a:t>10/26/2016</a:t>
+              <a:t>10/31/2016</a:t>
             </a:fld>
             <a:endParaRPr lang="en-US" dirty="0"/>
           </a:p>
@@ -4450,7 +4462,7 @@
           <a:p>
             <a:fld id="{B61BEF0D-F0BB-DE4B-95CE-6DB70DBA9567}" type="datetimeFigureOut">
               <a:rPr lang="en-US" smtClean="0"/>
-              <a:t>10/26/2016</a:t>
+              <a:t>10/31/2016</a:t>
             </a:fld>
             <a:endParaRPr lang="en-US" dirty="0"/>
           </a:p>
@@ -4856,7 +4868,7 @@
           <a:p>
             <a:fld id="{B61BEF0D-F0BB-DE4B-95CE-6DB70DBA9567}" type="datetimeFigureOut">
               <a:rPr lang="en-US" smtClean="0"/>
-              <a:t>10/26/2016</a:t>
+              <a:t>10/31/2016</a:t>
             </a:fld>
             <a:endParaRPr lang="en-US" dirty="0"/>
           </a:p>
@@ -5601,6 +5613,6610 @@
 </p:sld>
 </file>
 
+<file path=ppt/slides/slide10.xml><?xml version="1.0" encoding="utf-8"?>
+<p:sld xmlns:a="http://schemas.openxmlformats.org/drawingml/2006/main" xmlns:r="http://schemas.openxmlformats.org/officeDocument/2006/relationships" xmlns:p="http://schemas.openxmlformats.org/presentationml/2006/main">
+  <p:cSld>
+    <p:spTree>
+      <p:nvGrpSpPr>
+        <p:cNvPr id="1" name=""/>
+        <p:cNvGrpSpPr/>
+        <p:nvPr/>
+      </p:nvGrpSpPr>
+      <p:grpSpPr>
+        <a:xfrm>
+          <a:off x="0" y="0"/>
+          <a:ext cx="0" cy="0"/>
+          <a:chOff x="0" y="0"/>
+          <a:chExt cx="0" cy="0"/>
+        </a:xfrm>
+      </p:grpSpPr>
+      <p:sp>
+        <p:nvSpPr>
+          <p:cNvPr id="4" name="Rectangle 3"/>
+          <p:cNvSpPr/>
+          <p:nvPr/>
+        </p:nvSpPr>
+        <p:spPr>
+          <a:xfrm>
+            <a:off x="915958" y="104436"/>
+            <a:ext cx="9866805" cy="584775"/>
+          </a:xfrm>
+          <a:prstGeom prst="rect">
+            <a:avLst/>
+          </a:prstGeom>
+          <a:noFill/>
+        </p:spPr>
+        <p:txBody>
+          <a:bodyPr wrap="none" lIns="91440" tIns="45720" rIns="91440" bIns="45720">
+            <a:spAutoFit/>
+          </a:bodyPr>
+          <a:lstStyle/>
+          <a:p>
+            <a:pPr algn="ctr"/>
+            <a:r>
+              <a:rPr lang="en-US" sz="3200" b="1" dirty="0" smtClean="0">
+                <a:ln w="22225">
+                  <a:solidFill>
+                    <a:schemeClr val="accent2"/>
+                  </a:solidFill>
+                  <a:prstDash val="solid"/>
+                </a:ln>
+                <a:solidFill>
+                  <a:schemeClr val="accent2">
+                    <a:lumMod val="40000"/>
+                    <a:lumOff val="60000"/>
+                  </a:schemeClr>
+                </a:solidFill>
+              </a:rPr>
+              <a:t>Game Development Using HTML5 and </a:t>
+            </a:r>
+            <a:r>
+              <a:rPr lang="en-US" sz="3200" b="1" dirty="0">
+                <a:ln w="22225">
+                  <a:solidFill>
+                    <a:schemeClr val="accent2"/>
+                  </a:solidFill>
+                  <a:prstDash val="solid"/>
+                </a:ln>
+                <a:solidFill>
+                  <a:schemeClr val="accent2">
+                    <a:lumMod val="40000"/>
+                    <a:lumOff val="60000"/>
+                  </a:schemeClr>
+                </a:solidFill>
+              </a:rPr>
+              <a:t>J</a:t>
+            </a:r>
+            <a:r>
+              <a:rPr lang="en-US" sz="3200" b="1" dirty="0" smtClean="0">
+                <a:ln w="22225">
+                  <a:solidFill>
+                    <a:schemeClr val="accent2"/>
+                  </a:solidFill>
+                  <a:prstDash val="solid"/>
+                </a:ln>
+                <a:solidFill>
+                  <a:schemeClr val="accent2">
+                    <a:lumMod val="40000"/>
+                    <a:lumOff val="60000"/>
+                  </a:schemeClr>
+                </a:solidFill>
+              </a:rPr>
+              <a:t>avaScript</a:t>
+            </a:r>
+            <a:endParaRPr lang="en-US" sz="3200" b="1" cap="none" spc="0" dirty="0">
+              <a:ln w="22225">
+                <a:solidFill>
+                  <a:schemeClr val="accent2"/>
+                </a:solidFill>
+                <a:prstDash val="solid"/>
+              </a:ln>
+              <a:solidFill>
+                <a:schemeClr val="accent2">
+                  <a:lumMod val="40000"/>
+                  <a:lumOff val="60000"/>
+                </a:schemeClr>
+              </a:solidFill>
+              <a:effectLst/>
+            </a:endParaRPr>
+          </a:p>
+        </p:txBody>
+      </p:sp>
+      <p:sp>
+        <p:nvSpPr>
+          <p:cNvPr id="5" name="TextBox 4"/>
+          <p:cNvSpPr txBox="1"/>
+          <p:nvPr/>
+        </p:nvSpPr>
+        <p:spPr>
+          <a:xfrm>
+            <a:off x="4133802" y="767715"/>
+            <a:ext cx="2360781" cy="369332"/>
+          </a:xfrm>
+          <a:prstGeom prst="rect">
+            <a:avLst/>
+          </a:prstGeom>
+          <a:noFill/>
+        </p:spPr>
+        <p:txBody>
+          <a:bodyPr wrap="square" rtlCol="0">
+            <a:spAutoFit/>
+          </a:bodyPr>
+          <a:lstStyle/>
+          <a:p>
+            <a:r>
+              <a:rPr lang="en-US" b="1" dirty="0" smtClean="0">
+                <a:solidFill>
+                  <a:srgbClr val="C00000"/>
+                </a:solidFill>
+              </a:rPr>
+              <a:t>Building The Setup </a:t>
+            </a:r>
+          </a:p>
+        </p:txBody>
+      </p:sp>
+      <p:sp>
+        <p:nvSpPr>
+          <p:cNvPr id="6" name="TextBox 5"/>
+          <p:cNvSpPr txBox="1"/>
+          <p:nvPr/>
+        </p:nvSpPr>
+        <p:spPr>
+          <a:xfrm>
+            <a:off x="792726" y="1244084"/>
+            <a:ext cx="6682153" cy="369332"/>
+          </a:xfrm>
+          <a:prstGeom prst="rect">
+            <a:avLst/>
+          </a:prstGeom>
+          <a:noFill/>
+        </p:spPr>
+        <p:txBody>
+          <a:bodyPr wrap="square" rtlCol="0">
+            <a:spAutoFit/>
+          </a:bodyPr>
+          <a:lstStyle/>
+          <a:p>
+            <a:r>
+              <a:rPr lang="en-US" b="1" dirty="0" smtClean="0">
+                <a:solidFill>
+                  <a:schemeClr val="bg1"/>
+                </a:solidFill>
+              </a:rPr>
+              <a:t>Step 4:  Understanding and developing the draw function</a:t>
+            </a:r>
+            <a:endParaRPr lang="en-US" b="1" dirty="0">
+              <a:solidFill>
+                <a:schemeClr val="bg1"/>
+              </a:solidFill>
+            </a:endParaRPr>
+          </a:p>
+        </p:txBody>
+      </p:sp>
+      <p:sp>
+        <p:nvSpPr>
+          <p:cNvPr id="7" name="TextBox 6"/>
+          <p:cNvSpPr txBox="1"/>
+          <p:nvPr/>
+        </p:nvSpPr>
+        <p:spPr>
+          <a:xfrm>
+            <a:off x="2051539" y="1694168"/>
+            <a:ext cx="3645876" cy="369332"/>
+          </a:xfrm>
+          <a:prstGeom prst="rect">
+            <a:avLst/>
+          </a:prstGeom>
+          <a:noFill/>
+        </p:spPr>
+        <p:txBody>
+          <a:bodyPr wrap="square" rtlCol="0">
+            <a:spAutoFit/>
+          </a:bodyPr>
+          <a:lstStyle/>
+          <a:p>
+            <a:r>
+              <a:rPr lang="en-US" b="1" dirty="0" smtClean="0">
+                <a:solidFill>
+                  <a:schemeClr val="bg1"/>
+                </a:solidFill>
+              </a:rPr>
+              <a:t>4.1) </a:t>
+            </a:r>
+            <a:r>
+              <a:rPr lang="en-US" b="1" dirty="0">
+                <a:solidFill>
+                  <a:schemeClr val="bg1"/>
+                </a:solidFill>
+              </a:rPr>
+              <a:t>function draw(x1,y1</a:t>
+            </a:r>
+            <a:r>
+              <a:rPr lang="en-US" b="1" dirty="0" smtClean="0">
+                <a:solidFill>
+                  <a:schemeClr val="bg1"/>
+                </a:solidFill>
+              </a:rPr>
+              <a:t>){…….} </a:t>
+            </a:r>
+            <a:endParaRPr lang="en-US" b="1" dirty="0">
+              <a:solidFill>
+                <a:schemeClr val="bg1"/>
+              </a:solidFill>
+            </a:endParaRPr>
+          </a:p>
+        </p:txBody>
+      </p:sp>
+      <p:sp>
+        <p:nvSpPr>
+          <p:cNvPr id="9" name="Rectangle 8"/>
+          <p:cNvSpPr/>
+          <p:nvPr/>
+        </p:nvSpPr>
+        <p:spPr>
+          <a:xfrm>
+            <a:off x="1371599" y="2168289"/>
+            <a:ext cx="10245968" cy="3970318"/>
+          </a:xfrm>
+          <a:prstGeom prst="rect">
+            <a:avLst/>
+          </a:prstGeom>
+        </p:spPr>
+        <p:txBody>
+          <a:bodyPr wrap="square">
+            <a:spAutoFit/>
+          </a:bodyPr>
+          <a:lstStyle/>
+          <a:p>
+            <a:r>
+              <a:rPr lang="en-US" dirty="0" smtClean="0"/>
+              <a:t>	</a:t>
+            </a:r>
+            <a:r>
+              <a:rPr lang="en-US" b="1" dirty="0" smtClean="0">
+                <a:solidFill>
+                  <a:schemeClr val="bg1">
+                    <a:lumMod val="95000"/>
+                    <a:lumOff val="5000"/>
+                  </a:schemeClr>
+                </a:solidFill>
+              </a:rPr>
+              <a:t>function </a:t>
+            </a:r>
+            <a:r>
+              <a:rPr lang="en-US" b="1" dirty="0">
+                <a:solidFill>
+                  <a:schemeClr val="bg1">
+                    <a:lumMod val="95000"/>
+                    <a:lumOff val="5000"/>
+                  </a:schemeClr>
+                </a:solidFill>
+              </a:rPr>
+              <a:t>draw(x1,y1</a:t>
+            </a:r>
+            <a:r>
+              <a:rPr lang="en-US" b="1" dirty="0" smtClean="0">
+                <a:solidFill>
+                  <a:schemeClr val="bg1">
+                    <a:lumMod val="95000"/>
+                    <a:lumOff val="5000"/>
+                  </a:schemeClr>
+                </a:solidFill>
+              </a:rPr>
+              <a:t>){</a:t>
+            </a:r>
+            <a:endParaRPr lang="en-US" b="1" dirty="0">
+              <a:solidFill>
+                <a:schemeClr val="bg1">
+                  <a:lumMod val="95000"/>
+                  <a:lumOff val="5000"/>
+                </a:schemeClr>
+              </a:solidFill>
+            </a:endParaRPr>
+          </a:p>
+          <a:p>
+            <a:r>
+              <a:rPr lang="en-US" b="1" dirty="0">
+                <a:solidFill>
+                  <a:schemeClr val="bg1">
+                    <a:lumMod val="95000"/>
+                    <a:lumOff val="5000"/>
+                  </a:schemeClr>
+                </a:solidFill>
+              </a:rPr>
+              <a:t>					x=x1;</a:t>
+            </a:r>
+          </a:p>
+          <a:p>
+            <a:r>
+              <a:rPr lang="en-US" b="1" dirty="0">
+                <a:solidFill>
+                  <a:schemeClr val="bg1">
+                    <a:lumMod val="95000"/>
+                    <a:lumOff val="5000"/>
+                  </a:schemeClr>
+                </a:solidFill>
+              </a:rPr>
+              <a:t>					y=y1</a:t>
+            </a:r>
+            <a:r>
+              <a:rPr lang="en-US" b="1" dirty="0" smtClean="0">
+                <a:solidFill>
+                  <a:schemeClr val="bg1">
+                    <a:lumMod val="95000"/>
+                    <a:lumOff val="5000"/>
+                  </a:schemeClr>
+                </a:solidFill>
+              </a:rPr>
+              <a:t>;</a:t>
+            </a:r>
+            <a:endParaRPr lang="en-US" b="1" dirty="0">
+              <a:solidFill>
+                <a:schemeClr val="bg1">
+                  <a:lumMod val="95000"/>
+                  <a:lumOff val="5000"/>
+                </a:schemeClr>
+              </a:solidFill>
+            </a:endParaRPr>
+          </a:p>
+          <a:p>
+            <a:r>
+              <a:rPr lang="en-US" b="1" dirty="0">
+                <a:solidFill>
+                  <a:schemeClr val="bg1">
+                    <a:lumMod val="95000"/>
+                    <a:lumOff val="5000"/>
+                  </a:schemeClr>
+                </a:solidFill>
+              </a:rPr>
+              <a:t>					circles[</a:t>
+            </a:r>
+            <a:r>
+              <a:rPr lang="en-US" b="1" dirty="0" err="1">
+                <a:solidFill>
+                  <a:schemeClr val="bg1">
+                    <a:lumMod val="95000"/>
+                    <a:lumOff val="5000"/>
+                  </a:schemeClr>
+                </a:solidFill>
+              </a:rPr>
+              <a:t>pos</a:t>
+            </a:r>
+            <a:r>
+              <a:rPr lang="en-US" b="1" dirty="0">
+                <a:solidFill>
+                  <a:schemeClr val="bg1">
+                    <a:lumMod val="95000"/>
+                    <a:lumOff val="5000"/>
+                  </a:schemeClr>
+                </a:solidFill>
+              </a:rPr>
+              <a:t>].x=x;</a:t>
+            </a:r>
+          </a:p>
+          <a:p>
+            <a:r>
+              <a:rPr lang="en-US" b="1" dirty="0">
+                <a:solidFill>
+                  <a:schemeClr val="bg1">
+                    <a:lumMod val="95000"/>
+                    <a:lumOff val="5000"/>
+                  </a:schemeClr>
+                </a:solidFill>
+              </a:rPr>
+              <a:t>					circles[</a:t>
+            </a:r>
+            <a:r>
+              <a:rPr lang="en-US" b="1" dirty="0" err="1">
+                <a:solidFill>
+                  <a:schemeClr val="bg1">
+                    <a:lumMod val="95000"/>
+                    <a:lumOff val="5000"/>
+                  </a:schemeClr>
+                </a:solidFill>
+              </a:rPr>
+              <a:t>pos</a:t>
+            </a:r>
+            <a:r>
+              <a:rPr lang="en-US" b="1" dirty="0">
+                <a:solidFill>
+                  <a:schemeClr val="bg1">
+                    <a:lumMod val="95000"/>
+                    <a:lumOff val="5000"/>
+                  </a:schemeClr>
+                </a:solidFill>
+              </a:rPr>
+              <a:t>].y=y</a:t>
+            </a:r>
+            <a:r>
+              <a:rPr lang="en-US" b="1" dirty="0" smtClean="0">
+                <a:solidFill>
+                  <a:schemeClr val="bg1">
+                    <a:lumMod val="95000"/>
+                    <a:lumOff val="5000"/>
+                  </a:schemeClr>
+                </a:solidFill>
+              </a:rPr>
+              <a:t>;</a:t>
+            </a:r>
+            <a:endParaRPr lang="en-US" b="1" dirty="0">
+              <a:solidFill>
+                <a:schemeClr val="bg1">
+                  <a:lumMod val="95000"/>
+                  <a:lumOff val="5000"/>
+                </a:schemeClr>
+              </a:solidFill>
+            </a:endParaRPr>
+          </a:p>
+          <a:p>
+            <a:r>
+              <a:rPr lang="en-US" b="1" dirty="0">
+                <a:solidFill>
+                  <a:schemeClr val="bg1">
+                    <a:lumMod val="95000"/>
+                    <a:lumOff val="5000"/>
+                  </a:schemeClr>
+                </a:solidFill>
+              </a:rPr>
+              <a:t>					 canvas=</a:t>
+            </a:r>
+            <a:r>
+              <a:rPr lang="en-US" b="1" dirty="0" err="1">
+                <a:solidFill>
+                  <a:schemeClr val="bg1">
+                    <a:lumMod val="95000"/>
+                    <a:lumOff val="5000"/>
+                  </a:schemeClr>
+                </a:solidFill>
+              </a:rPr>
+              <a:t>document.getElementById</a:t>
+            </a:r>
+            <a:r>
+              <a:rPr lang="en-US" b="1" dirty="0">
+                <a:solidFill>
+                  <a:schemeClr val="bg1">
+                    <a:lumMod val="95000"/>
+                    <a:lumOff val="5000"/>
+                  </a:schemeClr>
+                </a:solidFill>
+              </a:rPr>
+              <a:t>('canvas');</a:t>
+            </a:r>
+          </a:p>
+          <a:p>
+            <a:r>
+              <a:rPr lang="en-US" b="1" dirty="0">
+                <a:solidFill>
+                  <a:schemeClr val="bg1">
+                    <a:lumMod val="95000"/>
+                    <a:lumOff val="5000"/>
+                  </a:schemeClr>
+                </a:solidFill>
+              </a:rPr>
+              <a:t>						var </a:t>
+            </a:r>
+            <a:r>
+              <a:rPr lang="en-US" b="1" dirty="0" err="1">
+                <a:solidFill>
+                  <a:schemeClr val="bg1">
+                    <a:lumMod val="95000"/>
+                    <a:lumOff val="5000"/>
+                  </a:schemeClr>
+                </a:solidFill>
+              </a:rPr>
+              <a:t>ctx</a:t>
+            </a:r>
+            <a:r>
+              <a:rPr lang="en-US" b="1" dirty="0">
+                <a:solidFill>
+                  <a:schemeClr val="bg1">
+                    <a:lumMod val="95000"/>
+                    <a:lumOff val="5000"/>
+                  </a:schemeClr>
+                </a:solidFill>
+              </a:rPr>
+              <a:t>=</a:t>
+            </a:r>
+            <a:r>
+              <a:rPr lang="en-US" b="1" dirty="0" err="1">
+                <a:solidFill>
+                  <a:schemeClr val="bg1">
+                    <a:lumMod val="95000"/>
+                    <a:lumOff val="5000"/>
+                  </a:schemeClr>
+                </a:solidFill>
+              </a:rPr>
+              <a:t>canvas.getContext</a:t>
+            </a:r>
+            <a:r>
+              <a:rPr lang="en-US" b="1" dirty="0">
+                <a:solidFill>
+                  <a:schemeClr val="bg1">
+                    <a:lumMod val="95000"/>
+                    <a:lumOff val="5000"/>
+                  </a:schemeClr>
+                </a:solidFill>
+              </a:rPr>
+              <a:t>('2d');</a:t>
+            </a:r>
+          </a:p>
+          <a:p>
+            <a:r>
+              <a:rPr lang="en-US" b="1" dirty="0">
+                <a:solidFill>
+                  <a:schemeClr val="bg1">
+                    <a:lumMod val="95000"/>
+                    <a:lumOff val="5000"/>
+                  </a:schemeClr>
+                </a:solidFill>
+              </a:rPr>
+              <a:t>							</a:t>
+            </a:r>
+            <a:r>
+              <a:rPr lang="en-US" b="1" dirty="0" err="1">
+                <a:solidFill>
+                  <a:schemeClr val="bg1">
+                    <a:lumMod val="95000"/>
+                    <a:lumOff val="5000"/>
+                  </a:schemeClr>
+                </a:solidFill>
+              </a:rPr>
+              <a:t>ctx.save</a:t>
+            </a:r>
+            <a:r>
+              <a:rPr lang="en-US" b="1" dirty="0">
+                <a:solidFill>
+                  <a:schemeClr val="bg1">
+                    <a:lumMod val="95000"/>
+                    <a:lumOff val="5000"/>
+                  </a:schemeClr>
+                </a:solidFill>
+              </a:rPr>
+              <a:t>();</a:t>
+            </a:r>
+          </a:p>
+          <a:p>
+            <a:r>
+              <a:rPr lang="en-US" b="1" dirty="0">
+                <a:solidFill>
+                  <a:schemeClr val="bg1">
+                    <a:lumMod val="95000"/>
+                    <a:lumOff val="5000"/>
+                  </a:schemeClr>
+                </a:solidFill>
+              </a:rPr>
+              <a:t>							</a:t>
+            </a:r>
+            <a:r>
+              <a:rPr lang="en-US" b="1" dirty="0" err="1">
+                <a:solidFill>
+                  <a:schemeClr val="bg1">
+                    <a:lumMod val="95000"/>
+                    <a:lumOff val="5000"/>
+                  </a:schemeClr>
+                </a:solidFill>
+              </a:rPr>
+              <a:t>ctx.clearRect</a:t>
+            </a:r>
+            <a:r>
+              <a:rPr lang="en-US" b="1" dirty="0">
+                <a:solidFill>
+                  <a:schemeClr val="bg1">
+                    <a:lumMod val="95000"/>
+                    <a:lumOff val="5000"/>
+                  </a:schemeClr>
+                </a:solidFill>
+              </a:rPr>
+              <a:t>(0,0,800,400);</a:t>
+            </a:r>
+          </a:p>
+          <a:p>
+            <a:r>
+              <a:rPr lang="en-US" b="1" dirty="0">
+                <a:solidFill>
+                  <a:schemeClr val="bg1">
+                    <a:lumMod val="95000"/>
+                    <a:lumOff val="5000"/>
+                  </a:schemeClr>
+                </a:solidFill>
+              </a:rPr>
+              <a:t>							</a:t>
+            </a:r>
+            <a:r>
+              <a:rPr lang="en-US" b="1" dirty="0" err="1">
+                <a:solidFill>
+                  <a:schemeClr val="bg1">
+                    <a:lumMod val="95000"/>
+                    <a:lumOff val="5000"/>
+                  </a:schemeClr>
+                </a:solidFill>
+              </a:rPr>
+              <a:t>ctx.beginPath</a:t>
+            </a:r>
+            <a:r>
+              <a:rPr lang="en-US" b="1" dirty="0">
+                <a:solidFill>
+                  <a:schemeClr val="bg1">
+                    <a:lumMod val="95000"/>
+                    <a:lumOff val="5000"/>
+                  </a:schemeClr>
+                </a:solidFill>
+              </a:rPr>
+              <a:t>();</a:t>
+            </a:r>
+          </a:p>
+          <a:p>
+            <a:r>
+              <a:rPr lang="en-US" b="1" dirty="0">
+                <a:solidFill>
+                  <a:schemeClr val="bg1">
+                    <a:lumMod val="95000"/>
+                    <a:lumOff val="5000"/>
+                  </a:schemeClr>
+                </a:solidFill>
+              </a:rPr>
+              <a:t>						ctx.arc(circles[</a:t>
+            </a:r>
+            <a:r>
+              <a:rPr lang="en-US" b="1" dirty="0" err="1">
+                <a:solidFill>
+                  <a:schemeClr val="bg1">
+                    <a:lumMod val="95000"/>
+                    <a:lumOff val="5000"/>
+                  </a:schemeClr>
+                </a:solidFill>
+              </a:rPr>
+              <a:t>pos</a:t>
+            </a:r>
+            <a:r>
+              <a:rPr lang="en-US" b="1" dirty="0">
+                <a:solidFill>
+                  <a:schemeClr val="bg1">
+                    <a:lumMod val="95000"/>
+                    <a:lumOff val="5000"/>
+                  </a:schemeClr>
+                </a:solidFill>
+              </a:rPr>
+              <a:t>].</a:t>
+            </a:r>
+            <a:r>
+              <a:rPr lang="en-US" b="1" dirty="0" err="1">
+                <a:solidFill>
+                  <a:schemeClr val="bg1">
+                    <a:lumMod val="95000"/>
+                    <a:lumOff val="5000"/>
+                  </a:schemeClr>
+                </a:solidFill>
+              </a:rPr>
+              <a:t>x,circles</a:t>
+            </a:r>
+            <a:r>
+              <a:rPr lang="en-US" b="1" dirty="0">
+                <a:solidFill>
+                  <a:schemeClr val="bg1">
+                    <a:lumMod val="95000"/>
+                    <a:lumOff val="5000"/>
+                  </a:schemeClr>
+                </a:solidFill>
+              </a:rPr>
+              <a:t>[</a:t>
+            </a:r>
+            <a:r>
+              <a:rPr lang="en-US" b="1" dirty="0" err="1">
+                <a:solidFill>
+                  <a:schemeClr val="bg1">
+                    <a:lumMod val="95000"/>
+                    <a:lumOff val="5000"/>
+                  </a:schemeClr>
+                </a:solidFill>
+              </a:rPr>
+              <a:t>pos</a:t>
+            </a:r>
+            <a:r>
+              <a:rPr lang="en-US" b="1" dirty="0">
+                <a:solidFill>
+                  <a:schemeClr val="bg1">
+                    <a:lumMod val="95000"/>
+                    <a:lumOff val="5000"/>
+                  </a:schemeClr>
+                </a:solidFill>
+              </a:rPr>
+              <a:t>].</a:t>
+            </a:r>
+            <a:r>
+              <a:rPr lang="en-US" b="1" dirty="0" err="1">
+                <a:solidFill>
+                  <a:schemeClr val="bg1">
+                    <a:lumMod val="95000"/>
+                    <a:lumOff val="5000"/>
+                  </a:schemeClr>
+                </a:solidFill>
+              </a:rPr>
+              <a:t>y,circles</a:t>
+            </a:r>
+            <a:r>
+              <a:rPr lang="en-US" b="1" dirty="0">
+                <a:solidFill>
+                  <a:schemeClr val="bg1">
+                    <a:lumMod val="95000"/>
+                    <a:lumOff val="5000"/>
+                  </a:schemeClr>
+                </a:solidFill>
+              </a:rPr>
+              <a:t>[</a:t>
+            </a:r>
+            <a:r>
+              <a:rPr lang="en-US" b="1" dirty="0" err="1">
+                <a:solidFill>
+                  <a:schemeClr val="bg1">
+                    <a:lumMod val="95000"/>
+                    <a:lumOff val="5000"/>
+                  </a:schemeClr>
+                </a:solidFill>
+              </a:rPr>
+              <a:t>pos</a:t>
+            </a:r>
+            <a:r>
+              <a:rPr lang="en-US" b="1" dirty="0">
+                <a:solidFill>
+                  <a:schemeClr val="bg1">
+                    <a:lumMod val="95000"/>
+                    <a:lumOff val="5000"/>
+                  </a:schemeClr>
+                </a:solidFill>
+              </a:rPr>
+              <a:t>].r,0,2*</a:t>
+            </a:r>
+            <a:r>
+              <a:rPr lang="en-US" b="1" dirty="0" err="1">
+                <a:solidFill>
+                  <a:schemeClr val="bg1">
+                    <a:lumMod val="95000"/>
+                    <a:lumOff val="5000"/>
+                  </a:schemeClr>
+                </a:solidFill>
+              </a:rPr>
+              <a:t>Math.PI</a:t>
+            </a:r>
+            <a:r>
+              <a:rPr lang="en-US" b="1" dirty="0">
+                <a:solidFill>
+                  <a:schemeClr val="bg1">
+                    <a:lumMod val="95000"/>
+                    <a:lumOff val="5000"/>
+                  </a:schemeClr>
+                </a:solidFill>
+              </a:rPr>
+              <a:t>);</a:t>
+            </a:r>
+          </a:p>
+          <a:p>
+            <a:r>
+              <a:rPr lang="en-US" b="1" dirty="0">
+                <a:solidFill>
+                  <a:schemeClr val="bg1">
+                    <a:lumMod val="95000"/>
+                    <a:lumOff val="5000"/>
+                  </a:schemeClr>
+                </a:solidFill>
+              </a:rPr>
+              <a:t>						</a:t>
+            </a:r>
+            <a:r>
+              <a:rPr lang="en-US" b="1" dirty="0" err="1">
+                <a:solidFill>
+                  <a:schemeClr val="bg1">
+                    <a:lumMod val="95000"/>
+                    <a:lumOff val="5000"/>
+                  </a:schemeClr>
+                </a:solidFill>
+              </a:rPr>
+              <a:t>ctx.fillStyle</a:t>
+            </a:r>
+            <a:r>
+              <a:rPr lang="en-US" b="1" dirty="0">
+                <a:solidFill>
+                  <a:schemeClr val="bg1">
+                    <a:lumMod val="95000"/>
+                    <a:lumOff val="5000"/>
+                  </a:schemeClr>
+                </a:solidFill>
+              </a:rPr>
+              <a:t>=circles[</a:t>
+            </a:r>
+            <a:r>
+              <a:rPr lang="en-US" b="1" dirty="0" err="1">
+                <a:solidFill>
+                  <a:schemeClr val="bg1">
+                    <a:lumMod val="95000"/>
+                    <a:lumOff val="5000"/>
+                  </a:schemeClr>
+                </a:solidFill>
+              </a:rPr>
+              <a:t>pos</a:t>
+            </a:r>
+            <a:r>
+              <a:rPr lang="en-US" b="1" dirty="0">
+                <a:solidFill>
+                  <a:schemeClr val="bg1">
+                    <a:lumMod val="95000"/>
+                    <a:lumOff val="5000"/>
+                  </a:schemeClr>
+                </a:solidFill>
+              </a:rPr>
+              <a:t>].color;</a:t>
+            </a:r>
+          </a:p>
+          <a:p>
+            <a:r>
+              <a:rPr lang="en-US" b="1" dirty="0">
+                <a:solidFill>
+                  <a:schemeClr val="bg1">
+                    <a:lumMod val="95000"/>
+                    <a:lumOff val="5000"/>
+                  </a:schemeClr>
+                </a:solidFill>
+              </a:rPr>
+              <a:t>						</a:t>
+            </a:r>
+            <a:r>
+              <a:rPr lang="en-US" b="1" dirty="0" err="1">
+                <a:solidFill>
+                  <a:schemeClr val="bg1">
+                    <a:lumMod val="95000"/>
+                    <a:lumOff val="5000"/>
+                  </a:schemeClr>
+                </a:solidFill>
+              </a:rPr>
+              <a:t>ctx.fill</a:t>
+            </a:r>
+            <a:r>
+              <a:rPr lang="en-US" b="1" dirty="0">
+                <a:solidFill>
+                  <a:schemeClr val="bg1">
+                    <a:lumMod val="95000"/>
+                    <a:lumOff val="5000"/>
+                  </a:schemeClr>
+                </a:solidFill>
+              </a:rPr>
+              <a:t>();</a:t>
+            </a:r>
+          </a:p>
+          <a:p>
+            <a:r>
+              <a:rPr lang="en-US" b="1" dirty="0">
+                <a:solidFill>
+                  <a:schemeClr val="bg1">
+                    <a:lumMod val="95000"/>
+                    <a:lumOff val="5000"/>
+                  </a:schemeClr>
+                </a:solidFill>
+              </a:rPr>
+              <a:t>						</a:t>
+            </a:r>
+            <a:r>
+              <a:rPr lang="en-US" b="1" dirty="0" err="1">
+                <a:solidFill>
+                  <a:schemeClr val="bg1">
+                    <a:lumMod val="95000"/>
+                    <a:lumOff val="5000"/>
+                  </a:schemeClr>
+                </a:solidFill>
+              </a:rPr>
+              <a:t>ctx.restore</a:t>
+            </a:r>
+            <a:r>
+              <a:rPr lang="en-US" b="1" dirty="0">
+                <a:solidFill>
+                  <a:schemeClr val="bg1">
+                    <a:lumMod val="95000"/>
+                    <a:lumOff val="5000"/>
+                  </a:schemeClr>
+                </a:solidFill>
+              </a:rPr>
+              <a:t>();</a:t>
+            </a:r>
+          </a:p>
+        </p:txBody>
+      </p:sp>
+      <p:sp>
+        <p:nvSpPr>
+          <p:cNvPr id="10" name="TextBox 9"/>
+          <p:cNvSpPr txBox="1"/>
+          <p:nvPr/>
+        </p:nvSpPr>
+        <p:spPr>
+          <a:xfrm>
+            <a:off x="1371599" y="6288978"/>
+            <a:ext cx="10465071" cy="369332"/>
+          </a:xfrm>
+          <a:prstGeom prst="rect">
+            <a:avLst/>
+          </a:prstGeom>
+          <a:noFill/>
+        </p:spPr>
+        <p:txBody>
+          <a:bodyPr wrap="square" rtlCol="0">
+            <a:spAutoFit/>
+          </a:bodyPr>
+          <a:lstStyle/>
+          <a:p>
+            <a:r>
+              <a:rPr lang="en-US" b="1" dirty="0" smtClean="0">
+                <a:solidFill>
+                  <a:schemeClr val="bg1"/>
+                </a:solidFill>
+              </a:rPr>
+              <a:t>4.2) The value of </a:t>
+            </a:r>
+            <a:r>
+              <a:rPr lang="en-US" b="1" dirty="0" err="1" smtClean="0">
+                <a:solidFill>
+                  <a:schemeClr val="bg1"/>
+                </a:solidFill>
+              </a:rPr>
+              <a:t>pos</a:t>
+            </a:r>
+            <a:r>
+              <a:rPr lang="en-US" b="1" dirty="0" smtClean="0">
+                <a:solidFill>
+                  <a:schemeClr val="bg1"/>
+                </a:solidFill>
+              </a:rPr>
+              <a:t> will be zero as we will start with first ball from our array </a:t>
+            </a:r>
+            <a:endParaRPr lang="en-US" b="1" dirty="0">
+              <a:solidFill>
+                <a:schemeClr val="bg1"/>
+              </a:solidFill>
+            </a:endParaRPr>
+          </a:p>
+        </p:txBody>
+      </p:sp>
+    </p:spTree>
+    <p:extLst>
+      <p:ext uri="{BB962C8B-B14F-4D97-AF65-F5344CB8AC3E}">
+        <p14:creationId xmlns:p14="http://schemas.microsoft.com/office/powerpoint/2010/main" val="82141946"/>
+      </p:ext>
+    </p:extLst>
+  </p:cSld>
+  <p:clrMapOvr>
+    <a:masterClrMapping/>
+  </p:clrMapOvr>
+</p:sld>
+</file>
+
+<file path=ppt/slides/slide11.xml><?xml version="1.0" encoding="utf-8"?>
+<p:sld xmlns:a="http://schemas.openxmlformats.org/drawingml/2006/main" xmlns:r="http://schemas.openxmlformats.org/officeDocument/2006/relationships" xmlns:p="http://schemas.openxmlformats.org/presentationml/2006/main">
+  <p:cSld>
+    <p:spTree>
+      <p:nvGrpSpPr>
+        <p:cNvPr id="1" name=""/>
+        <p:cNvGrpSpPr/>
+        <p:nvPr/>
+      </p:nvGrpSpPr>
+      <p:grpSpPr>
+        <a:xfrm>
+          <a:off x="0" y="0"/>
+          <a:ext cx="0" cy="0"/>
+          <a:chOff x="0" y="0"/>
+          <a:chExt cx="0" cy="0"/>
+        </a:xfrm>
+      </p:grpSpPr>
+      <p:sp>
+        <p:nvSpPr>
+          <p:cNvPr id="4" name="Rectangle 3"/>
+          <p:cNvSpPr/>
+          <p:nvPr/>
+        </p:nvSpPr>
+        <p:spPr>
+          <a:xfrm>
+            <a:off x="915958" y="104436"/>
+            <a:ext cx="9866805" cy="584775"/>
+          </a:xfrm>
+          <a:prstGeom prst="rect">
+            <a:avLst/>
+          </a:prstGeom>
+          <a:noFill/>
+        </p:spPr>
+        <p:txBody>
+          <a:bodyPr wrap="none" lIns="91440" tIns="45720" rIns="91440" bIns="45720">
+            <a:spAutoFit/>
+          </a:bodyPr>
+          <a:lstStyle/>
+          <a:p>
+            <a:pPr algn="ctr"/>
+            <a:r>
+              <a:rPr lang="en-US" sz="3200" b="1" dirty="0" smtClean="0">
+                <a:ln w="22225">
+                  <a:solidFill>
+                    <a:schemeClr val="accent2"/>
+                  </a:solidFill>
+                  <a:prstDash val="solid"/>
+                </a:ln>
+                <a:solidFill>
+                  <a:schemeClr val="accent2">
+                    <a:lumMod val="40000"/>
+                    <a:lumOff val="60000"/>
+                  </a:schemeClr>
+                </a:solidFill>
+              </a:rPr>
+              <a:t>Game Development Using HTML5 and </a:t>
+            </a:r>
+            <a:r>
+              <a:rPr lang="en-US" sz="3200" b="1" dirty="0">
+                <a:ln w="22225">
+                  <a:solidFill>
+                    <a:schemeClr val="accent2"/>
+                  </a:solidFill>
+                  <a:prstDash val="solid"/>
+                </a:ln>
+                <a:solidFill>
+                  <a:schemeClr val="accent2">
+                    <a:lumMod val="40000"/>
+                    <a:lumOff val="60000"/>
+                  </a:schemeClr>
+                </a:solidFill>
+              </a:rPr>
+              <a:t>J</a:t>
+            </a:r>
+            <a:r>
+              <a:rPr lang="en-US" sz="3200" b="1" dirty="0" smtClean="0">
+                <a:ln w="22225">
+                  <a:solidFill>
+                    <a:schemeClr val="accent2"/>
+                  </a:solidFill>
+                  <a:prstDash val="solid"/>
+                </a:ln>
+                <a:solidFill>
+                  <a:schemeClr val="accent2">
+                    <a:lumMod val="40000"/>
+                    <a:lumOff val="60000"/>
+                  </a:schemeClr>
+                </a:solidFill>
+              </a:rPr>
+              <a:t>avaScript</a:t>
+            </a:r>
+            <a:endParaRPr lang="en-US" sz="3200" b="1" cap="none" spc="0" dirty="0">
+              <a:ln w="22225">
+                <a:solidFill>
+                  <a:schemeClr val="accent2"/>
+                </a:solidFill>
+                <a:prstDash val="solid"/>
+              </a:ln>
+              <a:solidFill>
+                <a:schemeClr val="accent2">
+                  <a:lumMod val="40000"/>
+                  <a:lumOff val="60000"/>
+                </a:schemeClr>
+              </a:solidFill>
+              <a:effectLst/>
+            </a:endParaRPr>
+          </a:p>
+        </p:txBody>
+      </p:sp>
+      <p:sp>
+        <p:nvSpPr>
+          <p:cNvPr id="5" name="TextBox 4"/>
+          <p:cNvSpPr txBox="1"/>
+          <p:nvPr/>
+        </p:nvSpPr>
+        <p:spPr>
+          <a:xfrm>
+            <a:off x="4133802" y="767715"/>
+            <a:ext cx="2360781" cy="369332"/>
+          </a:xfrm>
+          <a:prstGeom prst="rect">
+            <a:avLst/>
+          </a:prstGeom>
+          <a:noFill/>
+        </p:spPr>
+        <p:txBody>
+          <a:bodyPr wrap="square" rtlCol="0">
+            <a:spAutoFit/>
+          </a:bodyPr>
+          <a:lstStyle/>
+          <a:p>
+            <a:r>
+              <a:rPr lang="en-US" b="1" dirty="0" smtClean="0">
+                <a:solidFill>
+                  <a:srgbClr val="C00000"/>
+                </a:solidFill>
+              </a:rPr>
+              <a:t>Building The Setup </a:t>
+            </a:r>
+          </a:p>
+        </p:txBody>
+      </p:sp>
+      <p:sp>
+        <p:nvSpPr>
+          <p:cNvPr id="6" name="TextBox 5"/>
+          <p:cNvSpPr txBox="1"/>
+          <p:nvPr/>
+        </p:nvSpPr>
+        <p:spPr>
+          <a:xfrm>
+            <a:off x="792726" y="1244084"/>
+            <a:ext cx="9300843" cy="923330"/>
+          </a:xfrm>
+          <a:prstGeom prst="rect">
+            <a:avLst/>
+          </a:prstGeom>
+          <a:noFill/>
+        </p:spPr>
+        <p:txBody>
+          <a:bodyPr wrap="square" rtlCol="0">
+            <a:spAutoFit/>
+          </a:bodyPr>
+          <a:lstStyle/>
+          <a:p>
+            <a:r>
+              <a:rPr lang="en-US" b="1" dirty="0" smtClean="0">
+                <a:solidFill>
+                  <a:schemeClr val="bg1"/>
+                </a:solidFill>
+              </a:rPr>
+              <a:t>Step 5:  If we observe closely the ball is reflecting back once it hits the container 		border. In this step we will create the boundary condition to retain the ball 		within the container  </a:t>
+            </a:r>
+            <a:endParaRPr lang="en-US" b="1" dirty="0">
+              <a:solidFill>
+                <a:schemeClr val="bg1"/>
+              </a:solidFill>
+            </a:endParaRPr>
+          </a:p>
+        </p:txBody>
+      </p:sp>
+      <p:sp>
+        <p:nvSpPr>
+          <p:cNvPr id="7" name="TextBox 6"/>
+          <p:cNvSpPr txBox="1"/>
+          <p:nvPr/>
+        </p:nvSpPr>
+        <p:spPr>
+          <a:xfrm>
+            <a:off x="1601618" y="2537621"/>
+            <a:ext cx="4400598" cy="369332"/>
+          </a:xfrm>
+          <a:prstGeom prst="rect">
+            <a:avLst/>
+          </a:prstGeom>
+          <a:noFill/>
+        </p:spPr>
+        <p:txBody>
+          <a:bodyPr wrap="square" rtlCol="0">
+            <a:spAutoFit/>
+          </a:bodyPr>
+          <a:lstStyle/>
+          <a:p>
+            <a:r>
+              <a:rPr lang="en-US" b="1" dirty="0" smtClean="0">
+                <a:solidFill>
+                  <a:schemeClr val="bg1"/>
+                </a:solidFill>
+              </a:rPr>
+              <a:t>5.1) Understanding the Math's behind</a:t>
+            </a:r>
+            <a:endParaRPr lang="en-US" b="1" dirty="0">
+              <a:solidFill>
+                <a:schemeClr val="bg1"/>
+              </a:solidFill>
+            </a:endParaRPr>
+          </a:p>
+        </p:txBody>
+      </p:sp>
+      <p:pic>
+        <p:nvPicPr>
+          <p:cNvPr id="3" name="Picture 2"/>
+          <p:cNvPicPr>
+            <a:picLocks noChangeAspect="1"/>
+          </p:cNvPicPr>
+          <p:nvPr/>
+        </p:nvPicPr>
+        <p:blipFill>
+          <a:blip r:embed="rId2"/>
+          <a:stretch>
+            <a:fillRect/>
+          </a:stretch>
+        </p:blipFill>
+        <p:spPr>
+          <a:xfrm>
+            <a:off x="4964721" y="3024554"/>
+            <a:ext cx="3059723" cy="1101969"/>
+          </a:xfrm>
+          <a:prstGeom prst="rect">
+            <a:avLst/>
+          </a:prstGeom>
+        </p:spPr>
+      </p:pic>
+      <p:cxnSp>
+        <p:nvCxnSpPr>
+          <p:cNvPr id="9" name="Straight Arrow Connector 8"/>
+          <p:cNvCxnSpPr/>
+          <p:nvPr/>
+        </p:nvCxnSpPr>
+        <p:spPr>
+          <a:xfrm>
+            <a:off x="4988168" y="4350373"/>
+            <a:ext cx="3059723" cy="0"/>
+          </a:xfrm>
+          <a:prstGeom prst="straightConnector1">
+            <a:avLst/>
+          </a:prstGeom>
+          <a:ln>
+            <a:solidFill>
+              <a:srgbClr val="C00000">
+                <a:alpha val="60000"/>
+              </a:srgbClr>
+            </a:solidFill>
+            <a:headEnd type="triangle"/>
+            <a:tailEnd type="triangle"/>
+          </a:ln>
+        </p:spPr>
+        <p:style>
+          <a:lnRef idx="1">
+            <a:schemeClr val="accent1"/>
+          </a:lnRef>
+          <a:fillRef idx="0">
+            <a:schemeClr val="accent1"/>
+          </a:fillRef>
+          <a:effectRef idx="0">
+            <a:schemeClr val="accent1"/>
+          </a:effectRef>
+          <a:fontRef idx="minor">
+            <a:schemeClr val="tx1"/>
+          </a:fontRef>
+        </p:style>
+      </p:cxnSp>
+      <p:sp>
+        <p:nvSpPr>
+          <p:cNvPr id="14" name="TextBox 13"/>
+          <p:cNvSpPr txBox="1"/>
+          <p:nvPr/>
+        </p:nvSpPr>
+        <p:spPr>
+          <a:xfrm>
+            <a:off x="5566240" y="4361726"/>
+            <a:ext cx="658714" cy="246221"/>
+          </a:xfrm>
+          <a:prstGeom prst="rect">
+            <a:avLst/>
+          </a:prstGeom>
+          <a:noFill/>
+        </p:spPr>
+        <p:txBody>
+          <a:bodyPr wrap="square" rtlCol="0">
+            <a:spAutoFit/>
+          </a:bodyPr>
+          <a:lstStyle/>
+          <a:p>
+            <a:r>
+              <a:rPr lang="en-US" sz="1000" b="1" dirty="0" smtClean="0">
+                <a:solidFill>
+                  <a:schemeClr val="bg1"/>
+                </a:solidFill>
+              </a:rPr>
+              <a:t>800px</a:t>
+            </a:r>
+            <a:endParaRPr lang="en-US" sz="1000" b="1" dirty="0">
+              <a:solidFill>
+                <a:schemeClr val="bg1"/>
+              </a:solidFill>
+            </a:endParaRPr>
+          </a:p>
+        </p:txBody>
+      </p:sp>
+      <p:cxnSp>
+        <p:nvCxnSpPr>
+          <p:cNvPr id="16" name="Straight Arrow Connector 15"/>
+          <p:cNvCxnSpPr/>
+          <p:nvPr/>
+        </p:nvCxnSpPr>
+        <p:spPr>
+          <a:xfrm>
+            <a:off x="8311662" y="3024554"/>
+            <a:ext cx="23446" cy="1101969"/>
+          </a:xfrm>
+          <a:prstGeom prst="straightConnector1">
+            <a:avLst/>
+          </a:prstGeom>
+          <a:ln>
+            <a:solidFill>
+              <a:srgbClr val="C00000">
+                <a:alpha val="60000"/>
+              </a:srgbClr>
+            </a:solidFill>
+            <a:headEnd type="triangle"/>
+            <a:tailEnd type="triangle"/>
+          </a:ln>
+        </p:spPr>
+        <p:style>
+          <a:lnRef idx="1">
+            <a:schemeClr val="accent1"/>
+          </a:lnRef>
+          <a:fillRef idx="0">
+            <a:schemeClr val="accent1"/>
+          </a:fillRef>
+          <a:effectRef idx="0">
+            <a:schemeClr val="accent1"/>
+          </a:effectRef>
+          <a:fontRef idx="minor">
+            <a:schemeClr val="tx1"/>
+          </a:fontRef>
+        </p:style>
+      </p:cxnSp>
+      <p:sp>
+        <p:nvSpPr>
+          <p:cNvPr id="18" name="TextBox 17"/>
+          <p:cNvSpPr txBox="1"/>
+          <p:nvPr/>
+        </p:nvSpPr>
+        <p:spPr>
+          <a:xfrm>
+            <a:off x="8335108" y="3329317"/>
+            <a:ext cx="658714" cy="246221"/>
+          </a:xfrm>
+          <a:prstGeom prst="rect">
+            <a:avLst/>
+          </a:prstGeom>
+          <a:noFill/>
+        </p:spPr>
+        <p:txBody>
+          <a:bodyPr wrap="square" rtlCol="0">
+            <a:spAutoFit/>
+          </a:bodyPr>
+          <a:lstStyle/>
+          <a:p>
+            <a:r>
+              <a:rPr lang="en-US" sz="1000" b="1" dirty="0">
+                <a:solidFill>
+                  <a:schemeClr val="bg1"/>
+                </a:solidFill>
+              </a:rPr>
+              <a:t>4</a:t>
+            </a:r>
+            <a:r>
+              <a:rPr lang="en-US" sz="1000" b="1" dirty="0" smtClean="0">
+                <a:solidFill>
+                  <a:schemeClr val="bg1"/>
+                </a:solidFill>
+              </a:rPr>
+              <a:t>00px</a:t>
+            </a:r>
+            <a:endParaRPr lang="en-US" sz="1000" b="1" dirty="0">
+              <a:solidFill>
+                <a:schemeClr val="bg1"/>
+              </a:solidFill>
+            </a:endParaRPr>
+          </a:p>
+        </p:txBody>
+      </p:sp>
+      <p:sp>
+        <p:nvSpPr>
+          <p:cNvPr id="19" name="TextBox 18"/>
+          <p:cNvSpPr txBox="1"/>
+          <p:nvPr/>
+        </p:nvSpPr>
+        <p:spPr>
+          <a:xfrm>
+            <a:off x="1600506" y="4654468"/>
+            <a:ext cx="6423938" cy="369332"/>
+          </a:xfrm>
+          <a:prstGeom prst="rect">
+            <a:avLst/>
+          </a:prstGeom>
+          <a:noFill/>
+        </p:spPr>
+        <p:txBody>
+          <a:bodyPr wrap="square" rtlCol="0">
+            <a:spAutoFit/>
+          </a:bodyPr>
+          <a:lstStyle/>
+          <a:p>
+            <a:r>
+              <a:rPr lang="en-US" b="1" dirty="0" smtClean="0">
+                <a:solidFill>
+                  <a:schemeClr val="bg1"/>
+                </a:solidFill>
+              </a:rPr>
+              <a:t>5.2) There are total 4 boundary in the above container</a:t>
+            </a:r>
+            <a:endParaRPr lang="en-US" b="1" dirty="0">
+              <a:solidFill>
+                <a:schemeClr val="bg1"/>
+              </a:solidFill>
+            </a:endParaRPr>
+          </a:p>
+        </p:txBody>
+      </p:sp>
+      <p:sp>
+        <p:nvSpPr>
+          <p:cNvPr id="20" name="TextBox 19"/>
+          <p:cNvSpPr txBox="1"/>
+          <p:nvPr/>
+        </p:nvSpPr>
+        <p:spPr>
+          <a:xfrm>
+            <a:off x="4588777" y="3434898"/>
+            <a:ext cx="332690" cy="246221"/>
+          </a:xfrm>
+          <a:prstGeom prst="rect">
+            <a:avLst/>
+          </a:prstGeom>
+          <a:noFill/>
+        </p:spPr>
+        <p:txBody>
+          <a:bodyPr wrap="square" rtlCol="0">
+            <a:spAutoFit/>
+          </a:bodyPr>
+          <a:lstStyle/>
+          <a:p>
+            <a:r>
+              <a:rPr lang="en-US" sz="1000" b="1" dirty="0">
+                <a:solidFill>
+                  <a:srgbClr val="C00000"/>
+                </a:solidFill>
+              </a:rPr>
+              <a:t>1</a:t>
+            </a:r>
+            <a:endParaRPr lang="en-US" sz="1000" b="1" dirty="0">
+              <a:solidFill>
+                <a:srgbClr val="C00000"/>
+              </a:solidFill>
+            </a:endParaRPr>
+          </a:p>
+        </p:txBody>
+      </p:sp>
+      <p:sp>
+        <p:nvSpPr>
+          <p:cNvPr id="21" name="TextBox 20"/>
+          <p:cNvSpPr txBox="1"/>
+          <p:nvPr/>
+        </p:nvSpPr>
+        <p:spPr>
+          <a:xfrm>
+            <a:off x="6689430" y="4109105"/>
+            <a:ext cx="332690" cy="246221"/>
+          </a:xfrm>
+          <a:prstGeom prst="rect">
+            <a:avLst/>
+          </a:prstGeom>
+          <a:noFill/>
+        </p:spPr>
+        <p:txBody>
+          <a:bodyPr wrap="square" rtlCol="0">
+            <a:spAutoFit/>
+          </a:bodyPr>
+          <a:lstStyle/>
+          <a:p>
+            <a:r>
+              <a:rPr lang="en-US" sz="1000" b="1" dirty="0" smtClean="0">
+                <a:solidFill>
+                  <a:srgbClr val="C00000"/>
+                </a:solidFill>
+              </a:rPr>
+              <a:t>2</a:t>
+            </a:r>
+            <a:endParaRPr lang="en-US" sz="1000" b="1" dirty="0">
+              <a:solidFill>
+                <a:srgbClr val="C00000"/>
+              </a:solidFill>
+            </a:endParaRPr>
+          </a:p>
+        </p:txBody>
+      </p:sp>
+      <p:sp>
+        <p:nvSpPr>
+          <p:cNvPr id="22" name="TextBox 21"/>
+          <p:cNvSpPr txBox="1"/>
+          <p:nvPr/>
+        </p:nvSpPr>
+        <p:spPr>
+          <a:xfrm>
+            <a:off x="7990695" y="3470032"/>
+            <a:ext cx="332690" cy="246221"/>
+          </a:xfrm>
+          <a:prstGeom prst="rect">
+            <a:avLst/>
+          </a:prstGeom>
+          <a:noFill/>
+        </p:spPr>
+        <p:txBody>
+          <a:bodyPr wrap="square" rtlCol="0">
+            <a:spAutoFit/>
+          </a:bodyPr>
+          <a:lstStyle/>
+          <a:p>
+            <a:r>
+              <a:rPr lang="en-US" sz="1000" b="1" dirty="0">
+                <a:solidFill>
+                  <a:srgbClr val="C00000"/>
+                </a:solidFill>
+              </a:rPr>
+              <a:t>3</a:t>
+            </a:r>
+            <a:endParaRPr lang="en-US" sz="1000" b="1" dirty="0">
+              <a:solidFill>
+                <a:srgbClr val="C00000"/>
+              </a:solidFill>
+            </a:endParaRPr>
+          </a:p>
+        </p:txBody>
+      </p:sp>
+      <p:sp>
+        <p:nvSpPr>
+          <p:cNvPr id="23" name="TextBox 22"/>
+          <p:cNvSpPr txBox="1"/>
+          <p:nvPr/>
+        </p:nvSpPr>
+        <p:spPr>
+          <a:xfrm>
+            <a:off x="6595647" y="2731811"/>
+            <a:ext cx="332690" cy="246221"/>
+          </a:xfrm>
+          <a:prstGeom prst="rect">
+            <a:avLst/>
+          </a:prstGeom>
+          <a:noFill/>
+        </p:spPr>
+        <p:txBody>
+          <a:bodyPr wrap="square" rtlCol="0">
+            <a:spAutoFit/>
+          </a:bodyPr>
+          <a:lstStyle/>
+          <a:p>
+            <a:r>
+              <a:rPr lang="en-US" sz="1000" b="1" dirty="0">
+                <a:solidFill>
+                  <a:srgbClr val="C00000"/>
+                </a:solidFill>
+              </a:rPr>
+              <a:t>4</a:t>
+            </a:r>
+            <a:endParaRPr lang="en-US" sz="1000" b="1" dirty="0">
+              <a:solidFill>
+                <a:srgbClr val="C00000"/>
+              </a:solidFill>
+            </a:endParaRPr>
+          </a:p>
+        </p:txBody>
+      </p:sp>
+      <p:sp>
+        <p:nvSpPr>
+          <p:cNvPr id="24" name="TextBox 23"/>
+          <p:cNvSpPr txBox="1"/>
+          <p:nvPr/>
+        </p:nvSpPr>
+        <p:spPr>
+          <a:xfrm>
+            <a:off x="1566756" y="5367079"/>
+            <a:ext cx="6944197" cy="1200329"/>
+          </a:xfrm>
+          <a:prstGeom prst="rect">
+            <a:avLst/>
+          </a:prstGeom>
+          <a:noFill/>
+        </p:spPr>
+        <p:txBody>
+          <a:bodyPr wrap="square" rtlCol="0">
+            <a:spAutoFit/>
+          </a:bodyPr>
+          <a:lstStyle/>
+          <a:p>
+            <a:r>
+              <a:rPr lang="en-US" b="1" dirty="0" smtClean="0">
+                <a:solidFill>
+                  <a:schemeClr val="bg1"/>
+                </a:solidFill>
+              </a:rPr>
+              <a:t>5.3) The boundary can be divided into two main category</a:t>
+            </a:r>
+          </a:p>
+          <a:p>
+            <a:r>
+              <a:rPr lang="en-US" b="1" dirty="0" smtClean="0">
+                <a:solidFill>
+                  <a:schemeClr val="bg1"/>
+                </a:solidFill>
+              </a:rPr>
+              <a:t>	</a:t>
+            </a:r>
+          </a:p>
+          <a:p>
+            <a:r>
+              <a:rPr lang="en-US" b="1" dirty="0">
+                <a:solidFill>
+                  <a:schemeClr val="bg1"/>
+                </a:solidFill>
+              </a:rPr>
+              <a:t>	</a:t>
+            </a:r>
+            <a:r>
+              <a:rPr lang="en-US" b="1" dirty="0" smtClean="0">
+                <a:solidFill>
+                  <a:schemeClr val="bg1"/>
+                </a:solidFill>
+              </a:rPr>
+              <a:t>	1) Horizontal Boundary Condition (1 and 3)</a:t>
+            </a:r>
+          </a:p>
+          <a:p>
+            <a:r>
+              <a:rPr lang="en-US" b="1" dirty="0">
+                <a:solidFill>
+                  <a:schemeClr val="bg1"/>
+                </a:solidFill>
+              </a:rPr>
+              <a:t>	</a:t>
+            </a:r>
+            <a:r>
+              <a:rPr lang="en-US" b="1" dirty="0" smtClean="0">
+                <a:solidFill>
+                  <a:schemeClr val="bg1"/>
+                </a:solidFill>
+              </a:rPr>
+              <a:t>	2) Vertical  Boundary Condition (2 and 4)</a:t>
+            </a:r>
+            <a:endParaRPr lang="en-US" b="1" dirty="0">
+              <a:solidFill>
+                <a:schemeClr val="bg1"/>
+              </a:solidFill>
+            </a:endParaRPr>
+          </a:p>
+        </p:txBody>
+      </p:sp>
+    </p:spTree>
+    <p:extLst>
+      <p:ext uri="{BB962C8B-B14F-4D97-AF65-F5344CB8AC3E}">
+        <p14:creationId xmlns:p14="http://schemas.microsoft.com/office/powerpoint/2010/main" val="2786800405"/>
+      </p:ext>
+    </p:extLst>
+  </p:cSld>
+  <p:clrMapOvr>
+    <a:masterClrMapping/>
+  </p:clrMapOvr>
+</p:sld>
+</file>
+
+<file path=ppt/slides/slide12.xml><?xml version="1.0" encoding="utf-8"?>
+<p:sld xmlns:a="http://schemas.openxmlformats.org/drawingml/2006/main" xmlns:r="http://schemas.openxmlformats.org/officeDocument/2006/relationships" xmlns:p="http://schemas.openxmlformats.org/presentationml/2006/main">
+  <p:cSld>
+    <p:spTree>
+      <p:nvGrpSpPr>
+        <p:cNvPr id="1" name=""/>
+        <p:cNvGrpSpPr/>
+        <p:nvPr/>
+      </p:nvGrpSpPr>
+      <p:grpSpPr>
+        <a:xfrm>
+          <a:off x="0" y="0"/>
+          <a:ext cx="0" cy="0"/>
+          <a:chOff x="0" y="0"/>
+          <a:chExt cx="0" cy="0"/>
+        </a:xfrm>
+      </p:grpSpPr>
+      <p:sp>
+        <p:nvSpPr>
+          <p:cNvPr id="4" name="Rectangle 3"/>
+          <p:cNvSpPr/>
+          <p:nvPr/>
+        </p:nvSpPr>
+        <p:spPr>
+          <a:xfrm>
+            <a:off x="915958" y="104436"/>
+            <a:ext cx="9866805" cy="584775"/>
+          </a:xfrm>
+          <a:prstGeom prst="rect">
+            <a:avLst/>
+          </a:prstGeom>
+          <a:noFill/>
+        </p:spPr>
+        <p:txBody>
+          <a:bodyPr wrap="none" lIns="91440" tIns="45720" rIns="91440" bIns="45720">
+            <a:spAutoFit/>
+          </a:bodyPr>
+          <a:lstStyle/>
+          <a:p>
+            <a:pPr algn="ctr"/>
+            <a:r>
+              <a:rPr lang="en-US" sz="3200" b="1" dirty="0" smtClean="0">
+                <a:ln w="22225">
+                  <a:solidFill>
+                    <a:schemeClr val="accent2"/>
+                  </a:solidFill>
+                  <a:prstDash val="solid"/>
+                </a:ln>
+                <a:solidFill>
+                  <a:schemeClr val="accent2">
+                    <a:lumMod val="40000"/>
+                    <a:lumOff val="60000"/>
+                  </a:schemeClr>
+                </a:solidFill>
+              </a:rPr>
+              <a:t>Game Development Using HTML5 and </a:t>
+            </a:r>
+            <a:r>
+              <a:rPr lang="en-US" sz="3200" b="1" dirty="0">
+                <a:ln w="22225">
+                  <a:solidFill>
+                    <a:schemeClr val="accent2"/>
+                  </a:solidFill>
+                  <a:prstDash val="solid"/>
+                </a:ln>
+                <a:solidFill>
+                  <a:schemeClr val="accent2">
+                    <a:lumMod val="40000"/>
+                    <a:lumOff val="60000"/>
+                  </a:schemeClr>
+                </a:solidFill>
+              </a:rPr>
+              <a:t>J</a:t>
+            </a:r>
+            <a:r>
+              <a:rPr lang="en-US" sz="3200" b="1" dirty="0" smtClean="0">
+                <a:ln w="22225">
+                  <a:solidFill>
+                    <a:schemeClr val="accent2"/>
+                  </a:solidFill>
+                  <a:prstDash val="solid"/>
+                </a:ln>
+                <a:solidFill>
+                  <a:schemeClr val="accent2">
+                    <a:lumMod val="40000"/>
+                    <a:lumOff val="60000"/>
+                  </a:schemeClr>
+                </a:solidFill>
+              </a:rPr>
+              <a:t>avaScript</a:t>
+            </a:r>
+            <a:endParaRPr lang="en-US" sz="3200" b="1" cap="none" spc="0" dirty="0">
+              <a:ln w="22225">
+                <a:solidFill>
+                  <a:schemeClr val="accent2"/>
+                </a:solidFill>
+                <a:prstDash val="solid"/>
+              </a:ln>
+              <a:solidFill>
+                <a:schemeClr val="accent2">
+                  <a:lumMod val="40000"/>
+                  <a:lumOff val="60000"/>
+                </a:schemeClr>
+              </a:solidFill>
+              <a:effectLst/>
+            </a:endParaRPr>
+          </a:p>
+        </p:txBody>
+      </p:sp>
+      <p:sp>
+        <p:nvSpPr>
+          <p:cNvPr id="5" name="TextBox 4"/>
+          <p:cNvSpPr txBox="1"/>
+          <p:nvPr/>
+        </p:nvSpPr>
+        <p:spPr>
+          <a:xfrm>
+            <a:off x="4133802" y="767715"/>
+            <a:ext cx="2360781" cy="369332"/>
+          </a:xfrm>
+          <a:prstGeom prst="rect">
+            <a:avLst/>
+          </a:prstGeom>
+          <a:noFill/>
+        </p:spPr>
+        <p:txBody>
+          <a:bodyPr wrap="square" rtlCol="0">
+            <a:spAutoFit/>
+          </a:bodyPr>
+          <a:lstStyle/>
+          <a:p>
+            <a:r>
+              <a:rPr lang="en-US" b="1" dirty="0" smtClean="0">
+                <a:solidFill>
+                  <a:srgbClr val="C00000"/>
+                </a:solidFill>
+              </a:rPr>
+              <a:t>Building The Setup </a:t>
+            </a:r>
+          </a:p>
+        </p:txBody>
+      </p:sp>
+      <p:sp>
+        <p:nvSpPr>
+          <p:cNvPr id="7" name="TextBox 6"/>
+          <p:cNvSpPr txBox="1"/>
+          <p:nvPr/>
+        </p:nvSpPr>
+        <p:spPr>
+          <a:xfrm>
+            <a:off x="1191310" y="1400483"/>
+            <a:ext cx="6405244" cy="369332"/>
+          </a:xfrm>
+          <a:prstGeom prst="rect">
+            <a:avLst/>
+          </a:prstGeom>
+          <a:noFill/>
+        </p:spPr>
+        <p:txBody>
+          <a:bodyPr wrap="square" rtlCol="0">
+            <a:spAutoFit/>
+          </a:bodyPr>
+          <a:lstStyle/>
+          <a:p>
+            <a:r>
+              <a:rPr lang="en-US" b="1" dirty="0" smtClean="0">
+                <a:solidFill>
+                  <a:schemeClr val="bg1"/>
+                </a:solidFill>
+              </a:rPr>
+              <a:t>5.4) Formulating the horizontal boundary condition logic</a:t>
+            </a:r>
+            <a:endParaRPr lang="en-US" b="1" dirty="0">
+              <a:solidFill>
+                <a:schemeClr val="bg1"/>
+              </a:solidFill>
+            </a:endParaRPr>
+          </a:p>
+        </p:txBody>
+      </p:sp>
+      <p:sp>
+        <p:nvSpPr>
+          <p:cNvPr id="8" name="TextBox 7"/>
+          <p:cNvSpPr txBox="1"/>
+          <p:nvPr/>
+        </p:nvSpPr>
+        <p:spPr>
+          <a:xfrm>
+            <a:off x="1742294" y="1903007"/>
+            <a:ext cx="10262137" cy="369332"/>
+          </a:xfrm>
+          <a:prstGeom prst="rect">
+            <a:avLst/>
+          </a:prstGeom>
+          <a:noFill/>
+        </p:spPr>
+        <p:txBody>
+          <a:bodyPr wrap="square" rtlCol="0">
+            <a:spAutoFit/>
+          </a:bodyPr>
+          <a:lstStyle/>
+          <a:p>
+            <a:r>
+              <a:rPr lang="en-US" b="1" dirty="0" smtClean="0">
+                <a:solidFill>
+                  <a:schemeClr val="bg1"/>
+                </a:solidFill>
+              </a:rPr>
+              <a:t>1.  If the x-co-ordinate of the ball exceeds the width of the container (3 part of container) </a:t>
+            </a:r>
+            <a:endParaRPr lang="en-US" b="1" dirty="0">
+              <a:solidFill>
+                <a:schemeClr val="bg1"/>
+              </a:solidFill>
+            </a:endParaRPr>
+          </a:p>
+        </p:txBody>
+      </p:sp>
+      <p:sp>
+        <p:nvSpPr>
+          <p:cNvPr id="9" name="TextBox 8"/>
+          <p:cNvSpPr txBox="1"/>
+          <p:nvPr/>
+        </p:nvSpPr>
+        <p:spPr>
+          <a:xfrm>
+            <a:off x="1742294" y="2374289"/>
+            <a:ext cx="8163705" cy="369332"/>
+          </a:xfrm>
+          <a:prstGeom prst="rect">
+            <a:avLst/>
+          </a:prstGeom>
+          <a:noFill/>
+        </p:spPr>
+        <p:txBody>
+          <a:bodyPr wrap="square" rtlCol="0">
+            <a:spAutoFit/>
+          </a:bodyPr>
+          <a:lstStyle/>
+          <a:p>
+            <a:r>
+              <a:rPr lang="en-US" b="1" dirty="0">
+                <a:solidFill>
+                  <a:schemeClr val="bg1"/>
+                </a:solidFill>
+              </a:rPr>
+              <a:t>2</a:t>
+            </a:r>
+            <a:r>
+              <a:rPr lang="en-US" b="1" dirty="0" smtClean="0">
+                <a:solidFill>
+                  <a:schemeClr val="bg1"/>
+                </a:solidFill>
+              </a:rPr>
+              <a:t>.  If the x-co-ordinate of the ball goes beyond zero.(1 part of container) </a:t>
+            </a:r>
+            <a:endParaRPr lang="en-US" b="1" dirty="0">
+              <a:solidFill>
+                <a:schemeClr val="bg1"/>
+              </a:solidFill>
+            </a:endParaRPr>
+          </a:p>
+        </p:txBody>
+      </p:sp>
+      <p:sp>
+        <p:nvSpPr>
+          <p:cNvPr id="10" name="TextBox 9"/>
+          <p:cNvSpPr txBox="1"/>
+          <p:nvPr/>
+        </p:nvSpPr>
+        <p:spPr>
+          <a:xfrm>
+            <a:off x="1767506" y="2924996"/>
+            <a:ext cx="9521817" cy="369332"/>
+          </a:xfrm>
+          <a:prstGeom prst="rect">
+            <a:avLst/>
+          </a:prstGeom>
+          <a:noFill/>
+        </p:spPr>
+        <p:txBody>
+          <a:bodyPr wrap="square" rtlCol="0">
+            <a:spAutoFit/>
+          </a:bodyPr>
+          <a:lstStyle/>
+          <a:p>
+            <a:r>
+              <a:rPr lang="en-US" b="1" dirty="0" smtClean="0">
+                <a:solidFill>
+                  <a:schemeClr val="bg1"/>
+                </a:solidFill>
+              </a:rPr>
+              <a:t>3.  If any of above two condition are met then reverse the “</a:t>
+            </a:r>
+            <a:r>
+              <a:rPr lang="en-US" b="1" dirty="0" err="1" smtClean="0">
+                <a:solidFill>
+                  <a:schemeClr val="bg1"/>
+                </a:solidFill>
+              </a:rPr>
+              <a:t>vx</a:t>
+            </a:r>
+            <a:r>
+              <a:rPr lang="en-US" b="1" dirty="0" smtClean="0">
+                <a:solidFill>
+                  <a:schemeClr val="bg1"/>
+                </a:solidFill>
+              </a:rPr>
+              <a:t>” velocity of the ball </a:t>
+            </a:r>
+            <a:endParaRPr lang="en-US" b="1" dirty="0">
+              <a:solidFill>
+                <a:schemeClr val="bg1"/>
+              </a:solidFill>
+            </a:endParaRPr>
+          </a:p>
+        </p:txBody>
+      </p:sp>
+      <p:sp>
+        <p:nvSpPr>
+          <p:cNvPr id="11" name="TextBox 10"/>
+          <p:cNvSpPr txBox="1"/>
+          <p:nvPr/>
+        </p:nvSpPr>
+        <p:spPr>
+          <a:xfrm>
+            <a:off x="1191310" y="3577653"/>
+            <a:ext cx="6182505" cy="369332"/>
+          </a:xfrm>
+          <a:prstGeom prst="rect">
+            <a:avLst/>
+          </a:prstGeom>
+          <a:noFill/>
+        </p:spPr>
+        <p:txBody>
+          <a:bodyPr wrap="square" rtlCol="0">
+            <a:spAutoFit/>
+          </a:bodyPr>
+          <a:lstStyle/>
+          <a:p>
+            <a:r>
+              <a:rPr lang="en-US" b="1" dirty="0" smtClean="0">
+                <a:solidFill>
+                  <a:schemeClr val="bg1"/>
+                </a:solidFill>
+              </a:rPr>
+              <a:t>5.5) Formulating the vertical boundary condition logic</a:t>
+            </a:r>
+            <a:endParaRPr lang="en-US" b="1" dirty="0">
+              <a:solidFill>
+                <a:schemeClr val="bg1"/>
+              </a:solidFill>
+            </a:endParaRPr>
+          </a:p>
+        </p:txBody>
+      </p:sp>
+      <p:sp>
+        <p:nvSpPr>
+          <p:cNvPr id="12" name="TextBox 11"/>
+          <p:cNvSpPr txBox="1"/>
+          <p:nvPr/>
+        </p:nvSpPr>
+        <p:spPr>
+          <a:xfrm>
+            <a:off x="1648510" y="4128360"/>
+            <a:ext cx="10262137" cy="369332"/>
+          </a:xfrm>
+          <a:prstGeom prst="rect">
+            <a:avLst/>
+          </a:prstGeom>
+          <a:noFill/>
+        </p:spPr>
+        <p:txBody>
+          <a:bodyPr wrap="square" rtlCol="0">
+            <a:spAutoFit/>
+          </a:bodyPr>
+          <a:lstStyle/>
+          <a:p>
+            <a:r>
+              <a:rPr lang="en-US" b="1" dirty="0" smtClean="0">
+                <a:solidFill>
+                  <a:schemeClr val="bg1"/>
+                </a:solidFill>
+              </a:rPr>
+              <a:t>1.  If the y-co-ordinate of the ball exceeds the height of the container (2 part of container) </a:t>
+            </a:r>
+            <a:endParaRPr lang="en-US" b="1" dirty="0">
+              <a:solidFill>
+                <a:schemeClr val="bg1"/>
+              </a:solidFill>
+            </a:endParaRPr>
+          </a:p>
+        </p:txBody>
+      </p:sp>
+      <p:sp>
+        <p:nvSpPr>
+          <p:cNvPr id="13" name="TextBox 12"/>
+          <p:cNvSpPr txBox="1"/>
+          <p:nvPr/>
+        </p:nvSpPr>
+        <p:spPr>
+          <a:xfrm>
+            <a:off x="1648510" y="4720186"/>
+            <a:ext cx="8163705" cy="369332"/>
+          </a:xfrm>
+          <a:prstGeom prst="rect">
+            <a:avLst/>
+          </a:prstGeom>
+          <a:noFill/>
+        </p:spPr>
+        <p:txBody>
+          <a:bodyPr wrap="square" rtlCol="0">
+            <a:spAutoFit/>
+          </a:bodyPr>
+          <a:lstStyle/>
+          <a:p>
+            <a:r>
+              <a:rPr lang="en-US" b="1" dirty="0">
+                <a:solidFill>
+                  <a:schemeClr val="bg1"/>
+                </a:solidFill>
+              </a:rPr>
+              <a:t>2</a:t>
+            </a:r>
+            <a:r>
+              <a:rPr lang="en-US" b="1" dirty="0" smtClean="0">
+                <a:solidFill>
+                  <a:schemeClr val="bg1"/>
+                </a:solidFill>
+              </a:rPr>
+              <a:t>.  If the y-co-ordinate of the ball goes beyond zero.(4 part of container) </a:t>
+            </a:r>
+            <a:endParaRPr lang="en-US" b="1" dirty="0">
+              <a:solidFill>
+                <a:schemeClr val="bg1"/>
+              </a:solidFill>
+            </a:endParaRPr>
+          </a:p>
+        </p:txBody>
+      </p:sp>
+      <p:sp>
+        <p:nvSpPr>
+          <p:cNvPr id="14" name="TextBox 13"/>
+          <p:cNvSpPr txBox="1"/>
+          <p:nvPr/>
+        </p:nvSpPr>
+        <p:spPr>
+          <a:xfrm>
+            <a:off x="1648510" y="5323735"/>
+            <a:ext cx="9521817" cy="369332"/>
+          </a:xfrm>
+          <a:prstGeom prst="rect">
+            <a:avLst/>
+          </a:prstGeom>
+          <a:noFill/>
+        </p:spPr>
+        <p:txBody>
+          <a:bodyPr wrap="square" rtlCol="0">
+            <a:spAutoFit/>
+          </a:bodyPr>
+          <a:lstStyle/>
+          <a:p>
+            <a:r>
+              <a:rPr lang="en-US" b="1" dirty="0">
+                <a:solidFill>
+                  <a:schemeClr val="bg1"/>
+                </a:solidFill>
+              </a:rPr>
+              <a:t>3</a:t>
+            </a:r>
+            <a:r>
+              <a:rPr lang="en-US" b="1" dirty="0" smtClean="0">
+                <a:solidFill>
+                  <a:schemeClr val="bg1"/>
+                </a:solidFill>
+              </a:rPr>
+              <a:t>.  If any of above two condition are met then reverse the “</a:t>
+            </a:r>
+            <a:r>
+              <a:rPr lang="en-US" b="1" dirty="0" err="1" smtClean="0">
+                <a:solidFill>
+                  <a:schemeClr val="bg1"/>
+                </a:solidFill>
+              </a:rPr>
+              <a:t>vy</a:t>
+            </a:r>
+            <a:r>
+              <a:rPr lang="en-US" b="1" dirty="0" smtClean="0">
+                <a:solidFill>
+                  <a:schemeClr val="bg1"/>
+                </a:solidFill>
+              </a:rPr>
+              <a:t>” velocity of the ball </a:t>
+            </a:r>
+            <a:endParaRPr lang="en-US" b="1" dirty="0">
+              <a:solidFill>
+                <a:schemeClr val="bg1"/>
+              </a:solidFill>
+            </a:endParaRPr>
+          </a:p>
+        </p:txBody>
+      </p:sp>
+      <p:sp>
+        <p:nvSpPr>
+          <p:cNvPr id="15" name="TextBox 14"/>
+          <p:cNvSpPr txBox="1"/>
+          <p:nvPr/>
+        </p:nvSpPr>
+        <p:spPr>
+          <a:xfrm>
+            <a:off x="665536" y="6013499"/>
+            <a:ext cx="8372956" cy="369332"/>
+          </a:xfrm>
+          <a:prstGeom prst="rect">
+            <a:avLst/>
+          </a:prstGeom>
+          <a:noFill/>
+        </p:spPr>
+        <p:txBody>
+          <a:bodyPr wrap="square" rtlCol="0">
+            <a:spAutoFit/>
+          </a:bodyPr>
+          <a:lstStyle/>
+          <a:p>
+            <a:r>
+              <a:rPr lang="en-US" b="1" dirty="0" smtClean="0">
+                <a:solidFill>
+                  <a:srgbClr val="C00000"/>
+                </a:solidFill>
+              </a:rPr>
+              <a:t>Note:	</a:t>
+            </a:r>
+            <a:r>
+              <a:rPr lang="en-US" b="1" dirty="0" err="1" smtClean="0">
+                <a:solidFill>
+                  <a:srgbClr val="C00000"/>
+                </a:solidFill>
+              </a:rPr>
+              <a:t>vx</a:t>
+            </a:r>
+            <a:r>
+              <a:rPr lang="en-US" b="1" dirty="0" smtClean="0">
+                <a:solidFill>
+                  <a:srgbClr val="C00000"/>
+                </a:solidFill>
+              </a:rPr>
+              <a:t> is horizontal velocity and </a:t>
+            </a:r>
+            <a:r>
+              <a:rPr lang="en-US" b="1" dirty="0" err="1" smtClean="0">
+                <a:solidFill>
+                  <a:srgbClr val="C00000"/>
+                </a:solidFill>
+              </a:rPr>
+              <a:t>vy</a:t>
+            </a:r>
+            <a:r>
+              <a:rPr lang="en-US" b="1" dirty="0" smtClean="0">
+                <a:solidFill>
+                  <a:srgbClr val="C00000"/>
+                </a:solidFill>
+              </a:rPr>
+              <a:t> is the vertical velocity of the ball</a:t>
+            </a:r>
+            <a:endParaRPr lang="en-US" b="1" dirty="0">
+              <a:solidFill>
+                <a:srgbClr val="C00000"/>
+              </a:solidFill>
+            </a:endParaRPr>
+          </a:p>
+        </p:txBody>
+      </p:sp>
+    </p:spTree>
+    <p:extLst>
+      <p:ext uri="{BB962C8B-B14F-4D97-AF65-F5344CB8AC3E}">
+        <p14:creationId xmlns:p14="http://schemas.microsoft.com/office/powerpoint/2010/main" val="194570056"/>
+      </p:ext>
+    </p:extLst>
+  </p:cSld>
+  <p:clrMapOvr>
+    <a:masterClrMapping/>
+  </p:clrMapOvr>
+</p:sld>
+</file>
+
+<file path=ppt/slides/slide13.xml><?xml version="1.0" encoding="utf-8"?>
+<p:sld xmlns:a="http://schemas.openxmlformats.org/drawingml/2006/main" xmlns:r="http://schemas.openxmlformats.org/officeDocument/2006/relationships" xmlns:p="http://schemas.openxmlformats.org/presentationml/2006/main">
+  <p:cSld>
+    <p:spTree>
+      <p:nvGrpSpPr>
+        <p:cNvPr id="1" name=""/>
+        <p:cNvGrpSpPr/>
+        <p:nvPr/>
+      </p:nvGrpSpPr>
+      <p:grpSpPr>
+        <a:xfrm>
+          <a:off x="0" y="0"/>
+          <a:ext cx="0" cy="0"/>
+          <a:chOff x="0" y="0"/>
+          <a:chExt cx="0" cy="0"/>
+        </a:xfrm>
+      </p:grpSpPr>
+      <p:sp>
+        <p:nvSpPr>
+          <p:cNvPr id="4" name="Rectangle 3"/>
+          <p:cNvSpPr/>
+          <p:nvPr/>
+        </p:nvSpPr>
+        <p:spPr>
+          <a:xfrm>
+            <a:off x="915958" y="104436"/>
+            <a:ext cx="9866805" cy="584775"/>
+          </a:xfrm>
+          <a:prstGeom prst="rect">
+            <a:avLst/>
+          </a:prstGeom>
+          <a:noFill/>
+        </p:spPr>
+        <p:txBody>
+          <a:bodyPr wrap="none" lIns="91440" tIns="45720" rIns="91440" bIns="45720">
+            <a:spAutoFit/>
+          </a:bodyPr>
+          <a:lstStyle/>
+          <a:p>
+            <a:pPr algn="ctr"/>
+            <a:r>
+              <a:rPr lang="en-US" sz="3200" b="1" dirty="0" smtClean="0">
+                <a:ln w="22225">
+                  <a:solidFill>
+                    <a:schemeClr val="accent2"/>
+                  </a:solidFill>
+                  <a:prstDash val="solid"/>
+                </a:ln>
+                <a:solidFill>
+                  <a:schemeClr val="accent2">
+                    <a:lumMod val="40000"/>
+                    <a:lumOff val="60000"/>
+                  </a:schemeClr>
+                </a:solidFill>
+              </a:rPr>
+              <a:t>Game Development Using HTML5 and </a:t>
+            </a:r>
+            <a:r>
+              <a:rPr lang="en-US" sz="3200" b="1" dirty="0">
+                <a:ln w="22225">
+                  <a:solidFill>
+                    <a:schemeClr val="accent2"/>
+                  </a:solidFill>
+                  <a:prstDash val="solid"/>
+                </a:ln>
+                <a:solidFill>
+                  <a:schemeClr val="accent2">
+                    <a:lumMod val="40000"/>
+                    <a:lumOff val="60000"/>
+                  </a:schemeClr>
+                </a:solidFill>
+              </a:rPr>
+              <a:t>J</a:t>
+            </a:r>
+            <a:r>
+              <a:rPr lang="en-US" sz="3200" b="1" dirty="0" smtClean="0">
+                <a:ln w="22225">
+                  <a:solidFill>
+                    <a:schemeClr val="accent2"/>
+                  </a:solidFill>
+                  <a:prstDash val="solid"/>
+                </a:ln>
+                <a:solidFill>
+                  <a:schemeClr val="accent2">
+                    <a:lumMod val="40000"/>
+                    <a:lumOff val="60000"/>
+                  </a:schemeClr>
+                </a:solidFill>
+              </a:rPr>
+              <a:t>avaScript</a:t>
+            </a:r>
+            <a:endParaRPr lang="en-US" sz="3200" b="1" cap="none" spc="0" dirty="0">
+              <a:ln w="22225">
+                <a:solidFill>
+                  <a:schemeClr val="accent2"/>
+                </a:solidFill>
+                <a:prstDash val="solid"/>
+              </a:ln>
+              <a:solidFill>
+                <a:schemeClr val="accent2">
+                  <a:lumMod val="40000"/>
+                  <a:lumOff val="60000"/>
+                </a:schemeClr>
+              </a:solidFill>
+              <a:effectLst/>
+            </a:endParaRPr>
+          </a:p>
+        </p:txBody>
+      </p:sp>
+      <p:sp>
+        <p:nvSpPr>
+          <p:cNvPr id="5" name="TextBox 4"/>
+          <p:cNvSpPr txBox="1"/>
+          <p:nvPr/>
+        </p:nvSpPr>
+        <p:spPr>
+          <a:xfrm>
+            <a:off x="4133802" y="767715"/>
+            <a:ext cx="2360781" cy="369332"/>
+          </a:xfrm>
+          <a:prstGeom prst="rect">
+            <a:avLst/>
+          </a:prstGeom>
+          <a:noFill/>
+        </p:spPr>
+        <p:txBody>
+          <a:bodyPr wrap="square" rtlCol="0">
+            <a:spAutoFit/>
+          </a:bodyPr>
+          <a:lstStyle/>
+          <a:p>
+            <a:r>
+              <a:rPr lang="en-US" b="1" dirty="0" smtClean="0">
+                <a:solidFill>
+                  <a:srgbClr val="C00000"/>
+                </a:solidFill>
+              </a:rPr>
+              <a:t>Building The Setup </a:t>
+            </a:r>
+          </a:p>
+        </p:txBody>
+      </p:sp>
+      <p:sp>
+        <p:nvSpPr>
+          <p:cNvPr id="6" name="TextBox 5"/>
+          <p:cNvSpPr txBox="1"/>
+          <p:nvPr/>
+        </p:nvSpPr>
+        <p:spPr>
+          <a:xfrm>
+            <a:off x="1191310" y="1400483"/>
+            <a:ext cx="5596352" cy="369332"/>
+          </a:xfrm>
+          <a:prstGeom prst="rect">
+            <a:avLst/>
+          </a:prstGeom>
+          <a:noFill/>
+        </p:spPr>
+        <p:txBody>
+          <a:bodyPr wrap="square" rtlCol="0">
+            <a:spAutoFit/>
+          </a:bodyPr>
+          <a:lstStyle/>
+          <a:p>
+            <a:r>
+              <a:rPr lang="en-US" b="1" dirty="0" smtClean="0">
+                <a:solidFill>
+                  <a:schemeClr val="bg1"/>
+                </a:solidFill>
+              </a:rPr>
+              <a:t>5.6) Implementing the boundary condition logic</a:t>
+            </a:r>
+            <a:endParaRPr lang="en-US" b="1" dirty="0">
+              <a:solidFill>
+                <a:schemeClr val="bg1"/>
+              </a:solidFill>
+            </a:endParaRPr>
+          </a:p>
+        </p:txBody>
+      </p:sp>
+      <p:sp>
+        <p:nvSpPr>
+          <p:cNvPr id="7" name="Rectangle 6"/>
+          <p:cNvSpPr/>
+          <p:nvPr/>
+        </p:nvSpPr>
+        <p:spPr>
+          <a:xfrm>
+            <a:off x="1969475" y="2033251"/>
+            <a:ext cx="9319847" cy="369332"/>
+          </a:xfrm>
+          <a:prstGeom prst="rect">
+            <a:avLst/>
+          </a:prstGeom>
+        </p:spPr>
+        <p:txBody>
+          <a:bodyPr wrap="square">
+            <a:spAutoFit/>
+          </a:bodyPr>
+          <a:lstStyle/>
+          <a:p>
+            <a:r>
+              <a:rPr lang="en-US" b="1" dirty="0">
+                <a:solidFill>
+                  <a:schemeClr val="bg1"/>
+                </a:solidFill>
+              </a:rPr>
+              <a:t>var circle={"x":30,"y":40,"r":15,"vx":1,"vy":2,"color":"red</a:t>
+            </a:r>
+            <a:r>
+              <a:rPr lang="en-US" b="1" dirty="0" smtClean="0">
+                <a:solidFill>
+                  <a:schemeClr val="bg1"/>
+                </a:solidFill>
+              </a:rPr>
+              <a:t>","</a:t>
+            </a:r>
+            <a:r>
+              <a:rPr lang="en-US" b="1" dirty="0">
+                <a:solidFill>
+                  <a:schemeClr val="bg1"/>
+                </a:solidFill>
+              </a:rPr>
+              <a:t>hitcount":1,"misscount":1};</a:t>
+            </a:r>
+          </a:p>
+        </p:txBody>
+      </p:sp>
+      <p:sp>
+        <p:nvSpPr>
+          <p:cNvPr id="8" name="Rectangle 7"/>
+          <p:cNvSpPr/>
+          <p:nvPr/>
+        </p:nvSpPr>
+        <p:spPr>
+          <a:xfrm>
+            <a:off x="562709" y="2666019"/>
+            <a:ext cx="11383106" cy="3970318"/>
+          </a:xfrm>
+          <a:prstGeom prst="rect">
+            <a:avLst/>
+          </a:prstGeom>
+        </p:spPr>
+        <p:txBody>
+          <a:bodyPr wrap="square">
+            <a:spAutoFit/>
+          </a:bodyPr>
+          <a:lstStyle/>
+          <a:p>
+            <a:r>
+              <a:rPr lang="en-US" dirty="0" smtClean="0"/>
+              <a:t>				</a:t>
+            </a:r>
+            <a:r>
+              <a:rPr lang="en-US" b="1" dirty="0" smtClean="0">
+                <a:solidFill>
+                  <a:schemeClr val="bg1"/>
+                </a:solidFill>
+              </a:rPr>
+              <a:t>	if( (</a:t>
+            </a:r>
+            <a:r>
+              <a:rPr lang="en-US" b="1" dirty="0" err="1">
+                <a:solidFill>
+                  <a:schemeClr val="bg1"/>
+                </a:solidFill>
+              </a:rPr>
+              <a:t>circle.x+circle.vx+circle.r</a:t>
+            </a:r>
+            <a:r>
+              <a:rPr lang="en-US" b="1" dirty="0">
+                <a:solidFill>
+                  <a:schemeClr val="bg1"/>
+                </a:solidFill>
+              </a:rPr>
+              <a:t>&gt;800) || ((</a:t>
+            </a:r>
+            <a:r>
+              <a:rPr lang="en-US" b="1" dirty="0" err="1">
+                <a:solidFill>
+                  <a:schemeClr val="bg1"/>
+                </a:solidFill>
+              </a:rPr>
+              <a:t>circle.x-circle.r</a:t>
+            </a:r>
+            <a:r>
+              <a:rPr lang="en-US" b="1" dirty="0">
+                <a:solidFill>
+                  <a:schemeClr val="bg1"/>
+                </a:solidFill>
+              </a:rPr>
+              <a:t>)+</a:t>
+            </a:r>
+            <a:r>
+              <a:rPr lang="en-US" b="1" dirty="0" err="1">
+                <a:solidFill>
+                  <a:schemeClr val="bg1"/>
+                </a:solidFill>
+              </a:rPr>
+              <a:t>circle.vx</a:t>
+            </a:r>
+            <a:r>
+              <a:rPr lang="en-US" b="1" dirty="0">
+                <a:solidFill>
+                  <a:schemeClr val="bg1"/>
+                </a:solidFill>
+              </a:rPr>
+              <a:t>&lt;0</a:t>
+            </a:r>
+            <a:r>
+              <a:rPr lang="en-US" b="1" dirty="0" smtClean="0">
+                <a:solidFill>
+                  <a:schemeClr val="bg1"/>
+                </a:solidFill>
+              </a:rPr>
+              <a:t>) )</a:t>
+            </a:r>
+            <a:endParaRPr lang="en-US" b="1" dirty="0">
+              <a:solidFill>
+                <a:schemeClr val="bg1"/>
+              </a:solidFill>
+            </a:endParaRPr>
+          </a:p>
+          <a:p>
+            <a:r>
+              <a:rPr lang="en-US" b="1" dirty="0">
+                <a:solidFill>
+                  <a:schemeClr val="bg1"/>
+                </a:solidFill>
+              </a:rPr>
+              <a:t>						{</a:t>
+            </a:r>
+          </a:p>
+          <a:p>
+            <a:r>
+              <a:rPr lang="en-US" b="1" dirty="0">
+                <a:solidFill>
+                  <a:schemeClr val="bg1"/>
+                </a:solidFill>
+              </a:rPr>
+              <a:t>							</a:t>
+            </a:r>
+            <a:r>
+              <a:rPr lang="en-US" b="1" dirty="0" err="1">
+                <a:solidFill>
+                  <a:schemeClr val="bg1"/>
+                </a:solidFill>
+              </a:rPr>
+              <a:t>circle.vx</a:t>
+            </a:r>
+            <a:r>
+              <a:rPr lang="en-US" b="1" dirty="0">
+                <a:solidFill>
+                  <a:schemeClr val="bg1"/>
+                </a:solidFill>
+              </a:rPr>
+              <a:t>=-</a:t>
+            </a:r>
+            <a:r>
+              <a:rPr lang="en-US" b="1" dirty="0" err="1">
+                <a:solidFill>
+                  <a:schemeClr val="bg1"/>
+                </a:solidFill>
+              </a:rPr>
+              <a:t>circle.vx</a:t>
+            </a:r>
+            <a:r>
+              <a:rPr lang="en-US" b="1" dirty="0">
+                <a:solidFill>
+                  <a:schemeClr val="bg1"/>
+                </a:solidFill>
+              </a:rPr>
+              <a:t>;</a:t>
+            </a:r>
+          </a:p>
+          <a:p>
+            <a:r>
+              <a:rPr lang="en-US" b="1" dirty="0">
+                <a:solidFill>
+                  <a:schemeClr val="bg1"/>
+                </a:solidFill>
+              </a:rPr>
+              <a:t>						</a:t>
+            </a:r>
+            <a:r>
+              <a:rPr lang="en-US" b="1" dirty="0" smtClean="0">
+                <a:solidFill>
+                  <a:schemeClr val="bg1"/>
+                </a:solidFill>
+              </a:rPr>
+              <a:t>}</a:t>
+            </a:r>
+            <a:endParaRPr lang="en-US" b="1" dirty="0">
+              <a:solidFill>
+                <a:schemeClr val="bg1"/>
+              </a:solidFill>
+            </a:endParaRPr>
+          </a:p>
+          <a:p>
+            <a:r>
+              <a:rPr lang="en-US" b="1" dirty="0">
+                <a:solidFill>
+                  <a:schemeClr val="bg1"/>
+                </a:solidFill>
+              </a:rPr>
+              <a:t>						</a:t>
+            </a:r>
+            <a:endParaRPr lang="en-US" b="1" dirty="0" smtClean="0">
+              <a:solidFill>
+                <a:schemeClr val="bg1"/>
+              </a:solidFill>
+            </a:endParaRPr>
+          </a:p>
+          <a:p>
+            <a:endParaRPr lang="en-US" b="1" dirty="0">
+              <a:solidFill>
+                <a:schemeClr val="bg1"/>
+              </a:solidFill>
+            </a:endParaRPr>
+          </a:p>
+          <a:p>
+            <a:r>
+              <a:rPr lang="en-US" b="1" dirty="0">
+                <a:solidFill>
+                  <a:schemeClr val="bg1"/>
+                </a:solidFill>
+              </a:rPr>
+              <a:t>					</a:t>
+            </a:r>
+            <a:r>
+              <a:rPr lang="en-US" b="1" dirty="0" smtClean="0">
+                <a:solidFill>
+                  <a:schemeClr val="bg1"/>
+                </a:solidFill>
+              </a:rPr>
+              <a:t>if( (</a:t>
+            </a:r>
+            <a:r>
+              <a:rPr lang="en-US" b="1" dirty="0" err="1">
+                <a:solidFill>
+                  <a:schemeClr val="bg1"/>
+                </a:solidFill>
+              </a:rPr>
+              <a:t>circle.y+circle.r+circle.vy</a:t>
+            </a:r>
+            <a:r>
+              <a:rPr lang="en-US" b="1" dirty="0">
+                <a:solidFill>
+                  <a:schemeClr val="bg1"/>
+                </a:solidFill>
+              </a:rPr>
+              <a:t>&lt;10) || (</a:t>
+            </a:r>
+            <a:r>
+              <a:rPr lang="en-US" b="1" dirty="0" err="1">
+                <a:solidFill>
+                  <a:schemeClr val="bg1"/>
+                </a:solidFill>
+              </a:rPr>
+              <a:t>circle.y-circle.r</a:t>
+            </a:r>
+            <a:r>
+              <a:rPr lang="en-US" b="1" dirty="0">
+                <a:solidFill>
+                  <a:schemeClr val="bg1"/>
+                </a:solidFill>
+              </a:rPr>
+              <a:t>)+</a:t>
+            </a:r>
+            <a:r>
+              <a:rPr lang="en-US" b="1" dirty="0" err="1" smtClean="0">
+                <a:solidFill>
+                  <a:schemeClr val="bg1"/>
+                </a:solidFill>
+              </a:rPr>
+              <a:t>circle.vy</a:t>
+            </a:r>
+            <a:r>
+              <a:rPr lang="en-US" b="1" dirty="0" smtClean="0">
+                <a:solidFill>
+                  <a:schemeClr val="bg1"/>
+                </a:solidFill>
+              </a:rPr>
+              <a:t>&gt;370) )</a:t>
+            </a:r>
+            <a:endParaRPr lang="en-US" b="1" dirty="0">
+              <a:solidFill>
+                <a:schemeClr val="bg1"/>
+              </a:solidFill>
+            </a:endParaRPr>
+          </a:p>
+          <a:p>
+            <a:r>
+              <a:rPr lang="en-US" b="1" dirty="0">
+                <a:solidFill>
+                  <a:schemeClr val="bg1"/>
+                </a:solidFill>
+              </a:rPr>
+              <a:t>						{</a:t>
+            </a:r>
+          </a:p>
+          <a:p>
+            <a:r>
+              <a:rPr lang="en-US" b="1" dirty="0">
+                <a:solidFill>
+                  <a:schemeClr val="bg1"/>
+                </a:solidFill>
+              </a:rPr>
+              <a:t>							</a:t>
+            </a:r>
+            <a:r>
+              <a:rPr lang="en-US" b="1" dirty="0" err="1">
+                <a:solidFill>
+                  <a:schemeClr val="bg1"/>
+                </a:solidFill>
+              </a:rPr>
+              <a:t>circle.vy</a:t>
+            </a:r>
+            <a:r>
+              <a:rPr lang="en-US" b="1" dirty="0">
+                <a:solidFill>
+                  <a:schemeClr val="bg1"/>
+                </a:solidFill>
+              </a:rPr>
+              <a:t>=-</a:t>
+            </a:r>
+            <a:r>
+              <a:rPr lang="en-US" b="1" dirty="0" err="1">
+                <a:solidFill>
+                  <a:schemeClr val="bg1"/>
+                </a:solidFill>
+              </a:rPr>
+              <a:t>circle.vy</a:t>
+            </a:r>
+            <a:r>
+              <a:rPr lang="en-US" b="1" dirty="0">
+                <a:solidFill>
+                  <a:schemeClr val="bg1"/>
+                </a:solidFill>
+              </a:rPr>
+              <a:t>;</a:t>
+            </a:r>
+          </a:p>
+          <a:p>
+            <a:r>
+              <a:rPr lang="en-US" b="1" dirty="0">
+                <a:solidFill>
+                  <a:schemeClr val="bg1"/>
+                </a:solidFill>
+              </a:rPr>
+              <a:t>							</a:t>
+            </a:r>
+            <a:endParaRPr lang="en-US" b="1" dirty="0" smtClean="0">
+              <a:solidFill>
+                <a:schemeClr val="bg1"/>
+              </a:solidFill>
+            </a:endParaRPr>
+          </a:p>
+          <a:p>
+            <a:r>
+              <a:rPr lang="en-US" b="1" dirty="0" smtClean="0">
+                <a:solidFill>
+                  <a:schemeClr val="bg1"/>
+                </a:solidFill>
+              </a:rPr>
+              <a:t>						}</a:t>
+            </a:r>
+          </a:p>
+          <a:p>
+            <a:endParaRPr lang="en-US" b="1" dirty="0" smtClean="0">
+              <a:solidFill>
+                <a:schemeClr val="bg1"/>
+              </a:solidFill>
+            </a:endParaRPr>
+          </a:p>
+          <a:p>
+            <a:r>
+              <a:rPr lang="en-US" b="1" dirty="0">
+                <a:solidFill>
+                  <a:schemeClr val="bg1"/>
+                </a:solidFill>
+              </a:rPr>
+              <a:t>						</a:t>
+            </a:r>
+            <a:r>
+              <a:rPr lang="en-US" b="1" dirty="0" err="1">
+                <a:solidFill>
+                  <a:schemeClr val="bg1"/>
+                </a:solidFill>
+              </a:rPr>
+              <a:t>circle.x</a:t>
+            </a:r>
+            <a:r>
+              <a:rPr lang="en-US" b="1" dirty="0">
+                <a:solidFill>
+                  <a:schemeClr val="bg1"/>
+                </a:solidFill>
+              </a:rPr>
+              <a:t>=</a:t>
+            </a:r>
+            <a:r>
+              <a:rPr lang="en-US" b="1" dirty="0" err="1">
+                <a:solidFill>
+                  <a:schemeClr val="bg1"/>
+                </a:solidFill>
+              </a:rPr>
+              <a:t>circle.x+circle.vx</a:t>
+            </a:r>
+            <a:r>
+              <a:rPr lang="en-US" b="1" dirty="0">
+                <a:solidFill>
+                  <a:schemeClr val="bg1"/>
+                </a:solidFill>
+              </a:rPr>
+              <a:t>;</a:t>
+            </a:r>
+          </a:p>
+          <a:p>
+            <a:r>
+              <a:rPr lang="en-US" b="1" dirty="0">
+                <a:solidFill>
+                  <a:schemeClr val="bg1"/>
+                </a:solidFill>
+              </a:rPr>
+              <a:t>						</a:t>
+            </a:r>
+            <a:r>
+              <a:rPr lang="en-US" b="1" dirty="0" err="1">
+                <a:solidFill>
+                  <a:schemeClr val="bg1"/>
+                </a:solidFill>
+              </a:rPr>
+              <a:t>circle.y</a:t>
+            </a:r>
+            <a:r>
+              <a:rPr lang="en-US" b="1" dirty="0">
+                <a:solidFill>
+                  <a:schemeClr val="bg1"/>
+                </a:solidFill>
+              </a:rPr>
+              <a:t>=</a:t>
+            </a:r>
+            <a:r>
+              <a:rPr lang="en-US" b="1" dirty="0" err="1">
+                <a:solidFill>
+                  <a:schemeClr val="bg1"/>
+                </a:solidFill>
+              </a:rPr>
+              <a:t>circle.y+circle.vy</a:t>
+            </a:r>
+            <a:r>
+              <a:rPr lang="en-US" b="1" dirty="0">
+                <a:solidFill>
+                  <a:schemeClr val="bg1"/>
+                </a:solidFill>
+              </a:rPr>
+              <a:t>;</a:t>
+            </a:r>
+          </a:p>
+        </p:txBody>
+      </p:sp>
+    </p:spTree>
+    <p:extLst>
+      <p:ext uri="{BB962C8B-B14F-4D97-AF65-F5344CB8AC3E}">
+        <p14:creationId xmlns:p14="http://schemas.microsoft.com/office/powerpoint/2010/main" val="490437416"/>
+      </p:ext>
+    </p:extLst>
+  </p:cSld>
+  <p:clrMapOvr>
+    <a:masterClrMapping/>
+  </p:clrMapOvr>
+</p:sld>
+</file>
+
+<file path=ppt/slides/slide14.xml><?xml version="1.0" encoding="utf-8"?>
+<p:sld xmlns:a="http://schemas.openxmlformats.org/drawingml/2006/main" xmlns:r="http://schemas.openxmlformats.org/officeDocument/2006/relationships" xmlns:p="http://schemas.openxmlformats.org/presentationml/2006/main">
+  <p:cSld>
+    <p:spTree>
+      <p:nvGrpSpPr>
+        <p:cNvPr id="1" name=""/>
+        <p:cNvGrpSpPr/>
+        <p:nvPr/>
+      </p:nvGrpSpPr>
+      <p:grpSpPr>
+        <a:xfrm>
+          <a:off x="0" y="0"/>
+          <a:ext cx="0" cy="0"/>
+          <a:chOff x="0" y="0"/>
+          <a:chExt cx="0" cy="0"/>
+        </a:xfrm>
+      </p:grpSpPr>
+      <p:sp>
+        <p:nvSpPr>
+          <p:cNvPr id="4" name="Rectangle 3"/>
+          <p:cNvSpPr/>
+          <p:nvPr/>
+        </p:nvSpPr>
+        <p:spPr>
+          <a:xfrm>
+            <a:off x="915958" y="104436"/>
+            <a:ext cx="9866805" cy="584775"/>
+          </a:xfrm>
+          <a:prstGeom prst="rect">
+            <a:avLst/>
+          </a:prstGeom>
+          <a:noFill/>
+        </p:spPr>
+        <p:txBody>
+          <a:bodyPr wrap="none" lIns="91440" tIns="45720" rIns="91440" bIns="45720">
+            <a:spAutoFit/>
+          </a:bodyPr>
+          <a:lstStyle/>
+          <a:p>
+            <a:pPr algn="ctr"/>
+            <a:r>
+              <a:rPr lang="en-US" sz="3200" b="1" dirty="0" smtClean="0">
+                <a:ln w="22225">
+                  <a:solidFill>
+                    <a:schemeClr val="accent2"/>
+                  </a:solidFill>
+                  <a:prstDash val="solid"/>
+                </a:ln>
+                <a:solidFill>
+                  <a:schemeClr val="accent2">
+                    <a:lumMod val="40000"/>
+                    <a:lumOff val="60000"/>
+                  </a:schemeClr>
+                </a:solidFill>
+              </a:rPr>
+              <a:t>Game Development Using HTML5 and </a:t>
+            </a:r>
+            <a:r>
+              <a:rPr lang="en-US" sz="3200" b="1" dirty="0">
+                <a:ln w="22225">
+                  <a:solidFill>
+                    <a:schemeClr val="accent2"/>
+                  </a:solidFill>
+                  <a:prstDash val="solid"/>
+                </a:ln>
+                <a:solidFill>
+                  <a:schemeClr val="accent2">
+                    <a:lumMod val="40000"/>
+                    <a:lumOff val="60000"/>
+                  </a:schemeClr>
+                </a:solidFill>
+              </a:rPr>
+              <a:t>J</a:t>
+            </a:r>
+            <a:r>
+              <a:rPr lang="en-US" sz="3200" b="1" dirty="0" smtClean="0">
+                <a:ln w="22225">
+                  <a:solidFill>
+                    <a:schemeClr val="accent2"/>
+                  </a:solidFill>
+                  <a:prstDash val="solid"/>
+                </a:ln>
+                <a:solidFill>
+                  <a:schemeClr val="accent2">
+                    <a:lumMod val="40000"/>
+                    <a:lumOff val="60000"/>
+                  </a:schemeClr>
+                </a:solidFill>
+              </a:rPr>
+              <a:t>avaScript</a:t>
+            </a:r>
+            <a:endParaRPr lang="en-US" sz="3200" b="1" cap="none" spc="0" dirty="0">
+              <a:ln w="22225">
+                <a:solidFill>
+                  <a:schemeClr val="accent2"/>
+                </a:solidFill>
+                <a:prstDash val="solid"/>
+              </a:ln>
+              <a:solidFill>
+                <a:schemeClr val="accent2">
+                  <a:lumMod val="40000"/>
+                  <a:lumOff val="60000"/>
+                </a:schemeClr>
+              </a:solidFill>
+              <a:effectLst/>
+            </a:endParaRPr>
+          </a:p>
+        </p:txBody>
+      </p:sp>
+      <p:sp>
+        <p:nvSpPr>
+          <p:cNvPr id="5" name="TextBox 4"/>
+          <p:cNvSpPr txBox="1"/>
+          <p:nvPr/>
+        </p:nvSpPr>
+        <p:spPr>
+          <a:xfrm>
+            <a:off x="4133802" y="767715"/>
+            <a:ext cx="2360781" cy="369332"/>
+          </a:xfrm>
+          <a:prstGeom prst="rect">
+            <a:avLst/>
+          </a:prstGeom>
+          <a:noFill/>
+        </p:spPr>
+        <p:txBody>
+          <a:bodyPr wrap="square" rtlCol="0">
+            <a:spAutoFit/>
+          </a:bodyPr>
+          <a:lstStyle/>
+          <a:p>
+            <a:r>
+              <a:rPr lang="en-US" b="1" dirty="0" smtClean="0">
+                <a:solidFill>
+                  <a:srgbClr val="C00000"/>
+                </a:solidFill>
+              </a:rPr>
+              <a:t>Building The Setup </a:t>
+            </a:r>
+          </a:p>
+        </p:txBody>
+      </p:sp>
+      <p:sp>
+        <p:nvSpPr>
+          <p:cNvPr id="6" name="TextBox 5"/>
+          <p:cNvSpPr txBox="1"/>
+          <p:nvPr/>
+        </p:nvSpPr>
+        <p:spPr>
+          <a:xfrm>
+            <a:off x="792727" y="1267530"/>
+            <a:ext cx="4998473" cy="369332"/>
+          </a:xfrm>
+          <a:prstGeom prst="rect">
+            <a:avLst/>
+          </a:prstGeom>
+          <a:noFill/>
+        </p:spPr>
+        <p:txBody>
+          <a:bodyPr wrap="square" rtlCol="0">
+            <a:spAutoFit/>
+          </a:bodyPr>
+          <a:lstStyle/>
+          <a:p>
+            <a:r>
+              <a:rPr lang="en-US" b="1" dirty="0" smtClean="0">
+                <a:solidFill>
+                  <a:schemeClr val="bg1"/>
+                </a:solidFill>
+              </a:rPr>
+              <a:t>Step </a:t>
+            </a:r>
+            <a:r>
+              <a:rPr lang="en-US" b="1" dirty="0" smtClean="0">
+                <a:solidFill>
+                  <a:schemeClr val="bg1"/>
+                </a:solidFill>
+              </a:rPr>
+              <a:t>6 :  Registering events using </a:t>
+            </a:r>
+            <a:r>
+              <a:rPr lang="en-US" b="1" dirty="0" smtClean="0">
+                <a:solidFill>
+                  <a:schemeClr val="bg1"/>
+                </a:solidFill>
+              </a:rPr>
+              <a:t>J</a:t>
+            </a:r>
+            <a:r>
+              <a:rPr lang="en-US" b="1" dirty="0" smtClean="0">
+                <a:solidFill>
+                  <a:schemeClr val="bg1"/>
+                </a:solidFill>
+              </a:rPr>
+              <a:t>avaScript</a:t>
+            </a:r>
+            <a:endParaRPr lang="en-US" b="1" dirty="0">
+              <a:solidFill>
+                <a:schemeClr val="bg1"/>
+              </a:solidFill>
+            </a:endParaRPr>
+          </a:p>
+        </p:txBody>
+      </p:sp>
+      <p:sp>
+        <p:nvSpPr>
+          <p:cNvPr id="7" name="TextBox 6"/>
+          <p:cNvSpPr txBox="1"/>
+          <p:nvPr/>
+        </p:nvSpPr>
+        <p:spPr>
+          <a:xfrm>
+            <a:off x="1238205" y="1775511"/>
+            <a:ext cx="10473150" cy="646331"/>
+          </a:xfrm>
+          <a:prstGeom prst="rect">
+            <a:avLst/>
+          </a:prstGeom>
+          <a:noFill/>
+        </p:spPr>
+        <p:txBody>
+          <a:bodyPr wrap="square" rtlCol="0">
+            <a:spAutoFit/>
+          </a:bodyPr>
+          <a:lstStyle/>
+          <a:p>
+            <a:r>
+              <a:rPr lang="en-US" b="1" dirty="0" smtClean="0">
+                <a:solidFill>
+                  <a:schemeClr val="bg1"/>
+                </a:solidFill>
+              </a:rPr>
+              <a:t>In this step we will calculate how to trigger on click event on ball and to find weather the ball has been hit or not.</a:t>
+            </a:r>
+            <a:endParaRPr lang="en-US" b="1" dirty="0">
+              <a:solidFill>
+                <a:schemeClr val="bg1"/>
+              </a:solidFill>
+            </a:endParaRPr>
+          </a:p>
+        </p:txBody>
+      </p:sp>
+      <p:sp>
+        <p:nvSpPr>
+          <p:cNvPr id="8" name="TextBox 7"/>
+          <p:cNvSpPr txBox="1"/>
+          <p:nvPr/>
+        </p:nvSpPr>
+        <p:spPr>
+          <a:xfrm>
+            <a:off x="915958" y="2570763"/>
+            <a:ext cx="9963057" cy="646331"/>
+          </a:xfrm>
+          <a:prstGeom prst="rect">
+            <a:avLst/>
+          </a:prstGeom>
+          <a:noFill/>
+        </p:spPr>
+        <p:txBody>
+          <a:bodyPr wrap="square" rtlCol="0">
+            <a:spAutoFit/>
+          </a:bodyPr>
+          <a:lstStyle/>
+          <a:p>
+            <a:r>
+              <a:rPr lang="en-US" b="1" dirty="0" smtClean="0">
+                <a:solidFill>
+                  <a:schemeClr val="bg1"/>
+                </a:solidFill>
+              </a:rPr>
+              <a:t>1) Calculating the position of the on-click event, means finding the on-click current X,Y 	co-ordinates where it has been triggered</a:t>
+            </a:r>
+            <a:endParaRPr lang="en-US" b="1" dirty="0">
+              <a:solidFill>
+                <a:schemeClr val="bg1"/>
+              </a:solidFill>
+            </a:endParaRPr>
+          </a:p>
+        </p:txBody>
+      </p:sp>
+      <p:pic>
+        <p:nvPicPr>
+          <p:cNvPr id="9" name="Picture 8"/>
+          <p:cNvPicPr>
+            <a:picLocks noChangeAspect="1"/>
+          </p:cNvPicPr>
+          <p:nvPr/>
+        </p:nvPicPr>
+        <p:blipFill>
+          <a:blip r:embed="rId2"/>
+          <a:stretch>
+            <a:fillRect/>
+          </a:stretch>
+        </p:blipFill>
+        <p:spPr>
+          <a:xfrm>
+            <a:off x="4712677" y="3508142"/>
+            <a:ext cx="3223847" cy="1016004"/>
+          </a:xfrm>
+          <a:prstGeom prst="rect">
+            <a:avLst/>
+          </a:prstGeom>
+        </p:spPr>
+      </p:pic>
+      <p:cxnSp>
+        <p:nvCxnSpPr>
+          <p:cNvPr id="11" name="Straight Arrow Connector 10"/>
+          <p:cNvCxnSpPr/>
+          <p:nvPr/>
+        </p:nvCxnSpPr>
+        <p:spPr>
+          <a:xfrm flipH="1">
+            <a:off x="4712677" y="4255477"/>
+            <a:ext cx="961292" cy="504092"/>
+          </a:xfrm>
+          <a:prstGeom prst="straightConnector1">
+            <a:avLst/>
+          </a:prstGeom>
+          <a:ln>
+            <a:solidFill>
+              <a:schemeClr val="bg1">
+                <a:lumMod val="95000"/>
+                <a:lumOff val="5000"/>
+                <a:alpha val="60000"/>
+              </a:schemeClr>
+            </a:solidFill>
+            <a:tailEnd type="triangle"/>
+          </a:ln>
+        </p:spPr>
+        <p:style>
+          <a:lnRef idx="1">
+            <a:schemeClr val="accent1"/>
+          </a:lnRef>
+          <a:fillRef idx="0">
+            <a:schemeClr val="accent1"/>
+          </a:fillRef>
+          <a:effectRef idx="0">
+            <a:schemeClr val="accent1"/>
+          </a:effectRef>
+          <a:fontRef idx="minor">
+            <a:schemeClr val="tx1"/>
+          </a:fontRef>
+        </p:style>
+      </p:cxnSp>
+      <p:sp>
+        <p:nvSpPr>
+          <p:cNvPr id="12" name="TextBox 11"/>
+          <p:cNvSpPr txBox="1"/>
+          <p:nvPr/>
+        </p:nvSpPr>
+        <p:spPr>
+          <a:xfrm>
+            <a:off x="4383320" y="4815194"/>
+            <a:ext cx="458311" cy="246221"/>
+          </a:xfrm>
+          <a:prstGeom prst="rect">
+            <a:avLst/>
+          </a:prstGeom>
+          <a:noFill/>
+        </p:spPr>
+        <p:txBody>
+          <a:bodyPr wrap="square" rtlCol="0">
+            <a:spAutoFit/>
+          </a:bodyPr>
+          <a:lstStyle/>
+          <a:p>
+            <a:r>
+              <a:rPr lang="en-US" sz="1000" b="1" dirty="0" smtClean="0">
+                <a:solidFill>
+                  <a:schemeClr val="bg1"/>
+                </a:solidFill>
+              </a:rPr>
+              <a:t>X,Y</a:t>
+            </a:r>
+            <a:endParaRPr lang="en-US" sz="1000" b="1" dirty="0">
+              <a:solidFill>
+                <a:schemeClr val="bg1"/>
+              </a:solidFill>
+            </a:endParaRPr>
+          </a:p>
+        </p:txBody>
+      </p:sp>
+      <p:cxnSp>
+        <p:nvCxnSpPr>
+          <p:cNvPr id="14" name="Straight Arrow Connector 13"/>
+          <p:cNvCxnSpPr/>
+          <p:nvPr/>
+        </p:nvCxnSpPr>
+        <p:spPr>
+          <a:xfrm>
+            <a:off x="6013938" y="4255477"/>
+            <a:ext cx="480645" cy="656492"/>
+          </a:xfrm>
+          <a:prstGeom prst="straightConnector1">
+            <a:avLst/>
+          </a:prstGeom>
+          <a:ln>
+            <a:solidFill>
+              <a:schemeClr val="bg1">
+                <a:alpha val="60000"/>
+              </a:schemeClr>
+            </a:solidFill>
+            <a:tailEnd type="triangle"/>
+          </a:ln>
+        </p:spPr>
+        <p:style>
+          <a:lnRef idx="1">
+            <a:schemeClr val="accent1"/>
+          </a:lnRef>
+          <a:fillRef idx="0">
+            <a:schemeClr val="accent1"/>
+          </a:fillRef>
+          <a:effectRef idx="0">
+            <a:schemeClr val="accent1"/>
+          </a:effectRef>
+          <a:fontRef idx="minor">
+            <a:schemeClr val="tx1"/>
+          </a:fontRef>
+        </p:style>
+      </p:cxnSp>
+      <p:sp>
+        <p:nvSpPr>
+          <p:cNvPr id="15" name="TextBox 14"/>
+          <p:cNvSpPr txBox="1"/>
+          <p:nvPr/>
+        </p:nvSpPr>
+        <p:spPr>
+          <a:xfrm>
+            <a:off x="6528087" y="4594947"/>
+            <a:ext cx="1138803" cy="246221"/>
+          </a:xfrm>
+          <a:prstGeom prst="rect">
+            <a:avLst/>
+          </a:prstGeom>
+          <a:noFill/>
+        </p:spPr>
+        <p:txBody>
+          <a:bodyPr wrap="square" rtlCol="0">
+            <a:spAutoFit/>
+          </a:bodyPr>
+          <a:lstStyle/>
+          <a:p>
+            <a:r>
+              <a:rPr lang="en-US" sz="1000" b="1" dirty="0" smtClean="0">
+                <a:solidFill>
+                  <a:schemeClr val="bg1"/>
+                </a:solidFill>
+              </a:rPr>
+              <a:t>Mouse event</a:t>
+            </a:r>
+            <a:endParaRPr lang="en-US" sz="1000" b="1" dirty="0">
+              <a:solidFill>
+                <a:schemeClr val="bg1"/>
+              </a:solidFill>
+            </a:endParaRPr>
+          </a:p>
+        </p:txBody>
+      </p:sp>
+      <p:sp>
+        <p:nvSpPr>
+          <p:cNvPr id="16" name="TextBox 15"/>
+          <p:cNvSpPr txBox="1"/>
+          <p:nvPr/>
+        </p:nvSpPr>
+        <p:spPr>
+          <a:xfrm>
+            <a:off x="6254260" y="4990091"/>
+            <a:ext cx="662355" cy="246221"/>
+          </a:xfrm>
+          <a:prstGeom prst="rect">
+            <a:avLst/>
+          </a:prstGeom>
+          <a:noFill/>
+        </p:spPr>
+        <p:txBody>
+          <a:bodyPr wrap="square" rtlCol="0">
+            <a:spAutoFit/>
+          </a:bodyPr>
+          <a:lstStyle/>
+          <a:p>
+            <a:r>
+              <a:rPr lang="en-US" sz="1000" b="1" dirty="0" smtClean="0">
+                <a:solidFill>
+                  <a:schemeClr val="bg1"/>
+                </a:solidFill>
+              </a:rPr>
+              <a:t>X1,Y1</a:t>
+            </a:r>
+            <a:endParaRPr lang="en-US" sz="1000" b="1" dirty="0">
+              <a:solidFill>
+                <a:schemeClr val="bg1"/>
+              </a:solidFill>
+            </a:endParaRPr>
+          </a:p>
+        </p:txBody>
+      </p:sp>
+      <p:sp>
+        <p:nvSpPr>
+          <p:cNvPr id="17" name="TextBox 16"/>
+          <p:cNvSpPr txBox="1"/>
+          <p:nvPr/>
+        </p:nvSpPr>
+        <p:spPr>
+          <a:xfrm>
+            <a:off x="915956" y="5552760"/>
+            <a:ext cx="8661797" cy="369332"/>
+          </a:xfrm>
+          <a:prstGeom prst="rect">
+            <a:avLst/>
+          </a:prstGeom>
+          <a:noFill/>
+        </p:spPr>
+        <p:txBody>
+          <a:bodyPr wrap="square" rtlCol="0">
+            <a:spAutoFit/>
+          </a:bodyPr>
+          <a:lstStyle/>
+          <a:p>
+            <a:r>
+              <a:rPr lang="en-US" b="1" dirty="0">
+                <a:solidFill>
+                  <a:schemeClr val="bg1"/>
+                </a:solidFill>
+              </a:rPr>
+              <a:t>2</a:t>
+            </a:r>
+            <a:r>
+              <a:rPr lang="en-US" b="1" dirty="0" smtClean="0">
+                <a:solidFill>
+                  <a:schemeClr val="bg1"/>
+                </a:solidFill>
+              </a:rPr>
+              <a:t>) The objective is to find the (X1, Y1) , co-ordinates of the event fired</a:t>
+            </a:r>
+            <a:endParaRPr lang="en-US" b="1" dirty="0">
+              <a:solidFill>
+                <a:schemeClr val="bg1"/>
+              </a:solidFill>
+            </a:endParaRPr>
+          </a:p>
+        </p:txBody>
+      </p:sp>
+      <p:sp>
+        <p:nvSpPr>
+          <p:cNvPr id="18" name="TextBox 17"/>
+          <p:cNvSpPr txBox="1"/>
+          <p:nvPr/>
+        </p:nvSpPr>
+        <p:spPr>
+          <a:xfrm>
+            <a:off x="3632487" y="4525071"/>
+            <a:ext cx="1138803" cy="246221"/>
+          </a:xfrm>
+          <a:prstGeom prst="rect">
+            <a:avLst/>
+          </a:prstGeom>
+          <a:noFill/>
+        </p:spPr>
+        <p:txBody>
+          <a:bodyPr wrap="square" rtlCol="0">
+            <a:spAutoFit/>
+          </a:bodyPr>
+          <a:lstStyle/>
+          <a:p>
+            <a:r>
+              <a:rPr lang="en-US" sz="1000" b="1" dirty="0" smtClean="0">
+                <a:solidFill>
+                  <a:schemeClr val="bg1"/>
+                </a:solidFill>
+              </a:rPr>
+              <a:t>Ball’s position</a:t>
+            </a:r>
+            <a:endParaRPr lang="en-US" sz="1000" b="1" dirty="0">
+              <a:solidFill>
+                <a:schemeClr val="bg1"/>
+              </a:solidFill>
+            </a:endParaRPr>
+          </a:p>
+        </p:txBody>
+      </p:sp>
+    </p:spTree>
+    <p:extLst>
+      <p:ext uri="{BB962C8B-B14F-4D97-AF65-F5344CB8AC3E}">
+        <p14:creationId xmlns:p14="http://schemas.microsoft.com/office/powerpoint/2010/main" val="1988317594"/>
+      </p:ext>
+    </p:extLst>
+  </p:cSld>
+  <p:clrMapOvr>
+    <a:masterClrMapping/>
+  </p:clrMapOvr>
+</p:sld>
+</file>
+
+<file path=ppt/slides/slide15.xml><?xml version="1.0" encoding="utf-8"?>
+<p:sld xmlns:a="http://schemas.openxmlformats.org/drawingml/2006/main" xmlns:r="http://schemas.openxmlformats.org/officeDocument/2006/relationships" xmlns:p="http://schemas.openxmlformats.org/presentationml/2006/main">
+  <p:cSld>
+    <p:spTree>
+      <p:nvGrpSpPr>
+        <p:cNvPr id="1" name=""/>
+        <p:cNvGrpSpPr/>
+        <p:nvPr/>
+      </p:nvGrpSpPr>
+      <p:grpSpPr>
+        <a:xfrm>
+          <a:off x="0" y="0"/>
+          <a:ext cx="0" cy="0"/>
+          <a:chOff x="0" y="0"/>
+          <a:chExt cx="0" cy="0"/>
+        </a:xfrm>
+      </p:grpSpPr>
+      <p:sp>
+        <p:nvSpPr>
+          <p:cNvPr id="4" name="Rectangle 3"/>
+          <p:cNvSpPr/>
+          <p:nvPr/>
+        </p:nvSpPr>
+        <p:spPr>
+          <a:xfrm>
+            <a:off x="915958" y="104436"/>
+            <a:ext cx="9866805" cy="584775"/>
+          </a:xfrm>
+          <a:prstGeom prst="rect">
+            <a:avLst/>
+          </a:prstGeom>
+          <a:noFill/>
+        </p:spPr>
+        <p:txBody>
+          <a:bodyPr wrap="none" lIns="91440" tIns="45720" rIns="91440" bIns="45720">
+            <a:spAutoFit/>
+          </a:bodyPr>
+          <a:lstStyle/>
+          <a:p>
+            <a:pPr algn="ctr"/>
+            <a:r>
+              <a:rPr lang="en-US" sz="3200" b="1" dirty="0" smtClean="0">
+                <a:ln w="22225">
+                  <a:solidFill>
+                    <a:schemeClr val="accent2"/>
+                  </a:solidFill>
+                  <a:prstDash val="solid"/>
+                </a:ln>
+                <a:solidFill>
+                  <a:schemeClr val="accent2">
+                    <a:lumMod val="40000"/>
+                    <a:lumOff val="60000"/>
+                  </a:schemeClr>
+                </a:solidFill>
+              </a:rPr>
+              <a:t>Game Development Using HTML5 and </a:t>
+            </a:r>
+            <a:r>
+              <a:rPr lang="en-US" sz="3200" b="1" dirty="0">
+                <a:ln w="22225">
+                  <a:solidFill>
+                    <a:schemeClr val="accent2"/>
+                  </a:solidFill>
+                  <a:prstDash val="solid"/>
+                </a:ln>
+                <a:solidFill>
+                  <a:schemeClr val="accent2">
+                    <a:lumMod val="40000"/>
+                    <a:lumOff val="60000"/>
+                  </a:schemeClr>
+                </a:solidFill>
+              </a:rPr>
+              <a:t>J</a:t>
+            </a:r>
+            <a:r>
+              <a:rPr lang="en-US" sz="3200" b="1" dirty="0" smtClean="0">
+                <a:ln w="22225">
+                  <a:solidFill>
+                    <a:schemeClr val="accent2"/>
+                  </a:solidFill>
+                  <a:prstDash val="solid"/>
+                </a:ln>
+                <a:solidFill>
+                  <a:schemeClr val="accent2">
+                    <a:lumMod val="40000"/>
+                    <a:lumOff val="60000"/>
+                  </a:schemeClr>
+                </a:solidFill>
+              </a:rPr>
+              <a:t>avaScript</a:t>
+            </a:r>
+            <a:endParaRPr lang="en-US" sz="3200" b="1" cap="none" spc="0" dirty="0">
+              <a:ln w="22225">
+                <a:solidFill>
+                  <a:schemeClr val="accent2"/>
+                </a:solidFill>
+                <a:prstDash val="solid"/>
+              </a:ln>
+              <a:solidFill>
+                <a:schemeClr val="accent2">
+                  <a:lumMod val="40000"/>
+                  <a:lumOff val="60000"/>
+                </a:schemeClr>
+              </a:solidFill>
+              <a:effectLst/>
+            </a:endParaRPr>
+          </a:p>
+        </p:txBody>
+      </p:sp>
+      <p:sp>
+        <p:nvSpPr>
+          <p:cNvPr id="5" name="TextBox 4"/>
+          <p:cNvSpPr txBox="1"/>
+          <p:nvPr/>
+        </p:nvSpPr>
+        <p:spPr>
+          <a:xfrm>
+            <a:off x="4133802" y="767715"/>
+            <a:ext cx="2360781" cy="369332"/>
+          </a:xfrm>
+          <a:prstGeom prst="rect">
+            <a:avLst/>
+          </a:prstGeom>
+          <a:noFill/>
+        </p:spPr>
+        <p:txBody>
+          <a:bodyPr wrap="square" rtlCol="0">
+            <a:spAutoFit/>
+          </a:bodyPr>
+          <a:lstStyle/>
+          <a:p>
+            <a:r>
+              <a:rPr lang="en-US" b="1" dirty="0" smtClean="0">
+                <a:solidFill>
+                  <a:srgbClr val="C00000"/>
+                </a:solidFill>
+              </a:rPr>
+              <a:t>Building The Setup </a:t>
+            </a:r>
+          </a:p>
+        </p:txBody>
+      </p:sp>
+      <p:sp>
+        <p:nvSpPr>
+          <p:cNvPr id="6" name="TextBox 5"/>
+          <p:cNvSpPr txBox="1"/>
+          <p:nvPr/>
+        </p:nvSpPr>
+        <p:spPr>
+          <a:xfrm>
+            <a:off x="704940" y="1379345"/>
+            <a:ext cx="9283122" cy="369332"/>
+          </a:xfrm>
+          <a:prstGeom prst="rect">
+            <a:avLst/>
+          </a:prstGeom>
+          <a:noFill/>
+        </p:spPr>
+        <p:txBody>
+          <a:bodyPr wrap="square" rtlCol="0">
+            <a:spAutoFit/>
+          </a:bodyPr>
+          <a:lstStyle/>
+          <a:p>
+            <a:r>
+              <a:rPr lang="en-US" b="1" dirty="0" smtClean="0">
+                <a:solidFill>
+                  <a:schemeClr val="bg1"/>
+                </a:solidFill>
+              </a:rPr>
+              <a:t>3) Using JavaScript we can capture the event get its X, Y location in the window.</a:t>
+            </a:r>
+            <a:endParaRPr lang="en-US" b="1" dirty="0">
+              <a:solidFill>
+                <a:schemeClr val="bg1"/>
+              </a:solidFill>
+            </a:endParaRPr>
+          </a:p>
+        </p:txBody>
+      </p:sp>
+      <p:sp>
+        <p:nvSpPr>
+          <p:cNvPr id="7" name="Rectangle 6"/>
+          <p:cNvSpPr/>
+          <p:nvPr/>
+        </p:nvSpPr>
+        <p:spPr>
+          <a:xfrm>
+            <a:off x="3188676" y="1908720"/>
+            <a:ext cx="2379785" cy="646331"/>
+          </a:xfrm>
+          <a:prstGeom prst="rect">
+            <a:avLst/>
+          </a:prstGeom>
+        </p:spPr>
+        <p:txBody>
+          <a:bodyPr wrap="square">
+            <a:spAutoFit/>
+          </a:bodyPr>
+          <a:lstStyle/>
+          <a:p>
+            <a:r>
+              <a:rPr lang="en-US" b="1" dirty="0">
+                <a:solidFill>
+                  <a:schemeClr val="bg1"/>
+                </a:solidFill>
+              </a:rPr>
+              <a:t>var X1 = </a:t>
+            </a:r>
+            <a:r>
+              <a:rPr lang="en-US" b="1" dirty="0" err="1">
+                <a:solidFill>
+                  <a:schemeClr val="bg1"/>
+                </a:solidFill>
+              </a:rPr>
+              <a:t>e.clientX</a:t>
+            </a:r>
+            <a:r>
+              <a:rPr lang="en-US" b="1" dirty="0">
+                <a:solidFill>
+                  <a:schemeClr val="bg1"/>
+                </a:solidFill>
+              </a:rPr>
+              <a:t>;  </a:t>
+            </a:r>
+          </a:p>
+          <a:p>
+            <a:r>
+              <a:rPr lang="en-US" b="1" dirty="0">
+                <a:solidFill>
+                  <a:schemeClr val="bg1"/>
+                </a:solidFill>
+              </a:rPr>
+              <a:t>var Y1= </a:t>
+            </a:r>
+            <a:r>
+              <a:rPr lang="en-US" b="1" dirty="0" err="1">
+                <a:solidFill>
+                  <a:schemeClr val="bg1"/>
+                </a:solidFill>
+              </a:rPr>
+              <a:t>e.clientY</a:t>
+            </a:r>
+            <a:r>
+              <a:rPr lang="en-US" b="1" dirty="0">
+                <a:solidFill>
+                  <a:schemeClr val="bg1"/>
+                </a:solidFill>
+              </a:rPr>
+              <a:t>;</a:t>
+            </a:r>
+          </a:p>
+        </p:txBody>
+      </p:sp>
+      <p:sp>
+        <p:nvSpPr>
+          <p:cNvPr id="8" name="Rectangle 7"/>
+          <p:cNvSpPr/>
+          <p:nvPr/>
+        </p:nvSpPr>
+        <p:spPr>
+          <a:xfrm>
+            <a:off x="3188676" y="2715095"/>
+            <a:ext cx="2543909" cy="369332"/>
+          </a:xfrm>
+          <a:prstGeom prst="rect">
+            <a:avLst/>
+          </a:prstGeom>
+        </p:spPr>
+        <p:txBody>
+          <a:bodyPr wrap="square">
+            <a:spAutoFit/>
+          </a:bodyPr>
+          <a:lstStyle/>
+          <a:p>
+            <a:r>
+              <a:rPr lang="en-US" b="1" dirty="0" smtClean="0">
+                <a:solidFill>
+                  <a:schemeClr val="bg1"/>
+                </a:solidFill>
+              </a:rPr>
+              <a:t>“e” is the event fired</a:t>
+            </a:r>
+            <a:endParaRPr lang="en-US" b="1" dirty="0">
+              <a:solidFill>
+                <a:schemeClr val="bg1"/>
+              </a:solidFill>
+            </a:endParaRPr>
+          </a:p>
+        </p:txBody>
+      </p:sp>
+      <p:sp>
+        <p:nvSpPr>
+          <p:cNvPr id="9" name="TextBox 8"/>
+          <p:cNvSpPr txBox="1"/>
+          <p:nvPr/>
+        </p:nvSpPr>
+        <p:spPr>
+          <a:xfrm>
+            <a:off x="672631" y="3152137"/>
+            <a:ext cx="9283122" cy="646331"/>
+          </a:xfrm>
+          <a:prstGeom prst="rect">
+            <a:avLst/>
+          </a:prstGeom>
+          <a:noFill/>
+        </p:spPr>
+        <p:txBody>
+          <a:bodyPr wrap="square" rtlCol="0">
+            <a:spAutoFit/>
+          </a:bodyPr>
+          <a:lstStyle/>
+          <a:p>
+            <a:r>
+              <a:rPr lang="en-US" b="1" dirty="0">
+                <a:solidFill>
+                  <a:schemeClr val="bg1"/>
+                </a:solidFill>
+              </a:rPr>
+              <a:t>4</a:t>
+            </a:r>
+            <a:r>
+              <a:rPr lang="en-US" b="1" dirty="0" smtClean="0">
+                <a:solidFill>
+                  <a:schemeClr val="bg1"/>
+                </a:solidFill>
+              </a:rPr>
+              <a:t>)   The above will give co-ordinates with reference to window. Hence we need to 	find the effective X1,Y1 co-ordinates of the event</a:t>
+            </a:r>
+            <a:endParaRPr lang="en-US" b="1" dirty="0">
+              <a:solidFill>
+                <a:schemeClr val="bg1"/>
+              </a:solidFill>
+            </a:endParaRPr>
+          </a:p>
+        </p:txBody>
+      </p:sp>
+      <p:pic>
+        <p:nvPicPr>
+          <p:cNvPr id="12" name="Picture 11"/>
+          <p:cNvPicPr>
+            <a:picLocks noChangeAspect="1"/>
+          </p:cNvPicPr>
+          <p:nvPr/>
+        </p:nvPicPr>
+        <p:blipFill>
+          <a:blip r:embed="rId2"/>
+          <a:stretch>
+            <a:fillRect/>
+          </a:stretch>
+        </p:blipFill>
+        <p:spPr>
+          <a:xfrm>
+            <a:off x="3270739" y="4044824"/>
+            <a:ext cx="7010400" cy="2314208"/>
+          </a:xfrm>
+          <a:prstGeom prst="rect">
+            <a:avLst/>
+          </a:prstGeom>
+        </p:spPr>
+      </p:pic>
+      <p:cxnSp>
+        <p:nvCxnSpPr>
+          <p:cNvPr id="14" name="Straight Arrow Connector 13"/>
+          <p:cNvCxnSpPr/>
+          <p:nvPr/>
+        </p:nvCxnSpPr>
+        <p:spPr>
+          <a:xfrm flipV="1">
+            <a:off x="3270739" y="5451231"/>
+            <a:ext cx="3223844" cy="58615"/>
+          </a:xfrm>
+          <a:prstGeom prst="straightConnector1">
+            <a:avLst/>
+          </a:prstGeom>
+          <a:ln>
+            <a:solidFill>
+              <a:schemeClr val="bg1">
+                <a:alpha val="60000"/>
+              </a:schemeClr>
+            </a:solidFill>
+            <a:headEnd type="triangle"/>
+            <a:tailEnd type="triangle"/>
+          </a:ln>
+        </p:spPr>
+        <p:style>
+          <a:lnRef idx="1">
+            <a:schemeClr val="accent1"/>
+          </a:lnRef>
+          <a:fillRef idx="0">
+            <a:schemeClr val="accent1"/>
+          </a:fillRef>
+          <a:effectRef idx="0">
+            <a:schemeClr val="accent1"/>
+          </a:effectRef>
+          <a:fontRef idx="minor">
+            <a:schemeClr val="tx1"/>
+          </a:fontRef>
+        </p:style>
+      </p:cxnSp>
+      <p:sp>
+        <p:nvSpPr>
+          <p:cNvPr id="15" name="TextBox 14"/>
+          <p:cNvSpPr txBox="1"/>
+          <p:nvPr/>
+        </p:nvSpPr>
+        <p:spPr>
+          <a:xfrm>
+            <a:off x="3471447" y="5565107"/>
+            <a:ext cx="662355" cy="246221"/>
+          </a:xfrm>
+          <a:prstGeom prst="rect">
+            <a:avLst/>
+          </a:prstGeom>
+          <a:noFill/>
+        </p:spPr>
+        <p:txBody>
+          <a:bodyPr wrap="square" rtlCol="0">
+            <a:spAutoFit/>
+          </a:bodyPr>
+          <a:lstStyle/>
+          <a:p>
+            <a:r>
+              <a:rPr lang="en-US" sz="1000" b="1" dirty="0" smtClean="0">
+                <a:solidFill>
+                  <a:schemeClr val="bg1"/>
+                </a:solidFill>
+              </a:rPr>
+              <a:t>X1,Y1</a:t>
+            </a:r>
+            <a:endParaRPr lang="en-US" sz="1000" b="1" dirty="0">
+              <a:solidFill>
+                <a:schemeClr val="bg1"/>
+              </a:solidFill>
+            </a:endParaRPr>
+          </a:p>
+        </p:txBody>
+      </p:sp>
+      <p:cxnSp>
+        <p:nvCxnSpPr>
+          <p:cNvPr id="17" name="Straight Arrow Connector 16"/>
+          <p:cNvCxnSpPr/>
+          <p:nvPr/>
+        </p:nvCxnSpPr>
+        <p:spPr>
+          <a:xfrm flipV="1">
+            <a:off x="4736123" y="5040923"/>
+            <a:ext cx="1594339" cy="11723"/>
+          </a:xfrm>
+          <a:prstGeom prst="straightConnector1">
+            <a:avLst/>
+          </a:prstGeom>
+          <a:ln>
+            <a:solidFill>
+              <a:srgbClr val="C00000">
+                <a:alpha val="60000"/>
+              </a:srgbClr>
+            </a:solidFill>
+            <a:headEnd type="triangle"/>
+            <a:tailEnd type="triangle"/>
+          </a:ln>
+        </p:spPr>
+        <p:style>
+          <a:lnRef idx="1">
+            <a:schemeClr val="accent1"/>
+          </a:lnRef>
+          <a:fillRef idx="0">
+            <a:schemeClr val="accent1"/>
+          </a:fillRef>
+          <a:effectRef idx="0">
+            <a:schemeClr val="accent1"/>
+          </a:effectRef>
+          <a:fontRef idx="minor">
+            <a:schemeClr val="tx1"/>
+          </a:fontRef>
+        </p:style>
+      </p:cxnSp>
+      <p:sp>
+        <p:nvSpPr>
+          <p:cNvPr id="18" name="TextBox 17"/>
+          <p:cNvSpPr txBox="1"/>
+          <p:nvPr/>
+        </p:nvSpPr>
+        <p:spPr>
+          <a:xfrm>
+            <a:off x="4936831" y="4794702"/>
+            <a:ext cx="662355" cy="246221"/>
+          </a:xfrm>
+          <a:prstGeom prst="rect">
+            <a:avLst/>
+          </a:prstGeom>
+          <a:noFill/>
+        </p:spPr>
+        <p:txBody>
+          <a:bodyPr wrap="square" rtlCol="0">
+            <a:spAutoFit/>
+          </a:bodyPr>
+          <a:lstStyle/>
+          <a:p>
+            <a:r>
+              <a:rPr lang="en-US" sz="1000" b="1" dirty="0" smtClean="0">
+                <a:solidFill>
+                  <a:schemeClr val="bg1"/>
+                </a:solidFill>
+              </a:rPr>
+              <a:t>X0,Y0</a:t>
+            </a:r>
+            <a:endParaRPr lang="en-US" sz="1000" b="1" dirty="0">
+              <a:solidFill>
+                <a:schemeClr val="bg1"/>
+              </a:solidFill>
+            </a:endParaRPr>
+          </a:p>
+        </p:txBody>
+      </p:sp>
+    </p:spTree>
+    <p:extLst>
+      <p:ext uri="{BB962C8B-B14F-4D97-AF65-F5344CB8AC3E}">
+        <p14:creationId xmlns:p14="http://schemas.microsoft.com/office/powerpoint/2010/main" val="3231968140"/>
+      </p:ext>
+    </p:extLst>
+  </p:cSld>
+  <p:clrMapOvr>
+    <a:masterClrMapping/>
+  </p:clrMapOvr>
+</p:sld>
+</file>
+
+<file path=ppt/slides/slide16.xml><?xml version="1.0" encoding="utf-8"?>
+<p:sld xmlns:a="http://schemas.openxmlformats.org/drawingml/2006/main" xmlns:r="http://schemas.openxmlformats.org/officeDocument/2006/relationships" xmlns:p="http://schemas.openxmlformats.org/presentationml/2006/main">
+  <p:cSld>
+    <p:spTree>
+      <p:nvGrpSpPr>
+        <p:cNvPr id="1" name=""/>
+        <p:cNvGrpSpPr/>
+        <p:nvPr/>
+      </p:nvGrpSpPr>
+      <p:grpSpPr>
+        <a:xfrm>
+          <a:off x="0" y="0"/>
+          <a:ext cx="0" cy="0"/>
+          <a:chOff x="0" y="0"/>
+          <a:chExt cx="0" cy="0"/>
+        </a:xfrm>
+      </p:grpSpPr>
+      <p:sp>
+        <p:nvSpPr>
+          <p:cNvPr id="4" name="Rectangle 3"/>
+          <p:cNvSpPr/>
+          <p:nvPr/>
+        </p:nvSpPr>
+        <p:spPr>
+          <a:xfrm>
+            <a:off x="915958" y="104436"/>
+            <a:ext cx="9866805" cy="584775"/>
+          </a:xfrm>
+          <a:prstGeom prst="rect">
+            <a:avLst/>
+          </a:prstGeom>
+          <a:noFill/>
+        </p:spPr>
+        <p:txBody>
+          <a:bodyPr wrap="none" lIns="91440" tIns="45720" rIns="91440" bIns="45720">
+            <a:spAutoFit/>
+          </a:bodyPr>
+          <a:lstStyle/>
+          <a:p>
+            <a:pPr algn="ctr"/>
+            <a:r>
+              <a:rPr lang="en-US" sz="3200" b="1" dirty="0" smtClean="0">
+                <a:ln w="22225">
+                  <a:solidFill>
+                    <a:schemeClr val="accent2"/>
+                  </a:solidFill>
+                  <a:prstDash val="solid"/>
+                </a:ln>
+                <a:solidFill>
+                  <a:schemeClr val="accent2">
+                    <a:lumMod val="40000"/>
+                    <a:lumOff val="60000"/>
+                  </a:schemeClr>
+                </a:solidFill>
+              </a:rPr>
+              <a:t>Game Development Using HTML5 and </a:t>
+            </a:r>
+            <a:r>
+              <a:rPr lang="en-US" sz="3200" b="1" dirty="0">
+                <a:ln w="22225">
+                  <a:solidFill>
+                    <a:schemeClr val="accent2"/>
+                  </a:solidFill>
+                  <a:prstDash val="solid"/>
+                </a:ln>
+                <a:solidFill>
+                  <a:schemeClr val="accent2">
+                    <a:lumMod val="40000"/>
+                    <a:lumOff val="60000"/>
+                  </a:schemeClr>
+                </a:solidFill>
+              </a:rPr>
+              <a:t>J</a:t>
+            </a:r>
+            <a:r>
+              <a:rPr lang="en-US" sz="3200" b="1" dirty="0" smtClean="0">
+                <a:ln w="22225">
+                  <a:solidFill>
+                    <a:schemeClr val="accent2"/>
+                  </a:solidFill>
+                  <a:prstDash val="solid"/>
+                </a:ln>
+                <a:solidFill>
+                  <a:schemeClr val="accent2">
+                    <a:lumMod val="40000"/>
+                    <a:lumOff val="60000"/>
+                  </a:schemeClr>
+                </a:solidFill>
+              </a:rPr>
+              <a:t>avaScript</a:t>
+            </a:r>
+            <a:endParaRPr lang="en-US" sz="3200" b="1" cap="none" spc="0" dirty="0">
+              <a:ln w="22225">
+                <a:solidFill>
+                  <a:schemeClr val="accent2"/>
+                </a:solidFill>
+                <a:prstDash val="solid"/>
+              </a:ln>
+              <a:solidFill>
+                <a:schemeClr val="accent2">
+                  <a:lumMod val="40000"/>
+                  <a:lumOff val="60000"/>
+                </a:schemeClr>
+              </a:solidFill>
+              <a:effectLst/>
+            </a:endParaRPr>
+          </a:p>
+        </p:txBody>
+      </p:sp>
+      <p:sp>
+        <p:nvSpPr>
+          <p:cNvPr id="5" name="TextBox 4"/>
+          <p:cNvSpPr txBox="1"/>
+          <p:nvPr/>
+        </p:nvSpPr>
+        <p:spPr>
+          <a:xfrm>
+            <a:off x="4133802" y="767715"/>
+            <a:ext cx="2360781" cy="369332"/>
+          </a:xfrm>
+          <a:prstGeom prst="rect">
+            <a:avLst/>
+          </a:prstGeom>
+          <a:noFill/>
+        </p:spPr>
+        <p:txBody>
+          <a:bodyPr wrap="square" rtlCol="0">
+            <a:spAutoFit/>
+          </a:bodyPr>
+          <a:lstStyle/>
+          <a:p>
+            <a:r>
+              <a:rPr lang="en-US" b="1" dirty="0" smtClean="0">
+                <a:solidFill>
+                  <a:srgbClr val="C00000"/>
+                </a:solidFill>
+              </a:rPr>
+              <a:t>Building The Setup </a:t>
+            </a:r>
+          </a:p>
+        </p:txBody>
+      </p:sp>
+      <p:sp>
+        <p:nvSpPr>
+          <p:cNvPr id="6" name="TextBox 5"/>
+          <p:cNvSpPr txBox="1"/>
+          <p:nvPr/>
+        </p:nvSpPr>
+        <p:spPr>
+          <a:xfrm>
+            <a:off x="672631" y="1311614"/>
+            <a:ext cx="9283122" cy="646331"/>
+          </a:xfrm>
+          <a:prstGeom prst="rect">
+            <a:avLst/>
+          </a:prstGeom>
+          <a:noFill/>
+        </p:spPr>
+        <p:txBody>
+          <a:bodyPr wrap="square" rtlCol="0">
+            <a:spAutoFit/>
+          </a:bodyPr>
+          <a:lstStyle/>
+          <a:p>
+            <a:r>
+              <a:rPr lang="en-US" b="1" dirty="0" smtClean="0">
+                <a:solidFill>
+                  <a:schemeClr val="bg1"/>
+                </a:solidFill>
+              </a:rPr>
+              <a:t>5)   </a:t>
+            </a:r>
+            <a:r>
+              <a:rPr lang="en-US" b="1" dirty="0">
+                <a:solidFill>
+                  <a:schemeClr val="bg1"/>
+                </a:solidFill>
+              </a:rPr>
+              <a:t>Using </a:t>
+            </a:r>
+            <a:r>
+              <a:rPr lang="en-US" b="1" dirty="0" err="1" smtClean="0">
+                <a:solidFill>
+                  <a:schemeClr val="bg1"/>
+                </a:solidFill>
+              </a:rPr>
+              <a:t>offsetLeft</a:t>
+            </a:r>
+            <a:r>
+              <a:rPr lang="en-US" b="1" dirty="0">
+                <a:solidFill>
+                  <a:schemeClr val="bg1"/>
+                </a:solidFill>
+              </a:rPr>
+              <a:t> and </a:t>
+            </a:r>
+            <a:r>
+              <a:rPr lang="en-US" b="1" dirty="0" err="1" smtClean="0">
+                <a:solidFill>
+                  <a:schemeClr val="bg1"/>
+                </a:solidFill>
+              </a:rPr>
+              <a:t>offsetTop</a:t>
+            </a:r>
+            <a:r>
+              <a:rPr lang="en-US" b="1" dirty="0" smtClean="0">
+                <a:solidFill>
+                  <a:schemeClr val="bg1"/>
+                </a:solidFill>
+              </a:rPr>
+              <a:t> of the container we can get the distance of the 	outer container. </a:t>
+            </a:r>
+            <a:endParaRPr lang="en-US" b="1" dirty="0">
+              <a:solidFill>
+                <a:schemeClr val="bg1"/>
+              </a:solidFill>
+            </a:endParaRPr>
+          </a:p>
+        </p:txBody>
+      </p:sp>
+      <p:sp>
+        <p:nvSpPr>
+          <p:cNvPr id="8" name="Rectangle 7"/>
+          <p:cNvSpPr/>
+          <p:nvPr/>
+        </p:nvSpPr>
+        <p:spPr>
+          <a:xfrm>
+            <a:off x="915958" y="2262455"/>
+            <a:ext cx="10619550" cy="1477328"/>
+          </a:xfrm>
+          <a:prstGeom prst="rect">
+            <a:avLst/>
+          </a:prstGeom>
+        </p:spPr>
+        <p:txBody>
+          <a:bodyPr wrap="square">
+            <a:spAutoFit/>
+          </a:bodyPr>
+          <a:lstStyle/>
+          <a:p>
+            <a:r>
+              <a:rPr lang="en-US" dirty="0" smtClean="0"/>
+              <a:t>	</a:t>
+            </a:r>
+            <a:r>
+              <a:rPr lang="en-US" b="1" dirty="0" smtClean="0">
+                <a:solidFill>
+                  <a:schemeClr val="bg1"/>
+                </a:solidFill>
+              </a:rPr>
+              <a:t>	var </a:t>
+            </a:r>
+            <a:r>
+              <a:rPr lang="en-US" b="1" dirty="0" err="1">
+                <a:solidFill>
+                  <a:schemeClr val="bg1"/>
+                </a:solidFill>
+              </a:rPr>
+              <a:t>left_width</a:t>
+            </a:r>
+            <a:r>
+              <a:rPr lang="en-US" b="1" dirty="0">
+                <a:solidFill>
+                  <a:schemeClr val="bg1"/>
+                </a:solidFill>
+              </a:rPr>
+              <a:t>= </a:t>
+            </a:r>
+            <a:r>
+              <a:rPr lang="en-US" b="1" dirty="0" err="1">
+                <a:solidFill>
+                  <a:schemeClr val="bg1"/>
+                </a:solidFill>
+              </a:rPr>
+              <a:t>document.getElementById</a:t>
+            </a:r>
+            <a:r>
+              <a:rPr lang="en-US" b="1" dirty="0">
+                <a:solidFill>
+                  <a:schemeClr val="bg1"/>
+                </a:solidFill>
+              </a:rPr>
+              <a:t>('</a:t>
+            </a:r>
+            <a:r>
+              <a:rPr lang="en-US" b="1" dirty="0" err="1">
+                <a:solidFill>
+                  <a:schemeClr val="bg1"/>
+                </a:solidFill>
+              </a:rPr>
+              <a:t>out_wrap</a:t>
+            </a:r>
+            <a:r>
+              <a:rPr lang="en-US" b="1" dirty="0">
+                <a:solidFill>
+                  <a:schemeClr val="bg1"/>
+                </a:solidFill>
+              </a:rPr>
+              <a:t>').</a:t>
+            </a:r>
+            <a:r>
+              <a:rPr lang="en-US" b="1" dirty="0" err="1">
+                <a:solidFill>
+                  <a:schemeClr val="bg1"/>
+                </a:solidFill>
+              </a:rPr>
+              <a:t>offsetLeft</a:t>
+            </a:r>
+            <a:r>
+              <a:rPr lang="en-US" b="1" dirty="0" smtClean="0">
+                <a:solidFill>
+                  <a:schemeClr val="bg1"/>
+                </a:solidFill>
+              </a:rPr>
+              <a:t>; //outer container</a:t>
+            </a:r>
+            <a:endParaRPr lang="en-US" b="1" dirty="0">
+              <a:solidFill>
+                <a:schemeClr val="bg1"/>
+              </a:solidFill>
+            </a:endParaRPr>
+          </a:p>
+          <a:p>
+            <a:r>
+              <a:rPr lang="en-US" b="1" dirty="0">
+                <a:solidFill>
+                  <a:schemeClr val="bg1"/>
+                </a:solidFill>
+              </a:rPr>
+              <a:t>		</a:t>
+            </a:r>
+            <a:r>
+              <a:rPr lang="en-US" b="1" dirty="0" smtClean="0">
+                <a:solidFill>
+                  <a:schemeClr val="bg1"/>
+                </a:solidFill>
+              </a:rPr>
+              <a:t>var </a:t>
+            </a:r>
+            <a:r>
+              <a:rPr lang="en-US" b="1" dirty="0" err="1">
+                <a:solidFill>
+                  <a:schemeClr val="bg1"/>
+                </a:solidFill>
+              </a:rPr>
+              <a:t>can_left</a:t>
+            </a:r>
+            <a:r>
+              <a:rPr lang="en-US" b="1" dirty="0">
+                <a:solidFill>
+                  <a:schemeClr val="bg1"/>
+                </a:solidFill>
+              </a:rPr>
+              <a:t>=</a:t>
+            </a:r>
+            <a:r>
+              <a:rPr lang="en-US" b="1" dirty="0" err="1">
+                <a:solidFill>
+                  <a:schemeClr val="bg1"/>
+                </a:solidFill>
+              </a:rPr>
+              <a:t>document.getElementById</a:t>
+            </a:r>
+            <a:r>
+              <a:rPr lang="en-US" b="1" dirty="0">
+                <a:solidFill>
+                  <a:schemeClr val="bg1"/>
+                </a:solidFill>
+              </a:rPr>
+              <a:t>('canvas').</a:t>
+            </a:r>
+            <a:r>
+              <a:rPr lang="en-US" b="1" dirty="0" err="1">
+                <a:solidFill>
+                  <a:schemeClr val="bg1"/>
+                </a:solidFill>
+              </a:rPr>
+              <a:t>offsetLeft</a:t>
+            </a:r>
+            <a:r>
+              <a:rPr lang="en-US" b="1" dirty="0" smtClean="0">
+                <a:solidFill>
+                  <a:schemeClr val="bg1"/>
+                </a:solidFill>
+              </a:rPr>
+              <a:t>; // canvas</a:t>
+            </a:r>
+            <a:endParaRPr lang="en-US" b="1" dirty="0">
+              <a:solidFill>
+                <a:schemeClr val="bg1"/>
+              </a:solidFill>
+            </a:endParaRPr>
+          </a:p>
+          <a:p>
+            <a:r>
+              <a:rPr lang="en-US" b="1" dirty="0">
+                <a:solidFill>
+                  <a:schemeClr val="bg1"/>
+                </a:solidFill>
+              </a:rPr>
+              <a:t>					</a:t>
+            </a:r>
+          </a:p>
+          <a:p>
+            <a:r>
+              <a:rPr lang="en-US" b="1" dirty="0">
+                <a:solidFill>
+                  <a:schemeClr val="bg1"/>
+                </a:solidFill>
+              </a:rPr>
+              <a:t>		</a:t>
+            </a:r>
+            <a:r>
+              <a:rPr lang="en-US" b="1" dirty="0" smtClean="0">
+                <a:solidFill>
+                  <a:schemeClr val="bg1"/>
+                </a:solidFill>
+              </a:rPr>
+              <a:t>var </a:t>
+            </a:r>
+            <a:r>
+              <a:rPr lang="en-US" b="1" dirty="0" err="1">
+                <a:solidFill>
+                  <a:schemeClr val="bg1"/>
+                </a:solidFill>
+              </a:rPr>
+              <a:t>top_height</a:t>
+            </a:r>
+            <a:r>
+              <a:rPr lang="en-US" b="1" dirty="0">
+                <a:solidFill>
+                  <a:schemeClr val="bg1"/>
+                </a:solidFill>
+              </a:rPr>
+              <a:t>=</a:t>
+            </a:r>
+            <a:r>
+              <a:rPr lang="en-US" b="1" dirty="0" err="1">
+                <a:solidFill>
+                  <a:schemeClr val="bg1"/>
+                </a:solidFill>
+              </a:rPr>
+              <a:t>document.getElementById</a:t>
+            </a:r>
+            <a:r>
+              <a:rPr lang="en-US" b="1" dirty="0">
+                <a:solidFill>
+                  <a:schemeClr val="bg1"/>
+                </a:solidFill>
+              </a:rPr>
+              <a:t>('</a:t>
+            </a:r>
+            <a:r>
+              <a:rPr lang="en-US" b="1" dirty="0" err="1">
+                <a:solidFill>
+                  <a:schemeClr val="bg1"/>
+                </a:solidFill>
+              </a:rPr>
+              <a:t>out_wrap</a:t>
+            </a:r>
+            <a:r>
+              <a:rPr lang="en-US" b="1" dirty="0">
+                <a:solidFill>
+                  <a:schemeClr val="bg1"/>
+                </a:solidFill>
+              </a:rPr>
+              <a:t>').</a:t>
+            </a:r>
+            <a:r>
+              <a:rPr lang="en-US" b="1" dirty="0" err="1">
+                <a:solidFill>
+                  <a:schemeClr val="bg1"/>
+                </a:solidFill>
+              </a:rPr>
+              <a:t>offsetTop</a:t>
+            </a:r>
+            <a:r>
+              <a:rPr lang="en-US" b="1" dirty="0" smtClean="0">
+                <a:solidFill>
+                  <a:schemeClr val="bg1"/>
+                </a:solidFill>
+              </a:rPr>
+              <a:t>; //outer container</a:t>
+            </a:r>
+            <a:endParaRPr lang="en-US" b="1" dirty="0">
+              <a:solidFill>
+                <a:schemeClr val="bg1"/>
+              </a:solidFill>
+            </a:endParaRPr>
+          </a:p>
+          <a:p>
+            <a:r>
+              <a:rPr lang="en-US" b="1" dirty="0">
+                <a:solidFill>
+                  <a:schemeClr val="bg1"/>
+                </a:solidFill>
+              </a:rPr>
+              <a:t>		</a:t>
+            </a:r>
+            <a:r>
+              <a:rPr lang="en-US" b="1" dirty="0" smtClean="0">
+                <a:solidFill>
+                  <a:schemeClr val="bg1"/>
+                </a:solidFill>
+              </a:rPr>
+              <a:t>var </a:t>
+            </a:r>
+            <a:r>
+              <a:rPr lang="en-US" b="1" dirty="0" err="1">
+                <a:solidFill>
+                  <a:schemeClr val="bg1"/>
+                </a:solidFill>
+              </a:rPr>
+              <a:t>can_height</a:t>
+            </a:r>
+            <a:r>
+              <a:rPr lang="en-US" b="1" dirty="0">
+                <a:solidFill>
+                  <a:schemeClr val="bg1"/>
+                </a:solidFill>
+              </a:rPr>
+              <a:t>=</a:t>
+            </a:r>
+            <a:r>
+              <a:rPr lang="en-US" b="1" dirty="0" err="1">
+                <a:solidFill>
+                  <a:schemeClr val="bg1"/>
+                </a:solidFill>
+              </a:rPr>
+              <a:t>document.getElementById</a:t>
+            </a:r>
+            <a:r>
+              <a:rPr lang="en-US" b="1" dirty="0">
+                <a:solidFill>
+                  <a:schemeClr val="bg1"/>
+                </a:solidFill>
+              </a:rPr>
+              <a:t>('canvas').</a:t>
+            </a:r>
+            <a:r>
+              <a:rPr lang="en-US" b="1" dirty="0" err="1">
+                <a:solidFill>
+                  <a:schemeClr val="bg1"/>
+                </a:solidFill>
+              </a:rPr>
+              <a:t>offsetTop</a:t>
+            </a:r>
+            <a:r>
+              <a:rPr lang="en-US" b="1" dirty="0" smtClean="0">
+                <a:solidFill>
+                  <a:schemeClr val="bg1"/>
+                </a:solidFill>
+              </a:rPr>
+              <a:t>;  //canvas</a:t>
+            </a:r>
+            <a:endParaRPr lang="en-US" b="1" dirty="0">
+              <a:solidFill>
+                <a:schemeClr val="bg1"/>
+              </a:solidFill>
+            </a:endParaRPr>
+          </a:p>
+        </p:txBody>
+      </p:sp>
+      <p:pic>
+        <p:nvPicPr>
+          <p:cNvPr id="9" name="Picture 8"/>
+          <p:cNvPicPr>
+            <a:picLocks noChangeAspect="1"/>
+          </p:cNvPicPr>
+          <p:nvPr/>
+        </p:nvPicPr>
+        <p:blipFill>
+          <a:blip r:embed="rId2"/>
+          <a:stretch>
+            <a:fillRect/>
+          </a:stretch>
+        </p:blipFill>
+        <p:spPr>
+          <a:xfrm>
+            <a:off x="2145324" y="4044293"/>
+            <a:ext cx="7010400" cy="2314208"/>
+          </a:xfrm>
+          <a:prstGeom prst="rect">
+            <a:avLst/>
+          </a:prstGeom>
+        </p:spPr>
+      </p:pic>
+      <p:cxnSp>
+        <p:nvCxnSpPr>
+          <p:cNvPr id="11" name="Straight Arrow Connector 10"/>
+          <p:cNvCxnSpPr/>
+          <p:nvPr/>
+        </p:nvCxnSpPr>
+        <p:spPr>
+          <a:xfrm flipV="1">
+            <a:off x="3305908" y="4958862"/>
+            <a:ext cx="328246" cy="11723"/>
+          </a:xfrm>
+          <a:prstGeom prst="straightConnector1">
+            <a:avLst/>
+          </a:prstGeom>
+          <a:ln>
+            <a:solidFill>
+              <a:schemeClr val="bg1">
+                <a:alpha val="60000"/>
+              </a:schemeClr>
+            </a:solidFill>
+            <a:headEnd type="triangle"/>
+            <a:tailEnd type="triangle"/>
+          </a:ln>
+        </p:spPr>
+        <p:style>
+          <a:lnRef idx="1">
+            <a:schemeClr val="accent1"/>
+          </a:lnRef>
+          <a:fillRef idx="0">
+            <a:schemeClr val="accent1"/>
+          </a:fillRef>
+          <a:effectRef idx="0">
+            <a:schemeClr val="accent1"/>
+          </a:effectRef>
+          <a:fontRef idx="minor">
+            <a:schemeClr val="tx1"/>
+          </a:fontRef>
+        </p:style>
+      </p:cxnSp>
+      <p:cxnSp>
+        <p:nvCxnSpPr>
+          <p:cNvPr id="16" name="Straight Arrow Connector 15"/>
+          <p:cNvCxnSpPr/>
+          <p:nvPr/>
+        </p:nvCxnSpPr>
+        <p:spPr>
+          <a:xfrm flipH="1">
+            <a:off x="2790092" y="4958862"/>
+            <a:ext cx="679939" cy="574430"/>
+          </a:xfrm>
+          <a:prstGeom prst="straightConnector1">
+            <a:avLst/>
+          </a:prstGeom>
+          <a:ln>
+            <a:solidFill>
+              <a:srgbClr val="C00000">
+                <a:alpha val="60000"/>
+              </a:srgbClr>
+            </a:solidFill>
+            <a:tailEnd type="triangle"/>
+          </a:ln>
+        </p:spPr>
+        <p:style>
+          <a:lnRef idx="1">
+            <a:schemeClr val="accent1"/>
+          </a:lnRef>
+          <a:fillRef idx="0">
+            <a:schemeClr val="accent1"/>
+          </a:fillRef>
+          <a:effectRef idx="0">
+            <a:schemeClr val="accent1"/>
+          </a:effectRef>
+          <a:fontRef idx="minor">
+            <a:schemeClr val="tx1"/>
+          </a:fontRef>
+        </p:style>
+      </p:cxnSp>
+      <p:sp>
+        <p:nvSpPr>
+          <p:cNvPr id="17" name="TextBox 16"/>
+          <p:cNvSpPr txBox="1"/>
+          <p:nvPr/>
+        </p:nvSpPr>
+        <p:spPr>
+          <a:xfrm>
+            <a:off x="2244969" y="5533292"/>
+            <a:ext cx="762000" cy="246221"/>
+          </a:xfrm>
+          <a:prstGeom prst="rect">
+            <a:avLst/>
+          </a:prstGeom>
+          <a:noFill/>
+        </p:spPr>
+        <p:txBody>
+          <a:bodyPr wrap="square" rtlCol="0">
+            <a:spAutoFit/>
+          </a:bodyPr>
+          <a:lstStyle/>
+          <a:p>
+            <a:r>
+              <a:rPr lang="en-US" sz="1000" b="1" dirty="0" smtClean="0">
+                <a:solidFill>
+                  <a:schemeClr val="bg1"/>
+                </a:solidFill>
+              </a:rPr>
+              <a:t>Left width</a:t>
+            </a:r>
+            <a:endParaRPr lang="en-US" sz="1000" b="1" dirty="0">
+              <a:solidFill>
+                <a:schemeClr val="bg1"/>
+              </a:solidFill>
+            </a:endParaRPr>
+          </a:p>
+        </p:txBody>
+      </p:sp>
+      <p:cxnSp>
+        <p:nvCxnSpPr>
+          <p:cNvPr id="19" name="Straight Arrow Connector 18"/>
+          <p:cNvCxnSpPr/>
+          <p:nvPr/>
+        </p:nvCxnSpPr>
+        <p:spPr>
+          <a:xfrm>
+            <a:off x="3634154" y="5656402"/>
+            <a:ext cx="1680038" cy="0"/>
+          </a:xfrm>
+          <a:prstGeom prst="straightConnector1">
+            <a:avLst/>
+          </a:prstGeom>
+          <a:ln>
+            <a:headEnd type="triangle"/>
+            <a:tailEnd type="triangle"/>
+          </a:ln>
+        </p:spPr>
+        <p:style>
+          <a:lnRef idx="1">
+            <a:schemeClr val="accent1"/>
+          </a:lnRef>
+          <a:fillRef idx="0">
+            <a:schemeClr val="accent1"/>
+          </a:fillRef>
+          <a:effectRef idx="0">
+            <a:schemeClr val="accent1"/>
+          </a:effectRef>
+          <a:fontRef idx="minor">
+            <a:schemeClr val="tx1"/>
+          </a:fontRef>
+        </p:style>
+      </p:cxnSp>
+      <p:sp>
+        <p:nvSpPr>
+          <p:cNvPr id="20" name="TextBox 19"/>
+          <p:cNvSpPr txBox="1"/>
+          <p:nvPr/>
+        </p:nvSpPr>
+        <p:spPr>
+          <a:xfrm>
+            <a:off x="4015154" y="5433627"/>
+            <a:ext cx="762000" cy="246221"/>
+          </a:xfrm>
+          <a:prstGeom prst="rect">
+            <a:avLst/>
+          </a:prstGeom>
+          <a:noFill/>
+        </p:spPr>
+        <p:txBody>
+          <a:bodyPr wrap="square" rtlCol="0">
+            <a:spAutoFit/>
+          </a:bodyPr>
+          <a:lstStyle/>
+          <a:p>
+            <a:r>
+              <a:rPr lang="en-US" sz="1000" b="1" dirty="0" smtClean="0">
+                <a:solidFill>
+                  <a:schemeClr val="bg1"/>
+                </a:solidFill>
+              </a:rPr>
+              <a:t>Can left</a:t>
+            </a:r>
+            <a:endParaRPr lang="en-US" sz="1000" b="1" dirty="0">
+              <a:solidFill>
+                <a:schemeClr val="bg1"/>
+              </a:solidFill>
+            </a:endParaRPr>
+          </a:p>
+        </p:txBody>
+      </p:sp>
+    </p:spTree>
+    <p:extLst>
+      <p:ext uri="{BB962C8B-B14F-4D97-AF65-F5344CB8AC3E}">
+        <p14:creationId xmlns:p14="http://schemas.microsoft.com/office/powerpoint/2010/main" val="1300105843"/>
+      </p:ext>
+    </p:extLst>
+  </p:cSld>
+  <p:clrMapOvr>
+    <a:masterClrMapping/>
+  </p:clrMapOvr>
+</p:sld>
+</file>
+
+<file path=ppt/slides/slide17.xml><?xml version="1.0" encoding="utf-8"?>
+<p:sld xmlns:a="http://schemas.openxmlformats.org/drawingml/2006/main" xmlns:r="http://schemas.openxmlformats.org/officeDocument/2006/relationships" xmlns:p="http://schemas.openxmlformats.org/presentationml/2006/main">
+  <p:cSld>
+    <p:spTree>
+      <p:nvGrpSpPr>
+        <p:cNvPr id="1" name=""/>
+        <p:cNvGrpSpPr/>
+        <p:nvPr/>
+      </p:nvGrpSpPr>
+      <p:grpSpPr>
+        <a:xfrm>
+          <a:off x="0" y="0"/>
+          <a:ext cx="0" cy="0"/>
+          <a:chOff x="0" y="0"/>
+          <a:chExt cx="0" cy="0"/>
+        </a:xfrm>
+      </p:grpSpPr>
+      <p:sp>
+        <p:nvSpPr>
+          <p:cNvPr id="4" name="Rectangle 3"/>
+          <p:cNvSpPr/>
+          <p:nvPr/>
+        </p:nvSpPr>
+        <p:spPr>
+          <a:xfrm>
+            <a:off x="915958" y="104436"/>
+            <a:ext cx="9866805" cy="584775"/>
+          </a:xfrm>
+          <a:prstGeom prst="rect">
+            <a:avLst/>
+          </a:prstGeom>
+          <a:noFill/>
+        </p:spPr>
+        <p:txBody>
+          <a:bodyPr wrap="none" lIns="91440" tIns="45720" rIns="91440" bIns="45720">
+            <a:spAutoFit/>
+          </a:bodyPr>
+          <a:lstStyle/>
+          <a:p>
+            <a:pPr algn="ctr"/>
+            <a:r>
+              <a:rPr lang="en-US" sz="3200" b="1" dirty="0" smtClean="0">
+                <a:ln w="22225">
+                  <a:solidFill>
+                    <a:schemeClr val="accent2"/>
+                  </a:solidFill>
+                  <a:prstDash val="solid"/>
+                </a:ln>
+                <a:solidFill>
+                  <a:schemeClr val="accent2">
+                    <a:lumMod val="40000"/>
+                    <a:lumOff val="60000"/>
+                  </a:schemeClr>
+                </a:solidFill>
+              </a:rPr>
+              <a:t>Game Development Using HTML5 and </a:t>
+            </a:r>
+            <a:r>
+              <a:rPr lang="en-US" sz="3200" b="1" dirty="0">
+                <a:ln w="22225">
+                  <a:solidFill>
+                    <a:schemeClr val="accent2"/>
+                  </a:solidFill>
+                  <a:prstDash val="solid"/>
+                </a:ln>
+                <a:solidFill>
+                  <a:schemeClr val="accent2">
+                    <a:lumMod val="40000"/>
+                    <a:lumOff val="60000"/>
+                  </a:schemeClr>
+                </a:solidFill>
+              </a:rPr>
+              <a:t>J</a:t>
+            </a:r>
+            <a:r>
+              <a:rPr lang="en-US" sz="3200" b="1" dirty="0" smtClean="0">
+                <a:ln w="22225">
+                  <a:solidFill>
+                    <a:schemeClr val="accent2"/>
+                  </a:solidFill>
+                  <a:prstDash val="solid"/>
+                </a:ln>
+                <a:solidFill>
+                  <a:schemeClr val="accent2">
+                    <a:lumMod val="40000"/>
+                    <a:lumOff val="60000"/>
+                  </a:schemeClr>
+                </a:solidFill>
+              </a:rPr>
+              <a:t>avaScript</a:t>
+            </a:r>
+            <a:endParaRPr lang="en-US" sz="3200" b="1" cap="none" spc="0" dirty="0">
+              <a:ln w="22225">
+                <a:solidFill>
+                  <a:schemeClr val="accent2"/>
+                </a:solidFill>
+                <a:prstDash val="solid"/>
+              </a:ln>
+              <a:solidFill>
+                <a:schemeClr val="accent2">
+                  <a:lumMod val="40000"/>
+                  <a:lumOff val="60000"/>
+                </a:schemeClr>
+              </a:solidFill>
+              <a:effectLst/>
+            </a:endParaRPr>
+          </a:p>
+        </p:txBody>
+      </p:sp>
+      <p:sp>
+        <p:nvSpPr>
+          <p:cNvPr id="5" name="TextBox 4"/>
+          <p:cNvSpPr txBox="1"/>
+          <p:nvPr/>
+        </p:nvSpPr>
+        <p:spPr>
+          <a:xfrm>
+            <a:off x="4133802" y="767715"/>
+            <a:ext cx="2360781" cy="369332"/>
+          </a:xfrm>
+          <a:prstGeom prst="rect">
+            <a:avLst/>
+          </a:prstGeom>
+          <a:noFill/>
+        </p:spPr>
+        <p:txBody>
+          <a:bodyPr wrap="square" rtlCol="0">
+            <a:spAutoFit/>
+          </a:bodyPr>
+          <a:lstStyle/>
+          <a:p>
+            <a:r>
+              <a:rPr lang="en-US" b="1" dirty="0" smtClean="0">
+                <a:solidFill>
+                  <a:srgbClr val="C00000"/>
+                </a:solidFill>
+              </a:rPr>
+              <a:t>Building The Setup </a:t>
+            </a:r>
+          </a:p>
+        </p:txBody>
+      </p:sp>
+      <p:sp>
+        <p:nvSpPr>
+          <p:cNvPr id="6" name="TextBox 5"/>
+          <p:cNvSpPr txBox="1"/>
+          <p:nvPr/>
+        </p:nvSpPr>
+        <p:spPr>
+          <a:xfrm>
+            <a:off x="672631" y="1311614"/>
+            <a:ext cx="6994261" cy="369332"/>
+          </a:xfrm>
+          <a:prstGeom prst="rect">
+            <a:avLst/>
+          </a:prstGeom>
+          <a:noFill/>
+        </p:spPr>
+        <p:txBody>
+          <a:bodyPr wrap="square" rtlCol="0">
+            <a:spAutoFit/>
+          </a:bodyPr>
+          <a:lstStyle/>
+          <a:p>
+            <a:r>
+              <a:rPr lang="en-US" b="1" dirty="0">
+                <a:solidFill>
+                  <a:schemeClr val="bg1"/>
+                </a:solidFill>
+              </a:rPr>
+              <a:t>6</a:t>
+            </a:r>
+            <a:r>
+              <a:rPr lang="en-US" b="1" dirty="0" smtClean="0">
+                <a:solidFill>
+                  <a:schemeClr val="bg1"/>
+                </a:solidFill>
+              </a:rPr>
+              <a:t>)  Now we have to calculate the effective width and height. </a:t>
+            </a:r>
+            <a:endParaRPr lang="en-US" b="1" dirty="0">
+              <a:solidFill>
+                <a:schemeClr val="bg1"/>
+              </a:solidFill>
+            </a:endParaRPr>
+          </a:p>
+        </p:txBody>
+      </p:sp>
+      <p:sp>
+        <p:nvSpPr>
+          <p:cNvPr id="7" name="Rectangle 6"/>
+          <p:cNvSpPr/>
+          <p:nvPr/>
+        </p:nvSpPr>
+        <p:spPr>
+          <a:xfrm>
+            <a:off x="2189992" y="2776182"/>
+            <a:ext cx="5216769" cy="646331"/>
+          </a:xfrm>
+          <a:prstGeom prst="rect">
+            <a:avLst/>
+          </a:prstGeom>
+        </p:spPr>
+        <p:txBody>
+          <a:bodyPr wrap="square">
+            <a:spAutoFit/>
+          </a:bodyPr>
+          <a:lstStyle/>
+          <a:p>
+            <a:r>
+              <a:rPr lang="en-US" b="1" dirty="0">
+                <a:solidFill>
+                  <a:schemeClr val="bg1"/>
+                </a:solidFill>
+              </a:rPr>
+              <a:t>var </a:t>
+            </a:r>
+            <a:r>
+              <a:rPr lang="en-US" b="1" dirty="0" err="1" smtClean="0">
+                <a:solidFill>
+                  <a:schemeClr val="bg1"/>
+                </a:solidFill>
+              </a:rPr>
+              <a:t>total_left</a:t>
+            </a:r>
+            <a:r>
+              <a:rPr lang="en-US" b="1" dirty="0" smtClean="0">
+                <a:solidFill>
+                  <a:schemeClr val="bg1"/>
+                </a:solidFill>
+              </a:rPr>
+              <a:t>=X1-(</a:t>
+            </a:r>
+            <a:r>
+              <a:rPr lang="en-US" b="1" dirty="0" err="1">
+                <a:solidFill>
+                  <a:schemeClr val="bg1"/>
+                </a:solidFill>
+              </a:rPr>
+              <a:t>left_width+can_left</a:t>
+            </a:r>
+            <a:r>
+              <a:rPr lang="en-US" b="1" dirty="0" smtClean="0">
+                <a:solidFill>
+                  <a:schemeClr val="bg1"/>
+                </a:solidFill>
+              </a:rPr>
+              <a:t>);</a:t>
+            </a:r>
+          </a:p>
+          <a:p>
+            <a:r>
+              <a:rPr lang="en-US" b="1" dirty="0" smtClean="0">
+                <a:solidFill>
+                  <a:schemeClr val="bg1"/>
+                </a:solidFill>
+              </a:rPr>
+              <a:t>var </a:t>
+            </a:r>
+            <a:r>
+              <a:rPr lang="en-US" b="1" dirty="0" err="1" smtClean="0">
+                <a:solidFill>
+                  <a:schemeClr val="bg1"/>
+                </a:solidFill>
+              </a:rPr>
+              <a:t>total_height</a:t>
+            </a:r>
+            <a:r>
+              <a:rPr lang="en-US" b="1" dirty="0" smtClean="0">
+                <a:solidFill>
+                  <a:schemeClr val="bg1"/>
+                </a:solidFill>
+              </a:rPr>
+              <a:t>=Y1-(</a:t>
+            </a:r>
+            <a:r>
+              <a:rPr lang="en-US" b="1" dirty="0" err="1" smtClean="0">
+                <a:solidFill>
+                  <a:schemeClr val="bg1"/>
+                </a:solidFill>
+              </a:rPr>
+              <a:t>top_height+can_height</a:t>
+            </a:r>
+            <a:r>
+              <a:rPr lang="en-US" b="1" dirty="0" smtClean="0">
+                <a:solidFill>
+                  <a:schemeClr val="bg1"/>
+                </a:solidFill>
+              </a:rPr>
+              <a:t>);</a:t>
+            </a:r>
+            <a:endParaRPr lang="en-US" b="1" dirty="0">
+              <a:solidFill>
+                <a:schemeClr val="bg1"/>
+              </a:solidFill>
+            </a:endParaRPr>
+          </a:p>
+        </p:txBody>
+      </p:sp>
+      <p:sp>
+        <p:nvSpPr>
+          <p:cNvPr id="8" name="Rectangle 7"/>
+          <p:cNvSpPr/>
+          <p:nvPr/>
+        </p:nvSpPr>
+        <p:spPr>
+          <a:xfrm>
+            <a:off x="3200399" y="1956236"/>
+            <a:ext cx="2379785" cy="646331"/>
+          </a:xfrm>
+          <a:prstGeom prst="rect">
+            <a:avLst/>
+          </a:prstGeom>
+        </p:spPr>
+        <p:txBody>
+          <a:bodyPr wrap="square">
+            <a:spAutoFit/>
+          </a:bodyPr>
+          <a:lstStyle/>
+          <a:p>
+            <a:r>
+              <a:rPr lang="en-US" b="1" dirty="0">
+                <a:solidFill>
+                  <a:schemeClr val="bg1"/>
+                </a:solidFill>
+              </a:rPr>
+              <a:t>var X1 = </a:t>
+            </a:r>
+            <a:r>
+              <a:rPr lang="en-US" b="1" dirty="0" err="1">
+                <a:solidFill>
+                  <a:schemeClr val="bg1"/>
+                </a:solidFill>
+              </a:rPr>
+              <a:t>e.clientX</a:t>
+            </a:r>
+            <a:r>
+              <a:rPr lang="en-US" b="1" dirty="0">
+                <a:solidFill>
+                  <a:schemeClr val="bg1"/>
+                </a:solidFill>
+              </a:rPr>
+              <a:t>;  </a:t>
+            </a:r>
+          </a:p>
+          <a:p>
+            <a:r>
+              <a:rPr lang="en-US" b="1" dirty="0">
+                <a:solidFill>
+                  <a:schemeClr val="bg1"/>
+                </a:solidFill>
+              </a:rPr>
+              <a:t>var Y1= </a:t>
+            </a:r>
+            <a:r>
+              <a:rPr lang="en-US" b="1" dirty="0" err="1">
+                <a:solidFill>
+                  <a:schemeClr val="bg1"/>
+                </a:solidFill>
+              </a:rPr>
+              <a:t>e.clientY</a:t>
+            </a:r>
+            <a:r>
+              <a:rPr lang="en-US" b="1" dirty="0">
+                <a:solidFill>
+                  <a:schemeClr val="bg1"/>
+                </a:solidFill>
+              </a:rPr>
+              <a:t>;</a:t>
+            </a:r>
+          </a:p>
+        </p:txBody>
+      </p:sp>
+      <p:pic>
+        <p:nvPicPr>
+          <p:cNvPr id="9" name="Picture 8"/>
+          <p:cNvPicPr>
+            <a:picLocks noChangeAspect="1"/>
+          </p:cNvPicPr>
+          <p:nvPr/>
+        </p:nvPicPr>
+        <p:blipFill>
+          <a:blip r:embed="rId2"/>
+          <a:stretch>
+            <a:fillRect/>
+          </a:stretch>
+        </p:blipFill>
+        <p:spPr>
+          <a:xfrm>
+            <a:off x="1808992" y="3786385"/>
+            <a:ext cx="7010400" cy="2314208"/>
+          </a:xfrm>
+          <a:prstGeom prst="rect">
+            <a:avLst/>
+          </a:prstGeom>
+        </p:spPr>
+      </p:pic>
+      <p:cxnSp>
+        <p:nvCxnSpPr>
+          <p:cNvPr id="11" name="Straight Arrow Connector 10"/>
+          <p:cNvCxnSpPr/>
+          <p:nvPr/>
+        </p:nvCxnSpPr>
+        <p:spPr>
+          <a:xfrm flipV="1">
+            <a:off x="3200399" y="5216769"/>
+            <a:ext cx="1793632" cy="35169"/>
+          </a:xfrm>
+          <a:prstGeom prst="straightConnector1">
+            <a:avLst/>
+          </a:prstGeom>
+          <a:ln>
+            <a:solidFill>
+              <a:srgbClr val="C00000">
+                <a:alpha val="60000"/>
+              </a:srgbClr>
+            </a:solidFill>
+            <a:headEnd type="triangle"/>
+            <a:tailEnd type="triangle"/>
+          </a:ln>
+        </p:spPr>
+        <p:style>
+          <a:lnRef idx="1">
+            <a:schemeClr val="accent1"/>
+          </a:lnRef>
+          <a:fillRef idx="0">
+            <a:schemeClr val="accent1"/>
+          </a:fillRef>
+          <a:effectRef idx="0">
+            <a:schemeClr val="accent1"/>
+          </a:effectRef>
+          <a:fontRef idx="minor">
+            <a:schemeClr val="tx1"/>
+          </a:fontRef>
+        </p:style>
+      </p:cxnSp>
+      <p:cxnSp>
+        <p:nvCxnSpPr>
+          <p:cNvPr id="13" name="Straight Arrow Connector 12"/>
+          <p:cNvCxnSpPr/>
+          <p:nvPr/>
+        </p:nvCxnSpPr>
+        <p:spPr>
+          <a:xfrm>
+            <a:off x="4798376" y="4185138"/>
+            <a:ext cx="0" cy="867508"/>
+          </a:xfrm>
+          <a:prstGeom prst="straightConnector1">
+            <a:avLst/>
+          </a:prstGeom>
+          <a:ln>
+            <a:solidFill>
+              <a:srgbClr val="C00000">
+                <a:alpha val="60000"/>
+              </a:srgbClr>
+            </a:solidFill>
+            <a:headEnd type="triangle"/>
+            <a:tailEnd type="triangle"/>
+          </a:ln>
+        </p:spPr>
+        <p:style>
+          <a:lnRef idx="1">
+            <a:schemeClr val="accent1"/>
+          </a:lnRef>
+          <a:fillRef idx="0">
+            <a:schemeClr val="accent1"/>
+          </a:fillRef>
+          <a:effectRef idx="0">
+            <a:schemeClr val="accent1"/>
+          </a:effectRef>
+          <a:fontRef idx="minor">
+            <a:schemeClr val="tx1"/>
+          </a:fontRef>
+        </p:style>
+      </p:cxnSp>
+      <p:sp>
+        <p:nvSpPr>
+          <p:cNvPr id="14" name="TextBox 13"/>
+          <p:cNvSpPr txBox="1"/>
+          <p:nvPr/>
+        </p:nvSpPr>
+        <p:spPr>
+          <a:xfrm>
+            <a:off x="3407761" y="4970548"/>
+            <a:ext cx="762000" cy="246221"/>
+          </a:xfrm>
+          <a:prstGeom prst="rect">
+            <a:avLst/>
+          </a:prstGeom>
+          <a:noFill/>
+        </p:spPr>
+        <p:txBody>
+          <a:bodyPr wrap="square" rtlCol="0">
+            <a:spAutoFit/>
+          </a:bodyPr>
+          <a:lstStyle/>
+          <a:p>
+            <a:r>
+              <a:rPr lang="en-US" sz="1000" b="1" dirty="0" smtClean="0">
+                <a:solidFill>
+                  <a:schemeClr val="bg1"/>
+                </a:solidFill>
+              </a:rPr>
+              <a:t>total left</a:t>
+            </a:r>
+            <a:endParaRPr lang="en-US" sz="1000" b="1" dirty="0">
+              <a:solidFill>
+                <a:schemeClr val="bg1"/>
+              </a:solidFill>
+            </a:endParaRPr>
+          </a:p>
+        </p:txBody>
+      </p:sp>
+      <p:sp>
+        <p:nvSpPr>
+          <p:cNvPr id="15" name="TextBox 14"/>
+          <p:cNvSpPr txBox="1"/>
+          <p:nvPr/>
+        </p:nvSpPr>
+        <p:spPr>
+          <a:xfrm>
+            <a:off x="4782208" y="4394638"/>
+            <a:ext cx="903483" cy="246221"/>
+          </a:xfrm>
+          <a:prstGeom prst="rect">
+            <a:avLst/>
+          </a:prstGeom>
+          <a:noFill/>
+        </p:spPr>
+        <p:txBody>
+          <a:bodyPr wrap="square" rtlCol="0">
+            <a:spAutoFit/>
+          </a:bodyPr>
+          <a:lstStyle/>
+          <a:p>
+            <a:r>
+              <a:rPr lang="en-US" sz="1000" b="1" dirty="0">
+                <a:solidFill>
+                  <a:schemeClr val="bg1"/>
+                </a:solidFill>
+              </a:rPr>
+              <a:t>t</a:t>
+            </a:r>
+            <a:r>
+              <a:rPr lang="en-US" sz="1000" b="1" dirty="0" smtClean="0">
+                <a:solidFill>
+                  <a:schemeClr val="bg1"/>
+                </a:solidFill>
+              </a:rPr>
+              <a:t>otal height</a:t>
+            </a:r>
+            <a:endParaRPr lang="en-US" sz="1000" b="1" dirty="0">
+              <a:solidFill>
+                <a:schemeClr val="bg1"/>
+              </a:solidFill>
+            </a:endParaRPr>
+          </a:p>
+        </p:txBody>
+      </p:sp>
+    </p:spTree>
+    <p:extLst>
+      <p:ext uri="{BB962C8B-B14F-4D97-AF65-F5344CB8AC3E}">
+        <p14:creationId xmlns:p14="http://schemas.microsoft.com/office/powerpoint/2010/main" val="488816995"/>
+      </p:ext>
+    </p:extLst>
+  </p:cSld>
+  <p:clrMapOvr>
+    <a:masterClrMapping/>
+  </p:clrMapOvr>
+</p:sld>
+</file>
+
+<file path=ppt/slides/slide18.xml><?xml version="1.0" encoding="utf-8"?>
+<p:sld xmlns:a="http://schemas.openxmlformats.org/drawingml/2006/main" xmlns:r="http://schemas.openxmlformats.org/officeDocument/2006/relationships" xmlns:p="http://schemas.openxmlformats.org/presentationml/2006/main">
+  <p:cSld>
+    <p:spTree>
+      <p:nvGrpSpPr>
+        <p:cNvPr id="1" name=""/>
+        <p:cNvGrpSpPr/>
+        <p:nvPr/>
+      </p:nvGrpSpPr>
+      <p:grpSpPr>
+        <a:xfrm>
+          <a:off x="0" y="0"/>
+          <a:ext cx="0" cy="0"/>
+          <a:chOff x="0" y="0"/>
+          <a:chExt cx="0" cy="0"/>
+        </a:xfrm>
+      </p:grpSpPr>
+      <p:sp>
+        <p:nvSpPr>
+          <p:cNvPr id="4" name="Rectangle 3"/>
+          <p:cNvSpPr/>
+          <p:nvPr/>
+        </p:nvSpPr>
+        <p:spPr>
+          <a:xfrm>
+            <a:off x="915958" y="104436"/>
+            <a:ext cx="9866805" cy="584775"/>
+          </a:xfrm>
+          <a:prstGeom prst="rect">
+            <a:avLst/>
+          </a:prstGeom>
+          <a:noFill/>
+        </p:spPr>
+        <p:txBody>
+          <a:bodyPr wrap="none" lIns="91440" tIns="45720" rIns="91440" bIns="45720">
+            <a:spAutoFit/>
+          </a:bodyPr>
+          <a:lstStyle/>
+          <a:p>
+            <a:pPr algn="ctr"/>
+            <a:r>
+              <a:rPr lang="en-US" sz="3200" b="1" dirty="0" smtClean="0">
+                <a:ln w="22225">
+                  <a:solidFill>
+                    <a:schemeClr val="accent2"/>
+                  </a:solidFill>
+                  <a:prstDash val="solid"/>
+                </a:ln>
+                <a:solidFill>
+                  <a:schemeClr val="accent2">
+                    <a:lumMod val="40000"/>
+                    <a:lumOff val="60000"/>
+                  </a:schemeClr>
+                </a:solidFill>
+              </a:rPr>
+              <a:t>Game Development Using HTML5 and </a:t>
+            </a:r>
+            <a:r>
+              <a:rPr lang="en-US" sz="3200" b="1" dirty="0">
+                <a:ln w="22225">
+                  <a:solidFill>
+                    <a:schemeClr val="accent2"/>
+                  </a:solidFill>
+                  <a:prstDash val="solid"/>
+                </a:ln>
+                <a:solidFill>
+                  <a:schemeClr val="accent2">
+                    <a:lumMod val="40000"/>
+                    <a:lumOff val="60000"/>
+                  </a:schemeClr>
+                </a:solidFill>
+              </a:rPr>
+              <a:t>J</a:t>
+            </a:r>
+            <a:r>
+              <a:rPr lang="en-US" sz="3200" b="1" dirty="0" smtClean="0">
+                <a:ln w="22225">
+                  <a:solidFill>
+                    <a:schemeClr val="accent2"/>
+                  </a:solidFill>
+                  <a:prstDash val="solid"/>
+                </a:ln>
+                <a:solidFill>
+                  <a:schemeClr val="accent2">
+                    <a:lumMod val="40000"/>
+                    <a:lumOff val="60000"/>
+                  </a:schemeClr>
+                </a:solidFill>
+              </a:rPr>
+              <a:t>avaScript</a:t>
+            </a:r>
+            <a:endParaRPr lang="en-US" sz="3200" b="1" cap="none" spc="0" dirty="0">
+              <a:ln w="22225">
+                <a:solidFill>
+                  <a:schemeClr val="accent2"/>
+                </a:solidFill>
+                <a:prstDash val="solid"/>
+              </a:ln>
+              <a:solidFill>
+                <a:schemeClr val="accent2">
+                  <a:lumMod val="40000"/>
+                  <a:lumOff val="60000"/>
+                </a:schemeClr>
+              </a:solidFill>
+              <a:effectLst/>
+            </a:endParaRPr>
+          </a:p>
+        </p:txBody>
+      </p:sp>
+      <p:sp>
+        <p:nvSpPr>
+          <p:cNvPr id="5" name="TextBox 4"/>
+          <p:cNvSpPr txBox="1"/>
+          <p:nvPr/>
+        </p:nvSpPr>
+        <p:spPr>
+          <a:xfrm>
+            <a:off x="4133802" y="767715"/>
+            <a:ext cx="2360781" cy="369332"/>
+          </a:xfrm>
+          <a:prstGeom prst="rect">
+            <a:avLst/>
+          </a:prstGeom>
+          <a:noFill/>
+        </p:spPr>
+        <p:txBody>
+          <a:bodyPr wrap="square" rtlCol="0">
+            <a:spAutoFit/>
+          </a:bodyPr>
+          <a:lstStyle/>
+          <a:p>
+            <a:r>
+              <a:rPr lang="en-US" b="1" dirty="0" smtClean="0">
+                <a:solidFill>
+                  <a:srgbClr val="C00000"/>
+                </a:solidFill>
+              </a:rPr>
+              <a:t>Building The Setup </a:t>
+            </a:r>
+          </a:p>
+        </p:txBody>
+      </p:sp>
+      <p:sp>
+        <p:nvSpPr>
+          <p:cNvPr id="6" name="TextBox 5"/>
+          <p:cNvSpPr txBox="1"/>
+          <p:nvPr/>
+        </p:nvSpPr>
+        <p:spPr>
+          <a:xfrm>
+            <a:off x="1020276" y="1616399"/>
+            <a:ext cx="8874001" cy="369332"/>
+          </a:xfrm>
+          <a:prstGeom prst="rect">
+            <a:avLst/>
+          </a:prstGeom>
+          <a:noFill/>
+        </p:spPr>
+        <p:txBody>
+          <a:bodyPr wrap="square" rtlCol="0">
+            <a:spAutoFit/>
+          </a:bodyPr>
+          <a:lstStyle/>
+          <a:p>
+            <a:r>
+              <a:rPr lang="en-US" b="1" dirty="0" smtClean="0">
+                <a:solidFill>
+                  <a:schemeClr val="bg1"/>
+                </a:solidFill>
+              </a:rPr>
+              <a:t>1) </a:t>
+            </a:r>
+            <a:r>
+              <a:rPr lang="en-US" b="1" dirty="0">
+                <a:solidFill>
+                  <a:schemeClr val="bg1"/>
+                </a:solidFill>
+              </a:rPr>
+              <a:t>Now we need to check if the event fire was on the ball or on the container </a:t>
+            </a:r>
+            <a:endParaRPr lang="en-US" b="1" dirty="0">
+              <a:solidFill>
+                <a:schemeClr val="bg1"/>
+              </a:solidFill>
+            </a:endParaRPr>
+          </a:p>
+        </p:txBody>
+      </p:sp>
+      <p:pic>
+        <p:nvPicPr>
+          <p:cNvPr id="9" name="Picture 8"/>
+          <p:cNvPicPr>
+            <a:picLocks noChangeAspect="1"/>
+          </p:cNvPicPr>
+          <p:nvPr/>
+        </p:nvPicPr>
+        <p:blipFill>
+          <a:blip r:embed="rId2"/>
+          <a:stretch>
+            <a:fillRect/>
+          </a:stretch>
+        </p:blipFill>
+        <p:spPr>
+          <a:xfrm>
+            <a:off x="4391758" y="2237792"/>
+            <a:ext cx="3314700" cy="1809750"/>
+          </a:xfrm>
+          <a:prstGeom prst="rect">
+            <a:avLst/>
+          </a:prstGeom>
+        </p:spPr>
+      </p:pic>
+      <p:cxnSp>
+        <p:nvCxnSpPr>
+          <p:cNvPr id="11" name="Straight Arrow Connector 10"/>
+          <p:cNvCxnSpPr/>
+          <p:nvPr/>
+        </p:nvCxnSpPr>
+        <p:spPr>
+          <a:xfrm flipH="1">
+            <a:off x="5216770" y="3142667"/>
+            <a:ext cx="632590" cy="843179"/>
+          </a:xfrm>
+          <a:prstGeom prst="straightConnector1">
+            <a:avLst/>
+          </a:prstGeom>
+          <a:ln>
+            <a:solidFill>
+              <a:schemeClr val="bg1">
+                <a:alpha val="60000"/>
+              </a:schemeClr>
+            </a:solidFill>
+            <a:tailEnd type="triangle"/>
+          </a:ln>
+        </p:spPr>
+        <p:style>
+          <a:lnRef idx="1">
+            <a:schemeClr val="accent1"/>
+          </a:lnRef>
+          <a:fillRef idx="0">
+            <a:schemeClr val="accent1"/>
+          </a:fillRef>
+          <a:effectRef idx="0">
+            <a:schemeClr val="accent1"/>
+          </a:effectRef>
+          <a:fontRef idx="minor">
+            <a:schemeClr val="tx1"/>
+          </a:fontRef>
+        </p:style>
+      </p:cxnSp>
+      <p:sp>
+        <p:nvSpPr>
+          <p:cNvPr id="12" name="TextBox 11"/>
+          <p:cNvSpPr txBox="1"/>
+          <p:nvPr/>
+        </p:nvSpPr>
+        <p:spPr>
+          <a:xfrm>
+            <a:off x="4860452" y="3770473"/>
+            <a:ext cx="445705" cy="246221"/>
+          </a:xfrm>
+          <a:prstGeom prst="rect">
+            <a:avLst/>
+          </a:prstGeom>
+          <a:noFill/>
+        </p:spPr>
+        <p:txBody>
+          <a:bodyPr wrap="square" rtlCol="0">
+            <a:spAutoFit/>
+          </a:bodyPr>
+          <a:lstStyle/>
+          <a:p>
+            <a:r>
+              <a:rPr lang="en-US" sz="1000" b="1" dirty="0" smtClean="0">
+                <a:solidFill>
+                  <a:schemeClr val="bg1"/>
+                </a:solidFill>
+              </a:rPr>
+              <a:t>X,Y</a:t>
+            </a:r>
+            <a:endParaRPr lang="en-US" sz="1000" b="1" dirty="0">
+              <a:solidFill>
+                <a:schemeClr val="bg1"/>
+              </a:solidFill>
+            </a:endParaRPr>
+          </a:p>
+        </p:txBody>
+      </p:sp>
+      <p:cxnSp>
+        <p:nvCxnSpPr>
+          <p:cNvPr id="14" name="Straight Arrow Connector 13"/>
+          <p:cNvCxnSpPr/>
+          <p:nvPr/>
+        </p:nvCxnSpPr>
+        <p:spPr>
+          <a:xfrm>
+            <a:off x="6061057" y="3142667"/>
+            <a:ext cx="796943" cy="843179"/>
+          </a:xfrm>
+          <a:prstGeom prst="straightConnector1">
+            <a:avLst/>
+          </a:prstGeom>
+          <a:ln>
+            <a:solidFill>
+              <a:schemeClr val="bg1">
+                <a:alpha val="60000"/>
+              </a:schemeClr>
+            </a:solidFill>
+            <a:tailEnd type="triangle"/>
+          </a:ln>
+        </p:spPr>
+        <p:style>
+          <a:lnRef idx="1">
+            <a:schemeClr val="accent1"/>
+          </a:lnRef>
+          <a:fillRef idx="0">
+            <a:schemeClr val="accent1"/>
+          </a:fillRef>
+          <a:effectRef idx="0">
+            <a:schemeClr val="accent1"/>
+          </a:effectRef>
+          <a:fontRef idx="minor">
+            <a:schemeClr val="tx1"/>
+          </a:fontRef>
+        </p:style>
+      </p:cxnSp>
+      <p:sp>
+        <p:nvSpPr>
+          <p:cNvPr id="15" name="TextBox 14"/>
+          <p:cNvSpPr txBox="1"/>
+          <p:nvPr/>
+        </p:nvSpPr>
+        <p:spPr>
+          <a:xfrm>
+            <a:off x="6154615" y="3739695"/>
+            <a:ext cx="1458285" cy="400110"/>
+          </a:xfrm>
+          <a:prstGeom prst="rect">
+            <a:avLst/>
+          </a:prstGeom>
+          <a:noFill/>
+        </p:spPr>
+        <p:txBody>
+          <a:bodyPr wrap="square" rtlCol="0">
+            <a:spAutoFit/>
+          </a:bodyPr>
+          <a:lstStyle/>
+          <a:p>
+            <a:r>
+              <a:rPr lang="en-US" sz="1000" b="1" dirty="0" smtClean="0">
+                <a:solidFill>
+                  <a:schemeClr val="bg1"/>
+                </a:solidFill>
+              </a:rPr>
+              <a:t>total left,</a:t>
+            </a:r>
+            <a:r>
+              <a:rPr lang="en-US" sz="1000" b="1" dirty="0">
+                <a:solidFill>
+                  <a:schemeClr val="bg1"/>
+                </a:solidFill>
+              </a:rPr>
+              <a:t> total height</a:t>
+            </a:r>
+          </a:p>
+          <a:p>
+            <a:endParaRPr lang="en-US" sz="1000" b="1" dirty="0">
+              <a:solidFill>
+                <a:schemeClr val="bg1"/>
+              </a:solidFill>
+            </a:endParaRPr>
+          </a:p>
+        </p:txBody>
+      </p:sp>
+      <p:sp>
+        <p:nvSpPr>
+          <p:cNvPr id="18" name="TextBox 17"/>
+          <p:cNvSpPr txBox="1"/>
+          <p:nvPr/>
+        </p:nvSpPr>
+        <p:spPr>
+          <a:xfrm>
+            <a:off x="1039684" y="4459834"/>
+            <a:ext cx="9557977" cy="369332"/>
+          </a:xfrm>
+          <a:prstGeom prst="rect">
+            <a:avLst/>
+          </a:prstGeom>
+          <a:noFill/>
+        </p:spPr>
+        <p:txBody>
+          <a:bodyPr wrap="square" rtlCol="0">
+            <a:spAutoFit/>
+          </a:bodyPr>
+          <a:lstStyle/>
+          <a:p>
+            <a:r>
+              <a:rPr lang="en-US" b="1" dirty="0" smtClean="0">
+                <a:solidFill>
+                  <a:schemeClr val="bg1"/>
+                </a:solidFill>
+              </a:rPr>
+              <a:t>2</a:t>
+            </a:r>
+            <a:r>
+              <a:rPr lang="en-US" b="1" dirty="0" smtClean="0">
+                <a:solidFill>
+                  <a:schemeClr val="bg1"/>
+                </a:solidFill>
+              </a:rPr>
+              <a:t>) Now we need to check if the event fire was on the ball or on the container </a:t>
+            </a:r>
+            <a:endParaRPr lang="en-US" b="1" dirty="0">
+              <a:solidFill>
+                <a:schemeClr val="bg1"/>
+              </a:solidFill>
+            </a:endParaRPr>
+          </a:p>
+        </p:txBody>
+      </p:sp>
+      <p:sp>
+        <p:nvSpPr>
+          <p:cNvPr id="19" name="TextBox 18"/>
+          <p:cNvSpPr txBox="1"/>
+          <p:nvPr/>
+        </p:nvSpPr>
+        <p:spPr>
+          <a:xfrm>
+            <a:off x="1039683" y="5081227"/>
+            <a:ext cx="10249639" cy="369332"/>
+          </a:xfrm>
+          <a:prstGeom prst="rect">
+            <a:avLst/>
+          </a:prstGeom>
+          <a:noFill/>
+        </p:spPr>
+        <p:txBody>
+          <a:bodyPr wrap="square" rtlCol="0">
+            <a:spAutoFit/>
+          </a:bodyPr>
+          <a:lstStyle/>
+          <a:p>
+            <a:r>
+              <a:rPr lang="en-US" b="1" dirty="0" smtClean="0">
+                <a:solidFill>
+                  <a:schemeClr val="bg1"/>
+                </a:solidFill>
+              </a:rPr>
+              <a:t>3) </a:t>
+            </a:r>
+            <a:r>
+              <a:rPr lang="en-US" b="1" dirty="0" err="1" smtClean="0">
+                <a:solidFill>
+                  <a:schemeClr val="bg1"/>
+                </a:solidFill>
+              </a:rPr>
+              <a:t>Xnew</a:t>
+            </a:r>
+            <a:r>
+              <a:rPr lang="en-US" b="1" dirty="0" smtClean="0">
+                <a:solidFill>
+                  <a:schemeClr val="bg1"/>
+                </a:solidFill>
+              </a:rPr>
+              <a:t>= </a:t>
+            </a:r>
+            <a:r>
+              <a:rPr lang="en-US" b="1" dirty="0" err="1" smtClean="0">
+                <a:solidFill>
+                  <a:schemeClr val="bg1"/>
+                </a:solidFill>
+              </a:rPr>
+              <a:t>total_left</a:t>
+            </a:r>
+            <a:r>
+              <a:rPr lang="en-US" b="1" dirty="0" smtClean="0">
+                <a:solidFill>
+                  <a:schemeClr val="bg1"/>
+                </a:solidFill>
+              </a:rPr>
+              <a:t>-x</a:t>
+            </a:r>
+            <a:r>
+              <a:rPr lang="en-US" b="1" dirty="0">
+                <a:solidFill>
+                  <a:schemeClr val="bg1"/>
+                </a:solidFill>
+              </a:rPr>
+              <a:t>, </a:t>
+            </a:r>
+            <a:r>
+              <a:rPr lang="en-US" b="1" dirty="0" err="1" smtClean="0">
+                <a:solidFill>
+                  <a:schemeClr val="bg1"/>
+                </a:solidFill>
+              </a:rPr>
+              <a:t>Ynew</a:t>
+            </a:r>
+            <a:r>
+              <a:rPr lang="en-US" b="1" dirty="0" smtClean="0">
+                <a:solidFill>
+                  <a:schemeClr val="bg1"/>
+                </a:solidFill>
+              </a:rPr>
+              <a:t>=</a:t>
+            </a:r>
+            <a:r>
+              <a:rPr lang="en-US" b="1" dirty="0" err="1" smtClean="0">
+                <a:solidFill>
+                  <a:schemeClr val="bg1"/>
+                </a:solidFill>
+              </a:rPr>
+              <a:t>total_height</a:t>
+            </a:r>
+            <a:r>
+              <a:rPr lang="en-US" b="1" dirty="0" smtClean="0">
+                <a:solidFill>
+                  <a:schemeClr val="bg1"/>
+                </a:solidFill>
+              </a:rPr>
+              <a:t>-y. this co-ordinate will lie somewhere in the circle </a:t>
+            </a:r>
+            <a:endParaRPr lang="en-US" b="1" dirty="0">
+              <a:solidFill>
+                <a:schemeClr val="bg1"/>
+              </a:solidFill>
+            </a:endParaRPr>
+          </a:p>
+        </p:txBody>
+      </p:sp>
+      <p:sp>
+        <p:nvSpPr>
+          <p:cNvPr id="20" name="Rectangle 19"/>
+          <p:cNvSpPr/>
+          <p:nvPr/>
+        </p:nvSpPr>
+        <p:spPr>
+          <a:xfrm>
+            <a:off x="1010496" y="5632893"/>
+            <a:ext cx="10077223" cy="369332"/>
+          </a:xfrm>
+          <a:prstGeom prst="rect">
+            <a:avLst/>
+          </a:prstGeom>
+        </p:spPr>
+        <p:txBody>
+          <a:bodyPr wrap="square">
+            <a:spAutoFit/>
+          </a:bodyPr>
+          <a:lstStyle/>
+          <a:p>
+            <a:r>
+              <a:rPr lang="en-US" b="1" dirty="0" smtClean="0">
+                <a:solidFill>
+                  <a:schemeClr val="bg1"/>
+                </a:solidFill>
+              </a:rPr>
+              <a:t>4) var </a:t>
+            </a:r>
+            <a:r>
+              <a:rPr lang="en-US" b="1" dirty="0">
+                <a:solidFill>
+                  <a:schemeClr val="bg1"/>
+                </a:solidFill>
+              </a:rPr>
+              <a:t>distance=</a:t>
+            </a:r>
+            <a:r>
+              <a:rPr lang="en-US" b="1" dirty="0" err="1">
+                <a:solidFill>
+                  <a:schemeClr val="bg1"/>
+                </a:solidFill>
+              </a:rPr>
+              <a:t>Math.sqrt</a:t>
+            </a:r>
+            <a:r>
+              <a:rPr lang="en-US" b="1" dirty="0">
+                <a:solidFill>
+                  <a:schemeClr val="bg1"/>
+                </a:solidFill>
+              </a:rPr>
+              <a:t>(</a:t>
+            </a:r>
+            <a:r>
+              <a:rPr lang="en-US" b="1" dirty="0" err="1">
+                <a:solidFill>
+                  <a:schemeClr val="bg1"/>
+                </a:solidFill>
+              </a:rPr>
+              <a:t>Math.pow</a:t>
+            </a:r>
+            <a:r>
+              <a:rPr lang="en-US" b="1" dirty="0">
+                <a:solidFill>
+                  <a:schemeClr val="bg1"/>
+                </a:solidFill>
+              </a:rPr>
+              <a:t>((</a:t>
+            </a:r>
+            <a:r>
+              <a:rPr lang="en-US" b="1" dirty="0" err="1">
+                <a:solidFill>
+                  <a:schemeClr val="bg1"/>
+                </a:solidFill>
+              </a:rPr>
+              <a:t>total_left</a:t>
+            </a:r>
+            <a:r>
+              <a:rPr lang="en-US" b="1" dirty="0">
+                <a:solidFill>
+                  <a:schemeClr val="bg1"/>
+                </a:solidFill>
+              </a:rPr>
+              <a:t>-x),2)+</a:t>
+            </a:r>
+            <a:r>
+              <a:rPr lang="en-US" b="1" dirty="0" err="1">
+                <a:solidFill>
+                  <a:schemeClr val="bg1"/>
+                </a:solidFill>
+              </a:rPr>
+              <a:t>Math.pow</a:t>
+            </a:r>
+            <a:r>
+              <a:rPr lang="en-US" b="1" dirty="0">
+                <a:solidFill>
+                  <a:schemeClr val="bg1"/>
+                </a:solidFill>
+              </a:rPr>
+              <a:t>((</a:t>
+            </a:r>
+            <a:r>
+              <a:rPr lang="en-US" b="1" dirty="0" err="1">
+                <a:solidFill>
+                  <a:schemeClr val="bg1"/>
+                </a:solidFill>
+              </a:rPr>
+              <a:t>total_height</a:t>
+            </a:r>
+            <a:r>
+              <a:rPr lang="en-US" b="1" dirty="0">
+                <a:solidFill>
+                  <a:schemeClr val="bg1"/>
+                </a:solidFill>
+              </a:rPr>
+              <a:t>-y),2));</a:t>
+            </a:r>
+          </a:p>
+        </p:txBody>
+      </p:sp>
+      <p:sp>
+        <p:nvSpPr>
+          <p:cNvPr id="21" name="TextBox 20"/>
+          <p:cNvSpPr txBox="1"/>
+          <p:nvPr/>
+        </p:nvSpPr>
+        <p:spPr>
+          <a:xfrm>
+            <a:off x="754076" y="1120647"/>
+            <a:ext cx="4849555" cy="369332"/>
+          </a:xfrm>
+          <a:prstGeom prst="rect">
+            <a:avLst/>
+          </a:prstGeom>
+          <a:noFill/>
+        </p:spPr>
+        <p:txBody>
+          <a:bodyPr wrap="square" rtlCol="0">
+            <a:spAutoFit/>
+          </a:bodyPr>
+          <a:lstStyle/>
+          <a:p>
+            <a:r>
+              <a:rPr lang="en-US" b="1" dirty="0">
+                <a:solidFill>
+                  <a:schemeClr val="bg1"/>
+                </a:solidFill>
+              </a:rPr>
+              <a:t>7</a:t>
+            </a:r>
+            <a:r>
+              <a:rPr lang="en-US" b="1" dirty="0" smtClean="0">
+                <a:solidFill>
+                  <a:schemeClr val="bg1"/>
+                </a:solidFill>
+              </a:rPr>
+              <a:t>) Setting up the equation of the circle</a:t>
+            </a:r>
+            <a:endParaRPr lang="en-US" b="1" dirty="0">
+              <a:solidFill>
+                <a:schemeClr val="bg1"/>
+              </a:solidFill>
+            </a:endParaRPr>
+          </a:p>
+        </p:txBody>
+      </p:sp>
+    </p:spTree>
+    <p:extLst>
+      <p:ext uri="{BB962C8B-B14F-4D97-AF65-F5344CB8AC3E}">
+        <p14:creationId xmlns:p14="http://schemas.microsoft.com/office/powerpoint/2010/main" val="381194710"/>
+      </p:ext>
+    </p:extLst>
+  </p:cSld>
+  <p:clrMapOvr>
+    <a:masterClrMapping/>
+  </p:clrMapOvr>
+</p:sld>
+</file>
+
+<file path=ppt/slides/slide19.xml><?xml version="1.0" encoding="utf-8"?>
+<p:sld xmlns:a="http://schemas.openxmlformats.org/drawingml/2006/main" xmlns:r="http://schemas.openxmlformats.org/officeDocument/2006/relationships" xmlns:p="http://schemas.openxmlformats.org/presentationml/2006/main">
+  <p:cSld>
+    <p:spTree>
+      <p:nvGrpSpPr>
+        <p:cNvPr id="1" name=""/>
+        <p:cNvGrpSpPr/>
+        <p:nvPr/>
+      </p:nvGrpSpPr>
+      <p:grpSpPr>
+        <a:xfrm>
+          <a:off x="0" y="0"/>
+          <a:ext cx="0" cy="0"/>
+          <a:chOff x="0" y="0"/>
+          <a:chExt cx="0" cy="0"/>
+        </a:xfrm>
+      </p:grpSpPr>
+      <p:sp>
+        <p:nvSpPr>
+          <p:cNvPr id="4" name="Rectangle 3"/>
+          <p:cNvSpPr/>
+          <p:nvPr/>
+        </p:nvSpPr>
+        <p:spPr>
+          <a:xfrm>
+            <a:off x="915958" y="104436"/>
+            <a:ext cx="9866805" cy="584775"/>
+          </a:xfrm>
+          <a:prstGeom prst="rect">
+            <a:avLst/>
+          </a:prstGeom>
+          <a:noFill/>
+        </p:spPr>
+        <p:txBody>
+          <a:bodyPr wrap="none" lIns="91440" tIns="45720" rIns="91440" bIns="45720">
+            <a:spAutoFit/>
+          </a:bodyPr>
+          <a:lstStyle/>
+          <a:p>
+            <a:pPr algn="ctr"/>
+            <a:r>
+              <a:rPr lang="en-US" sz="3200" b="1" dirty="0" smtClean="0">
+                <a:ln w="22225">
+                  <a:solidFill>
+                    <a:schemeClr val="accent2"/>
+                  </a:solidFill>
+                  <a:prstDash val="solid"/>
+                </a:ln>
+                <a:solidFill>
+                  <a:schemeClr val="accent2">
+                    <a:lumMod val="40000"/>
+                    <a:lumOff val="60000"/>
+                  </a:schemeClr>
+                </a:solidFill>
+              </a:rPr>
+              <a:t>Game Development Using HTML5 and </a:t>
+            </a:r>
+            <a:r>
+              <a:rPr lang="en-US" sz="3200" b="1" dirty="0">
+                <a:ln w="22225">
+                  <a:solidFill>
+                    <a:schemeClr val="accent2"/>
+                  </a:solidFill>
+                  <a:prstDash val="solid"/>
+                </a:ln>
+                <a:solidFill>
+                  <a:schemeClr val="accent2">
+                    <a:lumMod val="40000"/>
+                    <a:lumOff val="60000"/>
+                  </a:schemeClr>
+                </a:solidFill>
+              </a:rPr>
+              <a:t>J</a:t>
+            </a:r>
+            <a:r>
+              <a:rPr lang="en-US" sz="3200" b="1" dirty="0" smtClean="0">
+                <a:ln w="22225">
+                  <a:solidFill>
+                    <a:schemeClr val="accent2"/>
+                  </a:solidFill>
+                  <a:prstDash val="solid"/>
+                </a:ln>
+                <a:solidFill>
+                  <a:schemeClr val="accent2">
+                    <a:lumMod val="40000"/>
+                    <a:lumOff val="60000"/>
+                  </a:schemeClr>
+                </a:solidFill>
+              </a:rPr>
+              <a:t>avaScript</a:t>
+            </a:r>
+            <a:endParaRPr lang="en-US" sz="3200" b="1" cap="none" spc="0" dirty="0">
+              <a:ln w="22225">
+                <a:solidFill>
+                  <a:schemeClr val="accent2"/>
+                </a:solidFill>
+                <a:prstDash val="solid"/>
+              </a:ln>
+              <a:solidFill>
+                <a:schemeClr val="accent2">
+                  <a:lumMod val="40000"/>
+                  <a:lumOff val="60000"/>
+                </a:schemeClr>
+              </a:solidFill>
+              <a:effectLst/>
+            </a:endParaRPr>
+          </a:p>
+        </p:txBody>
+      </p:sp>
+      <p:sp>
+        <p:nvSpPr>
+          <p:cNvPr id="5" name="TextBox 4"/>
+          <p:cNvSpPr txBox="1"/>
+          <p:nvPr/>
+        </p:nvSpPr>
+        <p:spPr>
+          <a:xfrm>
+            <a:off x="4133802" y="767715"/>
+            <a:ext cx="2360781" cy="369332"/>
+          </a:xfrm>
+          <a:prstGeom prst="rect">
+            <a:avLst/>
+          </a:prstGeom>
+          <a:noFill/>
+        </p:spPr>
+        <p:txBody>
+          <a:bodyPr wrap="square" rtlCol="0">
+            <a:spAutoFit/>
+          </a:bodyPr>
+          <a:lstStyle/>
+          <a:p>
+            <a:r>
+              <a:rPr lang="en-US" b="1" dirty="0" smtClean="0">
+                <a:solidFill>
+                  <a:srgbClr val="C00000"/>
+                </a:solidFill>
+              </a:rPr>
+              <a:t>Building The Setup </a:t>
+            </a:r>
+          </a:p>
+        </p:txBody>
+      </p:sp>
+      <p:sp>
+        <p:nvSpPr>
+          <p:cNvPr id="7" name="TextBox 6"/>
+          <p:cNvSpPr txBox="1"/>
+          <p:nvPr/>
+        </p:nvSpPr>
+        <p:spPr>
+          <a:xfrm>
+            <a:off x="754076" y="1144093"/>
+            <a:ext cx="6619739" cy="369332"/>
+          </a:xfrm>
+          <a:prstGeom prst="rect">
+            <a:avLst/>
+          </a:prstGeom>
+          <a:noFill/>
+        </p:spPr>
+        <p:txBody>
+          <a:bodyPr wrap="square" rtlCol="0">
+            <a:spAutoFit/>
+          </a:bodyPr>
+          <a:lstStyle/>
+          <a:p>
+            <a:r>
+              <a:rPr lang="en-US" b="1" dirty="0" smtClean="0">
+                <a:solidFill>
+                  <a:schemeClr val="bg1"/>
+                </a:solidFill>
+              </a:rPr>
+              <a:t>5) Framing the logic to find if the ball has been hit or not</a:t>
+            </a:r>
+            <a:endParaRPr lang="en-US" b="1" dirty="0">
+              <a:solidFill>
+                <a:schemeClr val="bg1"/>
+              </a:solidFill>
+            </a:endParaRPr>
+          </a:p>
+        </p:txBody>
+      </p:sp>
+      <p:sp>
+        <p:nvSpPr>
+          <p:cNvPr id="8" name="Rectangle 7"/>
+          <p:cNvSpPr/>
+          <p:nvPr/>
+        </p:nvSpPr>
+        <p:spPr>
+          <a:xfrm>
+            <a:off x="2602523" y="1785818"/>
+            <a:ext cx="6096000" cy="646331"/>
+          </a:xfrm>
+          <a:prstGeom prst="rect">
+            <a:avLst/>
+          </a:prstGeom>
+        </p:spPr>
+        <p:txBody>
+          <a:bodyPr>
+            <a:spAutoFit/>
+          </a:bodyPr>
+          <a:lstStyle/>
+          <a:p>
+            <a:r>
+              <a:rPr lang="en-US" b="1" dirty="0">
+                <a:solidFill>
+                  <a:schemeClr val="bg1"/>
+                </a:solidFill>
+              </a:rPr>
+              <a:t>if(distance&lt;=</a:t>
+            </a:r>
+            <a:r>
+              <a:rPr lang="en-US" b="1" dirty="0" err="1" smtClean="0">
+                <a:solidFill>
+                  <a:schemeClr val="bg1"/>
+                </a:solidFill>
+              </a:rPr>
+              <a:t>circle.r</a:t>
+            </a:r>
+            <a:r>
+              <a:rPr lang="en-US" b="1" dirty="0" smtClean="0">
+                <a:solidFill>
+                  <a:schemeClr val="bg1"/>
+                </a:solidFill>
+              </a:rPr>
+              <a:t>) // an hit </a:t>
+            </a:r>
+          </a:p>
+          <a:p>
+            <a:r>
+              <a:rPr lang="en-US" b="1" dirty="0" smtClean="0">
+                <a:solidFill>
+                  <a:schemeClr val="bg1"/>
+                </a:solidFill>
+              </a:rPr>
+              <a:t>else // an miss</a:t>
+            </a:r>
+            <a:endParaRPr lang="en-US" b="1" dirty="0">
+              <a:solidFill>
+                <a:schemeClr val="bg1"/>
+              </a:solidFill>
+            </a:endParaRPr>
+          </a:p>
+        </p:txBody>
+      </p:sp>
+      <p:sp>
+        <p:nvSpPr>
+          <p:cNvPr id="9" name="TextBox 8"/>
+          <p:cNvSpPr txBox="1"/>
+          <p:nvPr/>
+        </p:nvSpPr>
+        <p:spPr>
+          <a:xfrm>
+            <a:off x="1044686" y="2610032"/>
+            <a:ext cx="9738077" cy="646331"/>
+          </a:xfrm>
+          <a:prstGeom prst="rect">
+            <a:avLst/>
+          </a:prstGeom>
+          <a:noFill/>
+        </p:spPr>
+        <p:txBody>
+          <a:bodyPr wrap="square" rtlCol="0">
+            <a:spAutoFit/>
+          </a:bodyPr>
+          <a:lstStyle/>
+          <a:p>
+            <a:r>
+              <a:rPr lang="en-US" b="1" dirty="0" smtClean="0">
+                <a:solidFill>
+                  <a:schemeClr val="bg1"/>
+                </a:solidFill>
+              </a:rPr>
+              <a:t>If the effective distance is less that the length of the radius of that circle , it means co-ordinates of the click event is somewhere within the circle.</a:t>
+            </a:r>
+            <a:endParaRPr lang="en-US" b="1" dirty="0">
+              <a:solidFill>
+                <a:schemeClr val="bg1"/>
+              </a:solidFill>
+            </a:endParaRPr>
+          </a:p>
+        </p:txBody>
+      </p:sp>
+      <p:sp>
+        <p:nvSpPr>
+          <p:cNvPr id="10" name="Rectangle 9"/>
+          <p:cNvSpPr/>
+          <p:nvPr/>
+        </p:nvSpPr>
+        <p:spPr>
+          <a:xfrm>
+            <a:off x="915958" y="4728109"/>
+            <a:ext cx="9412073" cy="1477328"/>
+          </a:xfrm>
+          <a:prstGeom prst="rect">
+            <a:avLst/>
+          </a:prstGeom>
+        </p:spPr>
+        <p:txBody>
+          <a:bodyPr wrap="square">
+            <a:spAutoFit/>
+          </a:bodyPr>
+          <a:lstStyle/>
+          <a:p>
+            <a:r>
+              <a:rPr lang="en-US" b="1" dirty="0">
+                <a:solidFill>
+                  <a:schemeClr val="bg1"/>
+                </a:solidFill>
+              </a:rPr>
+              <a:t>var canvas=</a:t>
+            </a:r>
+            <a:r>
+              <a:rPr lang="en-US" b="1" dirty="0" err="1">
+                <a:solidFill>
+                  <a:schemeClr val="bg1"/>
+                </a:solidFill>
+              </a:rPr>
+              <a:t>document.getElementById</a:t>
+            </a:r>
+            <a:r>
+              <a:rPr lang="en-US" b="1" dirty="0">
+                <a:solidFill>
+                  <a:schemeClr val="bg1"/>
+                </a:solidFill>
+              </a:rPr>
+              <a:t>('canvas</a:t>
+            </a:r>
+            <a:r>
+              <a:rPr lang="en-US" b="1" dirty="0" smtClean="0">
+                <a:solidFill>
+                  <a:schemeClr val="bg1"/>
+                </a:solidFill>
+              </a:rPr>
+              <a:t>'); </a:t>
+            </a:r>
+            <a:r>
+              <a:rPr lang="en-US" b="1" dirty="0" smtClean="0">
+                <a:solidFill>
+                  <a:srgbClr val="C00000"/>
+                </a:solidFill>
+              </a:rPr>
+              <a:t>//getting the canvas id</a:t>
+            </a:r>
+            <a:endParaRPr lang="en-US" b="1" dirty="0">
+              <a:solidFill>
+                <a:srgbClr val="C00000"/>
+              </a:solidFill>
+            </a:endParaRPr>
+          </a:p>
+          <a:p>
+            <a:r>
+              <a:rPr lang="en-US" b="1" dirty="0">
+                <a:solidFill>
+                  <a:schemeClr val="bg1"/>
+                </a:solidFill>
+              </a:rPr>
+              <a:t>		</a:t>
+            </a:r>
+            <a:endParaRPr lang="en-US" b="1" dirty="0" smtClean="0">
+              <a:solidFill>
+                <a:schemeClr val="bg1"/>
+              </a:solidFill>
+            </a:endParaRPr>
+          </a:p>
+          <a:p>
+            <a:r>
+              <a:rPr lang="en-US" b="1" dirty="0" err="1" smtClean="0">
+                <a:solidFill>
+                  <a:schemeClr val="bg1"/>
+                </a:solidFill>
+              </a:rPr>
+              <a:t>canvas.addEventListener</a:t>
+            </a:r>
+            <a:r>
+              <a:rPr lang="en-US" b="1" dirty="0">
+                <a:solidFill>
+                  <a:schemeClr val="bg1"/>
+                </a:solidFill>
+              </a:rPr>
+              <a:t>("click", function(e</a:t>
+            </a:r>
+            <a:r>
+              <a:rPr lang="en-US" b="1" dirty="0" smtClean="0">
+                <a:solidFill>
+                  <a:schemeClr val="bg1"/>
+                </a:solidFill>
+              </a:rPr>
+              <a:t>){ </a:t>
+            </a:r>
+            <a:r>
+              <a:rPr lang="en-US" b="1" dirty="0" smtClean="0">
+                <a:solidFill>
+                  <a:srgbClr val="C00000"/>
+                </a:solidFill>
+              </a:rPr>
+              <a:t>// registering on-click event</a:t>
+            </a:r>
+            <a:endParaRPr lang="en-US" b="1" dirty="0">
+              <a:solidFill>
+                <a:srgbClr val="C00000"/>
+              </a:solidFill>
+            </a:endParaRPr>
+          </a:p>
+          <a:p>
+            <a:r>
+              <a:rPr lang="en-US" b="1" dirty="0">
+                <a:solidFill>
+                  <a:schemeClr val="bg1"/>
+                </a:solidFill>
+              </a:rPr>
+              <a:t>			</a:t>
+            </a:r>
+            <a:r>
+              <a:rPr lang="en-US" b="1" dirty="0" err="1">
+                <a:solidFill>
+                  <a:schemeClr val="bg1"/>
+                </a:solidFill>
+              </a:rPr>
+              <a:t>countHit</a:t>
+            </a:r>
+            <a:r>
+              <a:rPr lang="en-US" b="1" dirty="0">
+                <a:solidFill>
+                  <a:schemeClr val="bg1"/>
+                </a:solidFill>
+              </a:rPr>
+              <a:t>(e)</a:t>
+            </a:r>
+          </a:p>
+          <a:p>
+            <a:r>
+              <a:rPr lang="en-US" b="1" dirty="0">
+                <a:solidFill>
+                  <a:schemeClr val="bg1"/>
+                </a:solidFill>
+              </a:rPr>
+              <a:t>		}, false);</a:t>
+            </a:r>
+          </a:p>
+        </p:txBody>
+      </p:sp>
+      <p:sp>
+        <p:nvSpPr>
+          <p:cNvPr id="11" name="TextBox 10"/>
+          <p:cNvSpPr txBox="1"/>
+          <p:nvPr/>
+        </p:nvSpPr>
+        <p:spPr>
+          <a:xfrm>
+            <a:off x="754075" y="3492861"/>
+            <a:ext cx="10734540" cy="646331"/>
+          </a:xfrm>
+          <a:prstGeom prst="rect">
+            <a:avLst/>
+          </a:prstGeom>
+          <a:noFill/>
+        </p:spPr>
+        <p:txBody>
+          <a:bodyPr wrap="square" rtlCol="0">
+            <a:spAutoFit/>
+          </a:bodyPr>
+          <a:lstStyle/>
+          <a:p>
+            <a:r>
+              <a:rPr lang="en-US" b="1" dirty="0" smtClean="0">
+                <a:solidFill>
+                  <a:schemeClr val="bg1"/>
+                </a:solidFill>
+              </a:rPr>
+              <a:t>6)    The final task is to register the on-click event on canvas , which means whenever there is a 	click on canvas or that container fire an event by calling function</a:t>
+            </a:r>
+            <a:endParaRPr lang="en-US" b="1" dirty="0">
+              <a:solidFill>
+                <a:schemeClr val="bg1"/>
+              </a:solidFill>
+            </a:endParaRPr>
+          </a:p>
+        </p:txBody>
+      </p:sp>
+    </p:spTree>
+    <p:extLst>
+      <p:ext uri="{BB962C8B-B14F-4D97-AF65-F5344CB8AC3E}">
+        <p14:creationId xmlns:p14="http://schemas.microsoft.com/office/powerpoint/2010/main" val="3984966844"/>
+      </p:ext>
+    </p:extLst>
+  </p:cSld>
+  <p:clrMapOvr>
+    <a:masterClrMapping/>
+  </p:clrMapOvr>
+</p:sld>
+</file>
+
 <file path=ppt/slides/slide2.xml><?xml version="1.0" encoding="utf-8"?>
 <p:sld xmlns:a="http://schemas.openxmlformats.org/drawingml/2006/main" xmlns:r="http://schemas.openxmlformats.org/officeDocument/2006/relationships" xmlns:p="http://schemas.openxmlformats.org/presentationml/2006/main">
   <p:cSld>
@@ -5913,6 +12529,1122 @@
     <p:extLst>
       <p:ext uri="{BB962C8B-B14F-4D97-AF65-F5344CB8AC3E}">
         <p14:creationId xmlns:p14="http://schemas.microsoft.com/office/powerpoint/2010/main" val="2217511669"/>
+      </p:ext>
+    </p:extLst>
+  </p:cSld>
+  <p:clrMapOvr>
+    <a:masterClrMapping/>
+  </p:clrMapOvr>
+</p:sld>
+</file>
+
+<file path=ppt/slides/slide20.xml><?xml version="1.0" encoding="utf-8"?>
+<p:sld xmlns:a="http://schemas.openxmlformats.org/drawingml/2006/main" xmlns:r="http://schemas.openxmlformats.org/officeDocument/2006/relationships" xmlns:p="http://schemas.openxmlformats.org/presentationml/2006/main">
+  <p:cSld>
+    <p:spTree>
+      <p:nvGrpSpPr>
+        <p:cNvPr id="1" name=""/>
+        <p:cNvGrpSpPr/>
+        <p:nvPr/>
+      </p:nvGrpSpPr>
+      <p:grpSpPr>
+        <a:xfrm>
+          <a:off x="0" y="0"/>
+          <a:ext cx="0" cy="0"/>
+          <a:chOff x="0" y="0"/>
+          <a:chExt cx="0" cy="0"/>
+        </a:xfrm>
+      </p:grpSpPr>
+      <p:sp>
+        <p:nvSpPr>
+          <p:cNvPr id="4" name="Rectangle 3"/>
+          <p:cNvSpPr/>
+          <p:nvPr/>
+        </p:nvSpPr>
+        <p:spPr>
+          <a:xfrm>
+            <a:off x="915958" y="104436"/>
+            <a:ext cx="9866805" cy="584775"/>
+          </a:xfrm>
+          <a:prstGeom prst="rect">
+            <a:avLst/>
+          </a:prstGeom>
+          <a:noFill/>
+        </p:spPr>
+        <p:txBody>
+          <a:bodyPr wrap="none" lIns="91440" tIns="45720" rIns="91440" bIns="45720">
+            <a:spAutoFit/>
+          </a:bodyPr>
+          <a:lstStyle/>
+          <a:p>
+            <a:pPr algn="ctr"/>
+            <a:r>
+              <a:rPr lang="en-US" sz="3200" b="1" dirty="0" smtClean="0">
+                <a:ln w="22225">
+                  <a:solidFill>
+                    <a:schemeClr val="accent2"/>
+                  </a:solidFill>
+                  <a:prstDash val="solid"/>
+                </a:ln>
+                <a:solidFill>
+                  <a:schemeClr val="accent2">
+                    <a:lumMod val="40000"/>
+                    <a:lumOff val="60000"/>
+                  </a:schemeClr>
+                </a:solidFill>
+              </a:rPr>
+              <a:t>Game Development Using HTML5 and </a:t>
+            </a:r>
+            <a:r>
+              <a:rPr lang="en-US" sz="3200" b="1" dirty="0">
+                <a:ln w="22225">
+                  <a:solidFill>
+                    <a:schemeClr val="accent2"/>
+                  </a:solidFill>
+                  <a:prstDash val="solid"/>
+                </a:ln>
+                <a:solidFill>
+                  <a:schemeClr val="accent2">
+                    <a:lumMod val="40000"/>
+                    <a:lumOff val="60000"/>
+                  </a:schemeClr>
+                </a:solidFill>
+              </a:rPr>
+              <a:t>J</a:t>
+            </a:r>
+            <a:r>
+              <a:rPr lang="en-US" sz="3200" b="1" dirty="0" smtClean="0">
+                <a:ln w="22225">
+                  <a:solidFill>
+                    <a:schemeClr val="accent2"/>
+                  </a:solidFill>
+                  <a:prstDash val="solid"/>
+                </a:ln>
+                <a:solidFill>
+                  <a:schemeClr val="accent2">
+                    <a:lumMod val="40000"/>
+                    <a:lumOff val="60000"/>
+                  </a:schemeClr>
+                </a:solidFill>
+              </a:rPr>
+              <a:t>avaScript</a:t>
+            </a:r>
+            <a:endParaRPr lang="en-US" sz="3200" b="1" cap="none" spc="0" dirty="0">
+              <a:ln w="22225">
+                <a:solidFill>
+                  <a:schemeClr val="accent2"/>
+                </a:solidFill>
+                <a:prstDash val="solid"/>
+              </a:ln>
+              <a:solidFill>
+                <a:schemeClr val="accent2">
+                  <a:lumMod val="40000"/>
+                  <a:lumOff val="60000"/>
+                </a:schemeClr>
+              </a:solidFill>
+              <a:effectLst/>
+            </a:endParaRPr>
+          </a:p>
+        </p:txBody>
+      </p:sp>
+      <p:sp>
+        <p:nvSpPr>
+          <p:cNvPr id="5" name="TextBox 4"/>
+          <p:cNvSpPr txBox="1"/>
+          <p:nvPr/>
+        </p:nvSpPr>
+        <p:spPr>
+          <a:xfrm>
+            <a:off x="4133802" y="767715"/>
+            <a:ext cx="2360781" cy="369332"/>
+          </a:xfrm>
+          <a:prstGeom prst="rect">
+            <a:avLst/>
+          </a:prstGeom>
+          <a:noFill/>
+        </p:spPr>
+        <p:txBody>
+          <a:bodyPr wrap="square" rtlCol="0">
+            <a:spAutoFit/>
+          </a:bodyPr>
+          <a:lstStyle/>
+          <a:p>
+            <a:r>
+              <a:rPr lang="en-US" b="1" dirty="0" smtClean="0">
+                <a:solidFill>
+                  <a:srgbClr val="C00000"/>
+                </a:solidFill>
+              </a:rPr>
+              <a:t>Building The Setup </a:t>
+            </a:r>
+          </a:p>
+        </p:txBody>
+      </p:sp>
+      <p:sp>
+        <p:nvSpPr>
+          <p:cNvPr id="6" name="TextBox 5"/>
+          <p:cNvSpPr txBox="1"/>
+          <p:nvPr/>
+        </p:nvSpPr>
+        <p:spPr>
+          <a:xfrm>
+            <a:off x="754077" y="1120647"/>
+            <a:ext cx="2727678" cy="369332"/>
+          </a:xfrm>
+          <a:prstGeom prst="rect">
+            <a:avLst/>
+          </a:prstGeom>
+          <a:noFill/>
+        </p:spPr>
+        <p:txBody>
+          <a:bodyPr wrap="square" rtlCol="0">
+            <a:spAutoFit/>
+          </a:bodyPr>
+          <a:lstStyle/>
+          <a:p>
+            <a:r>
+              <a:rPr lang="en-US" b="1" dirty="0" smtClean="0">
+                <a:solidFill>
+                  <a:schemeClr val="bg1"/>
+                </a:solidFill>
+              </a:rPr>
+              <a:t>8</a:t>
+            </a:r>
+            <a:r>
+              <a:rPr lang="en-US" b="1" dirty="0" smtClean="0">
+                <a:solidFill>
+                  <a:schemeClr val="bg1"/>
+                </a:solidFill>
+              </a:rPr>
+              <a:t>) Setting up the timer</a:t>
+            </a:r>
+            <a:endParaRPr lang="en-US" b="1" dirty="0">
+              <a:solidFill>
+                <a:schemeClr val="bg1"/>
+              </a:solidFill>
+            </a:endParaRPr>
+          </a:p>
+        </p:txBody>
+      </p:sp>
+      <p:sp>
+        <p:nvSpPr>
+          <p:cNvPr id="7" name="Rectangle 6"/>
+          <p:cNvSpPr/>
+          <p:nvPr/>
+        </p:nvSpPr>
+        <p:spPr>
+          <a:xfrm>
+            <a:off x="316525" y="1769016"/>
+            <a:ext cx="11605845" cy="3693319"/>
+          </a:xfrm>
+          <a:prstGeom prst="rect">
+            <a:avLst/>
+          </a:prstGeom>
+        </p:spPr>
+        <p:txBody>
+          <a:bodyPr wrap="square">
+            <a:spAutoFit/>
+          </a:bodyPr>
+          <a:lstStyle/>
+          <a:p>
+            <a:r>
+              <a:rPr lang="en-US" dirty="0" smtClean="0"/>
+              <a:t>			</a:t>
+            </a:r>
+            <a:r>
+              <a:rPr lang="en-US" b="1" dirty="0" smtClean="0">
+                <a:solidFill>
+                  <a:schemeClr val="bg1"/>
+                </a:solidFill>
+              </a:rPr>
+              <a:t>function </a:t>
+            </a:r>
+            <a:r>
+              <a:rPr lang="en-US" b="1" dirty="0" err="1">
+                <a:solidFill>
+                  <a:schemeClr val="bg1"/>
+                </a:solidFill>
+              </a:rPr>
+              <a:t>showTime</a:t>
+            </a:r>
+            <a:r>
+              <a:rPr lang="en-US" b="1" dirty="0">
+                <a:solidFill>
+                  <a:schemeClr val="bg1"/>
+                </a:solidFill>
+              </a:rPr>
+              <a:t>(time)	</a:t>
+            </a:r>
+            <a:endParaRPr lang="en-US" b="1" dirty="0" smtClean="0">
+              <a:solidFill>
+                <a:schemeClr val="bg1"/>
+              </a:solidFill>
+            </a:endParaRPr>
+          </a:p>
+          <a:p>
+            <a:r>
+              <a:rPr lang="en-US" b="1" dirty="0">
+                <a:solidFill>
+                  <a:schemeClr val="bg1"/>
+                </a:solidFill>
+              </a:rPr>
+              <a:t>	</a:t>
+            </a:r>
+            <a:r>
+              <a:rPr lang="en-US" b="1" dirty="0" smtClean="0">
+                <a:solidFill>
+                  <a:schemeClr val="bg1"/>
+                </a:solidFill>
+              </a:rPr>
+              <a:t>			{</a:t>
+            </a:r>
+            <a:endParaRPr lang="en-US" b="1" dirty="0">
+              <a:solidFill>
+                <a:schemeClr val="bg1"/>
+              </a:solidFill>
+            </a:endParaRPr>
+          </a:p>
+          <a:p>
+            <a:r>
+              <a:rPr lang="en-US" b="1" dirty="0">
+                <a:solidFill>
+                  <a:schemeClr val="bg1"/>
+                </a:solidFill>
+              </a:rPr>
+              <a:t>						</a:t>
+            </a:r>
+            <a:r>
+              <a:rPr lang="en-US" b="1" dirty="0" smtClean="0">
+                <a:solidFill>
+                  <a:schemeClr val="bg1"/>
+                </a:solidFill>
+              </a:rPr>
+              <a:t>time=time-1</a:t>
+            </a:r>
+            <a:r>
+              <a:rPr lang="en-US" b="1" dirty="0">
+                <a:solidFill>
+                  <a:schemeClr val="bg1"/>
+                </a:solidFill>
+              </a:rPr>
+              <a:t>;</a:t>
+            </a:r>
+          </a:p>
+          <a:p>
+            <a:r>
+              <a:rPr lang="en-US" b="1" dirty="0">
+                <a:solidFill>
+                  <a:schemeClr val="bg1"/>
+                </a:solidFill>
+              </a:rPr>
+              <a:t>						</a:t>
+            </a:r>
+            <a:r>
+              <a:rPr lang="en-US" b="1" dirty="0" err="1">
+                <a:solidFill>
+                  <a:schemeClr val="bg1"/>
+                </a:solidFill>
+              </a:rPr>
+              <a:t>document.getElementById</a:t>
+            </a:r>
+            <a:r>
+              <a:rPr lang="en-US" b="1" dirty="0">
+                <a:solidFill>
+                  <a:schemeClr val="bg1"/>
+                </a:solidFill>
+              </a:rPr>
+              <a:t>("timer").</a:t>
+            </a:r>
+            <a:r>
+              <a:rPr lang="en-US" b="1" dirty="0" err="1">
+                <a:solidFill>
+                  <a:schemeClr val="bg1"/>
+                </a:solidFill>
+              </a:rPr>
+              <a:t>innerHTML</a:t>
+            </a:r>
+            <a:r>
+              <a:rPr lang="en-US" b="1" dirty="0">
+                <a:solidFill>
+                  <a:schemeClr val="bg1"/>
+                </a:solidFill>
+              </a:rPr>
+              <a:t>=time</a:t>
+            </a:r>
+            <a:r>
+              <a:rPr lang="en-US" b="1" dirty="0" smtClean="0">
+                <a:solidFill>
+                  <a:schemeClr val="bg1"/>
+                </a:solidFill>
+              </a:rPr>
+              <a:t>; // setting the value in html </a:t>
+            </a:r>
+            <a:endParaRPr lang="en-US" b="1" dirty="0">
+              <a:solidFill>
+                <a:schemeClr val="bg1"/>
+              </a:solidFill>
+            </a:endParaRPr>
+          </a:p>
+          <a:p>
+            <a:r>
+              <a:rPr lang="en-US" b="1" dirty="0">
+                <a:solidFill>
+                  <a:schemeClr val="bg1"/>
+                </a:solidFill>
+              </a:rPr>
+              <a:t>							if(time==0)</a:t>
+            </a:r>
+          </a:p>
+          <a:p>
+            <a:r>
+              <a:rPr lang="en-US" b="1" dirty="0">
+                <a:solidFill>
+                  <a:schemeClr val="bg1"/>
+                </a:solidFill>
+              </a:rPr>
+              <a:t>							{</a:t>
+            </a:r>
+          </a:p>
+          <a:p>
+            <a:r>
+              <a:rPr lang="en-US" b="1" dirty="0">
+                <a:solidFill>
+                  <a:schemeClr val="bg1"/>
+                </a:solidFill>
+              </a:rPr>
+              <a:t>								</a:t>
+            </a:r>
+            <a:r>
+              <a:rPr lang="en-US" b="1" dirty="0" err="1">
+                <a:solidFill>
+                  <a:schemeClr val="bg1"/>
+                </a:solidFill>
+              </a:rPr>
+              <a:t>GameOver</a:t>
+            </a:r>
+            <a:r>
+              <a:rPr lang="en-US" b="1" dirty="0" smtClean="0">
+                <a:solidFill>
+                  <a:schemeClr val="bg1"/>
+                </a:solidFill>
+              </a:rPr>
+              <a:t>(); // stopping the game time is zero</a:t>
+            </a:r>
+            <a:endParaRPr lang="en-US" b="1" dirty="0">
+              <a:solidFill>
+                <a:schemeClr val="bg1"/>
+              </a:solidFill>
+            </a:endParaRPr>
+          </a:p>
+          <a:p>
+            <a:r>
+              <a:rPr lang="en-US" b="1" dirty="0">
+                <a:solidFill>
+                  <a:schemeClr val="bg1"/>
+                </a:solidFill>
+              </a:rPr>
+              <a:t>							}</a:t>
+            </a:r>
+          </a:p>
+          <a:p>
+            <a:r>
+              <a:rPr lang="en-US" b="1" dirty="0">
+                <a:solidFill>
+                  <a:schemeClr val="bg1"/>
+                </a:solidFill>
+              </a:rPr>
+              <a:t>							else</a:t>
+            </a:r>
+          </a:p>
+          <a:p>
+            <a:r>
+              <a:rPr lang="en-US" b="1" dirty="0">
+                <a:solidFill>
+                  <a:schemeClr val="bg1"/>
+                </a:solidFill>
+              </a:rPr>
+              <a:t>							{</a:t>
+            </a:r>
+          </a:p>
+          <a:p>
+            <a:r>
+              <a:rPr lang="en-US" b="1" dirty="0">
+                <a:solidFill>
+                  <a:schemeClr val="bg1"/>
+                </a:solidFill>
+              </a:rPr>
+              <a:t>								 </a:t>
+            </a:r>
+            <a:r>
+              <a:rPr lang="en-US" b="1" dirty="0" err="1">
+                <a:solidFill>
+                  <a:schemeClr val="bg1"/>
+                </a:solidFill>
+              </a:rPr>
+              <a:t>looptime</a:t>
+            </a:r>
+            <a:r>
+              <a:rPr lang="en-US" b="1" dirty="0">
+                <a:solidFill>
+                  <a:schemeClr val="bg1"/>
+                </a:solidFill>
+              </a:rPr>
+              <a:t>=</a:t>
+            </a:r>
+            <a:r>
+              <a:rPr lang="en-US" b="1" dirty="0" err="1">
+                <a:solidFill>
+                  <a:schemeClr val="bg1"/>
+                </a:solidFill>
+              </a:rPr>
+              <a:t>setTimeout</a:t>
+            </a:r>
+            <a:r>
+              <a:rPr lang="en-US" b="1" dirty="0">
+                <a:solidFill>
+                  <a:schemeClr val="bg1"/>
+                </a:solidFill>
+              </a:rPr>
+              <a:t>('</a:t>
+            </a:r>
+            <a:r>
+              <a:rPr lang="en-US" b="1" dirty="0" err="1">
+                <a:solidFill>
+                  <a:schemeClr val="bg1"/>
+                </a:solidFill>
+              </a:rPr>
+              <a:t>showTime</a:t>
+            </a:r>
+            <a:r>
+              <a:rPr lang="en-US" b="1" dirty="0">
+                <a:solidFill>
+                  <a:schemeClr val="bg1"/>
+                </a:solidFill>
+              </a:rPr>
+              <a:t>('+time+')',1000</a:t>
+            </a:r>
+            <a:r>
+              <a:rPr lang="en-US" b="1" dirty="0" smtClean="0">
+                <a:solidFill>
+                  <a:schemeClr val="bg1"/>
+                </a:solidFill>
+              </a:rPr>
+              <a:t>); //recursively calling</a:t>
+            </a:r>
+            <a:endParaRPr lang="en-US" b="1" dirty="0">
+              <a:solidFill>
+                <a:schemeClr val="bg1"/>
+              </a:solidFill>
+            </a:endParaRPr>
+          </a:p>
+          <a:p>
+            <a:r>
+              <a:rPr lang="en-US" b="1" dirty="0">
+                <a:solidFill>
+                  <a:schemeClr val="bg1"/>
+                </a:solidFill>
+              </a:rPr>
+              <a:t>							</a:t>
+            </a:r>
+            <a:r>
+              <a:rPr lang="en-US" b="1" dirty="0" smtClean="0">
+                <a:solidFill>
+                  <a:schemeClr val="bg1"/>
+                </a:solidFill>
+              </a:rPr>
+              <a:t>}</a:t>
+            </a:r>
+            <a:endParaRPr lang="en-US" b="1" dirty="0">
+              <a:solidFill>
+                <a:schemeClr val="bg1"/>
+              </a:solidFill>
+            </a:endParaRPr>
+          </a:p>
+          <a:p>
+            <a:r>
+              <a:rPr lang="en-US" b="1" dirty="0">
+                <a:solidFill>
+                  <a:schemeClr val="bg1"/>
+                </a:solidFill>
+              </a:rPr>
+              <a:t>				</a:t>
+            </a:r>
+            <a:r>
+              <a:rPr lang="en-US" b="1" dirty="0" smtClean="0">
+                <a:solidFill>
+                  <a:schemeClr val="bg1"/>
+                </a:solidFill>
+              </a:rPr>
+              <a:t>}</a:t>
+            </a:r>
+            <a:endParaRPr lang="en-US" b="1" dirty="0">
+              <a:solidFill>
+                <a:schemeClr val="bg1"/>
+              </a:solidFill>
+            </a:endParaRPr>
+          </a:p>
+        </p:txBody>
+      </p:sp>
+    </p:spTree>
+    <p:extLst>
+      <p:ext uri="{BB962C8B-B14F-4D97-AF65-F5344CB8AC3E}">
+        <p14:creationId xmlns:p14="http://schemas.microsoft.com/office/powerpoint/2010/main" val="1861471473"/>
+      </p:ext>
+    </p:extLst>
+  </p:cSld>
+  <p:clrMapOvr>
+    <a:masterClrMapping/>
+  </p:clrMapOvr>
+</p:sld>
+</file>
+
+<file path=ppt/slides/slide21.xml><?xml version="1.0" encoding="utf-8"?>
+<p:sld xmlns:a="http://schemas.openxmlformats.org/drawingml/2006/main" xmlns:r="http://schemas.openxmlformats.org/officeDocument/2006/relationships" xmlns:p="http://schemas.openxmlformats.org/presentationml/2006/main">
+  <p:cSld>
+    <p:spTree>
+      <p:nvGrpSpPr>
+        <p:cNvPr id="1" name=""/>
+        <p:cNvGrpSpPr/>
+        <p:nvPr/>
+      </p:nvGrpSpPr>
+      <p:grpSpPr>
+        <a:xfrm>
+          <a:off x="0" y="0"/>
+          <a:ext cx="0" cy="0"/>
+          <a:chOff x="0" y="0"/>
+          <a:chExt cx="0" cy="0"/>
+        </a:xfrm>
+      </p:grpSpPr>
+      <p:sp>
+        <p:nvSpPr>
+          <p:cNvPr id="4" name="Rectangle 3"/>
+          <p:cNvSpPr/>
+          <p:nvPr/>
+        </p:nvSpPr>
+        <p:spPr>
+          <a:xfrm>
+            <a:off x="915958" y="104436"/>
+            <a:ext cx="9866805" cy="584775"/>
+          </a:xfrm>
+          <a:prstGeom prst="rect">
+            <a:avLst/>
+          </a:prstGeom>
+          <a:noFill/>
+        </p:spPr>
+        <p:txBody>
+          <a:bodyPr wrap="none" lIns="91440" tIns="45720" rIns="91440" bIns="45720">
+            <a:spAutoFit/>
+          </a:bodyPr>
+          <a:lstStyle/>
+          <a:p>
+            <a:pPr algn="ctr"/>
+            <a:r>
+              <a:rPr lang="en-US" sz="3200" b="1" dirty="0" smtClean="0">
+                <a:ln w="22225">
+                  <a:solidFill>
+                    <a:schemeClr val="accent2"/>
+                  </a:solidFill>
+                  <a:prstDash val="solid"/>
+                </a:ln>
+                <a:solidFill>
+                  <a:schemeClr val="accent2">
+                    <a:lumMod val="40000"/>
+                    <a:lumOff val="60000"/>
+                  </a:schemeClr>
+                </a:solidFill>
+              </a:rPr>
+              <a:t>Game Development Using HTML5 and </a:t>
+            </a:r>
+            <a:r>
+              <a:rPr lang="en-US" sz="3200" b="1" dirty="0">
+                <a:ln w="22225">
+                  <a:solidFill>
+                    <a:schemeClr val="accent2"/>
+                  </a:solidFill>
+                  <a:prstDash val="solid"/>
+                </a:ln>
+                <a:solidFill>
+                  <a:schemeClr val="accent2">
+                    <a:lumMod val="40000"/>
+                    <a:lumOff val="60000"/>
+                  </a:schemeClr>
+                </a:solidFill>
+              </a:rPr>
+              <a:t>J</a:t>
+            </a:r>
+            <a:r>
+              <a:rPr lang="en-US" sz="3200" b="1" dirty="0" smtClean="0">
+                <a:ln w="22225">
+                  <a:solidFill>
+                    <a:schemeClr val="accent2"/>
+                  </a:solidFill>
+                  <a:prstDash val="solid"/>
+                </a:ln>
+                <a:solidFill>
+                  <a:schemeClr val="accent2">
+                    <a:lumMod val="40000"/>
+                    <a:lumOff val="60000"/>
+                  </a:schemeClr>
+                </a:solidFill>
+              </a:rPr>
+              <a:t>avaScript</a:t>
+            </a:r>
+            <a:endParaRPr lang="en-US" sz="3200" b="1" cap="none" spc="0" dirty="0">
+              <a:ln w="22225">
+                <a:solidFill>
+                  <a:schemeClr val="accent2"/>
+                </a:solidFill>
+                <a:prstDash val="solid"/>
+              </a:ln>
+              <a:solidFill>
+                <a:schemeClr val="accent2">
+                  <a:lumMod val="40000"/>
+                  <a:lumOff val="60000"/>
+                </a:schemeClr>
+              </a:solidFill>
+              <a:effectLst/>
+            </a:endParaRPr>
+          </a:p>
+        </p:txBody>
+      </p:sp>
+      <p:sp>
+        <p:nvSpPr>
+          <p:cNvPr id="5" name="TextBox 4"/>
+          <p:cNvSpPr txBox="1"/>
+          <p:nvPr/>
+        </p:nvSpPr>
+        <p:spPr>
+          <a:xfrm>
+            <a:off x="4133802" y="767715"/>
+            <a:ext cx="2360781" cy="369332"/>
+          </a:xfrm>
+          <a:prstGeom prst="rect">
+            <a:avLst/>
+          </a:prstGeom>
+          <a:noFill/>
+        </p:spPr>
+        <p:txBody>
+          <a:bodyPr wrap="square" rtlCol="0">
+            <a:spAutoFit/>
+          </a:bodyPr>
+          <a:lstStyle/>
+          <a:p>
+            <a:r>
+              <a:rPr lang="en-US" b="1" dirty="0" smtClean="0">
+                <a:solidFill>
+                  <a:srgbClr val="C00000"/>
+                </a:solidFill>
+              </a:rPr>
+              <a:t>Building The Setup </a:t>
+            </a:r>
+          </a:p>
+        </p:txBody>
+      </p:sp>
+      <p:sp>
+        <p:nvSpPr>
+          <p:cNvPr id="6" name="TextBox 5"/>
+          <p:cNvSpPr txBox="1"/>
+          <p:nvPr/>
+        </p:nvSpPr>
+        <p:spPr>
+          <a:xfrm>
+            <a:off x="754077" y="1120647"/>
+            <a:ext cx="2481492" cy="369332"/>
+          </a:xfrm>
+          <a:prstGeom prst="rect">
+            <a:avLst/>
+          </a:prstGeom>
+          <a:noFill/>
+        </p:spPr>
+        <p:txBody>
+          <a:bodyPr wrap="square" rtlCol="0">
+            <a:spAutoFit/>
+          </a:bodyPr>
+          <a:lstStyle/>
+          <a:p>
+            <a:r>
+              <a:rPr lang="en-US" b="1" dirty="0">
+                <a:solidFill>
+                  <a:schemeClr val="bg1"/>
+                </a:solidFill>
+              </a:rPr>
+              <a:t>9</a:t>
+            </a:r>
+            <a:r>
+              <a:rPr lang="en-US" b="1" dirty="0" smtClean="0">
+                <a:solidFill>
+                  <a:schemeClr val="bg1"/>
+                </a:solidFill>
+              </a:rPr>
+              <a:t>) Starting the Game</a:t>
+            </a:r>
+            <a:endParaRPr lang="en-US" b="1" dirty="0">
+              <a:solidFill>
+                <a:schemeClr val="bg1"/>
+              </a:solidFill>
+            </a:endParaRPr>
+          </a:p>
+        </p:txBody>
+      </p:sp>
+      <p:sp>
+        <p:nvSpPr>
+          <p:cNvPr id="7" name="Rectangle 6"/>
+          <p:cNvSpPr/>
+          <p:nvPr/>
+        </p:nvSpPr>
+        <p:spPr>
+          <a:xfrm>
+            <a:off x="2708029" y="1740767"/>
+            <a:ext cx="7748956" cy="1200329"/>
+          </a:xfrm>
+          <a:prstGeom prst="rect">
+            <a:avLst/>
+          </a:prstGeom>
+        </p:spPr>
+        <p:txBody>
+          <a:bodyPr wrap="square">
+            <a:spAutoFit/>
+          </a:bodyPr>
+          <a:lstStyle/>
+          <a:p>
+            <a:r>
+              <a:rPr lang="en-US" b="1" dirty="0">
+                <a:solidFill>
+                  <a:schemeClr val="bg1"/>
+                </a:solidFill>
+              </a:rPr>
+              <a:t>function </a:t>
+            </a:r>
+            <a:r>
+              <a:rPr lang="en-US" b="1" dirty="0" err="1">
+                <a:solidFill>
+                  <a:schemeClr val="bg1"/>
+                </a:solidFill>
+              </a:rPr>
+              <a:t>GameStart</a:t>
+            </a:r>
+            <a:r>
+              <a:rPr lang="en-US" b="1" dirty="0">
+                <a:solidFill>
+                  <a:schemeClr val="bg1"/>
+                </a:solidFill>
+              </a:rPr>
+              <a:t>(){</a:t>
+            </a:r>
+          </a:p>
+          <a:p>
+            <a:r>
+              <a:rPr lang="en-US" b="1" dirty="0">
+                <a:solidFill>
+                  <a:schemeClr val="bg1"/>
+                </a:solidFill>
+              </a:rPr>
+              <a:t>					</a:t>
+            </a:r>
+            <a:r>
+              <a:rPr lang="en-US" b="1" dirty="0" smtClean="0">
+                <a:solidFill>
+                  <a:schemeClr val="bg1"/>
+                </a:solidFill>
+              </a:rPr>
+              <a:t>	draw(</a:t>
+            </a:r>
+            <a:r>
+              <a:rPr lang="en-US" b="1" dirty="0" err="1" smtClean="0">
+                <a:solidFill>
+                  <a:schemeClr val="bg1"/>
+                </a:solidFill>
+              </a:rPr>
+              <a:t>circle.x,circle.y</a:t>
+            </a:r>
+            <a:r>
+              <a:rPr lang="en-US" b="1" dirty="0" smtClean="0">
+                <a:solidFill>
+                  <a:schemeClr val="bg1"/>
+                </a:solidFill>
+              </a:rPr>
+              <a:t>); // all logic to draw</a:t>
+            </a:r>
+            <a:endParaRPr lang="en-US" b="1" dirty="0">
+              <a:solidFill>
+                <a:schemeClr val="bg1"/>
+              </a:solidFill>
+            </a:endParaRPr>
+          </a:p>
+          <a:p>
+            <a:r>
+              <a:rPr lang="en-US" b="1" dirty="0">
+                <a:solidFill>
+                  <a:schemeClr val="bg1"/>
+                </a:solidFill>
+              </a:rPr>
+              <a:t>						</a:t>
+            </a:r>
+            <a:r>
+              <a:rPr lang="en-US" b="1" dirty="0" err="1">
+                <a:solidFill>
+                  <a:schemeClr val="bg1"/>
+                </a:solidFill>
+              </a:rPr>
+              <a:t>showTime</a:t>
+            </a:r>
+            <a:r>
+              <a:rPr lang="en-US" b="1" dirty="0">
+                <a:solidFill>
+                  <a:schemeClr val="bg1"/>
+                </a:solidFill>
+              </a:rPr>
+              <a:t>(30</a:t>
+            </a:r>
+            <a:r>
+              <a:rPr lang="en-US" b="1" dirty="0" smtClean="0">
+                <a:solidFill>
+                  <a:schemeClr val="bg1"/>
+                </a:solidFill>
+              </a:rPr>
+              <a:t>); //saw in last slide</a:t>
+            </a:r>
+            <a:endParaRPr lang="en-US" b="1" dirty="0">
+              <a:solidFill>
+                <a:schemeClr val="bg1"/>
+              </a:solidFill>
+            </a:endParaRPr>
+          </a:p>
+          <a:p>
+            <a:r>
+              <a:rPr lang="en-US" b="1" dirty="0">
+                <a:solidFill>
+                  <a:schemeClr val="bg1"/>
+                </a:solidFill>
+              </a:rPr>
+              <a:t>					}</a:t>
+            </a:r>
+          </a:p>
+        </p:txBody>
+      </p:sp>
+      <p:sp>
+        <p:nvSpPr>
+          <p:cNvPr id="8" name="TextBox 7"/>
+          <p:cNvSpPr txBox="1"/>
+          <p:nvPr/>
+        </p:nvSpPr>
+        <p:spPr>
+          <a:xfrm>
+            <a:off x="648568" y="3623320"/>
+            <a:ext cx="2938693" cy="369332"/>
+          </a:xfrm>
+          <a:prstGeom prst="rect">
+            <a:avLst/>
+          </a:prstGeom>
+          <a:noFill/>
+        </p:spPr>
+        <p:txBody>
+          <a:bodyPr wrap="square" rtlCol="0">
+            <a:spAutoFit/>
+          </a:bodyPr>
+          <a:lstStyle/>
+          <a:p>
+            <a:r>
+              <a:rPr lang="en-US" b="1" dirty="0" smtClean="0">
+                <a:solidFill>
+                  <a:schemeClr val="bg1"/>
+                </a:solidFill>
+              </a:rPr>
+              <a:t>10</a:t>
+            </a:r>
+            <a:r>
+              <a:rPr lang="en-US" b="1" dirty="0" smtClean="0">
+                <a:solidFill>
+                  <a:schemeClr val="bg1"/>
+                </a:solidFill>
+              </a:rPr>
+              <a:t>) Stopping  the Game</a:t>
+            </a:r>
+            <a:endParaRPr lang="en-US" b="1" dirty="0">
+              <a:solidFill>
+                <a:schemeClr val="bg1"/>
+              </a:solidFill>
+            </a:endParaRPr>
+          </a:p>
+        </p:txBody>
+      </p:sp>
+      <p:sp>
+        <p:nvSpPr>
+          <p:cNvPr id="9" name="Rectangle 8"/>
+          <p:cNvSpPr/>
+          <p:nvPr/>
+        </p:nvSpPr>
+        <p:spPr>
+          <a:xfrm>
+            <a:off x="3235569" y="4197274"/>
+            <a:ext cx="6096000" cy="1477328"/>
+          </a:xfrm>
+          <a:prstGeom prst="rect">
+            <a:avLst/>
+          </a:prstGeom>
+        </p:spPr>
+        <p:txBody>
+          <a:bodyPr>
+            <a:spAutoFit/>
+          </a:bodyPr>
+          <a:lstStyle/>
+          <a:p>
+            <a:r>
+              <a:rPr lang="en-US" b="1" dirty="0">
+                <a:solidFill>
+                  <a:schemeClr val="bg1"/>
+                </a:solidFill>
+              </a:rPr>
+              <a:t>function </a:t>
+            </a:r>
+            <a:r>
+              <a:rPr lang="en-US" b="1" dirty="0" err="1">
+                <a:solidFill>
+                  <a:schemeClr val="bg1"/>
+                </a:solidFill>
+              </a:rPr>
+              <a:t>GameOver</a:t>
+            </a:r>
+            <a:r>
+              <a:rPr lang="en-US" b="1" dirty="0" smtClean="0">
+                <a:solidFill>
+                  <a:schemeClr val="bg1"/>
+                </a:solidFill>
+              </a:rPr>
+              <a:t>(){</a:t>
+            </a:r>
+            <a:endParaRPr lang="en-US" b="1" dirty="0">
+              <a:solidFill>
+                <a:schemeClr val="bg1"/>
+              </a:solidFill>
+            </a:endParaRPr>
+          </a:p>
+          <a:p>
+            <a:r>
+              <a:rPr lang="en-US" b="1" dirty="0">
+                <a:solidFill>
+                  <a:schemeClr val="bg1"/>
+                </a:solidFill>
+              </a:rPr>
+              <a:t>				</a:t>
+            </a:r>
+          </a:p>
+          <a:p>
+            <a:r>
+              <a:rPr lang="en-US" b="1" dirty="0">
+                <a:solidFill>
+                  <a:schemeClr val="bg1"/>
+                </a:solidFill>
+              </a:rPr>
+              <a:t>					</a:t>
+            </a:r>
+            <a:r>
+              <a:rPr lang="en-US" b="1" dirty="0" smtClean="0">
+                <a:solidFill>
+                  <a:schemeClr val="bg1"/>
+                </a:solidFill>
+              </a:rPr>
+              <a:t>	</a:t>
+            </a:r>
+            <a:r>
+              <a:rPr lang="en-US" b="1" dirty="0" err="1" smtClean="0">
+                <a:solidFill>
+                  <a:schemeClr val="bg1"/>
+                </a:solidFill>
+              </a:rPr>
+              <a:t>clearTimeout</a:t>
+            </a:r>
+            <a:r>
+              <a:rPr lang="en-US" b="1" dirty="0" smtClean="0">
+                <a:solidFill>
+                  <a:schemeClr val="bg1"/>
+                </a:solidFill>
+              </a:rPr>
+              <a:t>(</a:t>
+            </a:r>
+            <a:r>
+              <a:rPr lang="en-US" b="1" dirty="0" err="1" smtClean="0">
+                <a:solidFill>
+                  <a:schemeClr val="bg1"/>
+                </a:solidFill>
+              </a:rPr>
+              <a:t>looptime</a:t>
+            </a:r>
+            <a:r>
+              <a:rPr lang="en-US" b="1" dirty="0">
+                <a:solidFill>
+                  <a:schemeClr val="bg1"/>
+                </a:solidFill>
+              </a:rPr>
+              <a:t>);</a:t>
+            </a:r>
+          </a:p>
+          <a:p>
+            <a:r>
+              <a:rPr lang="en-US" b="1" dirty="0">
+                <a:solidFill>
+                  <a:schemeClr val="bg1"/>
+                </a:solidFill>
+              </a:rPr>
+              <a:t>						</a:t>
+            </a:r>
+            <a:r>
+              <a:rPr lang="en-US" b="1" dirty="0" err="1">
+                <a:solidFill>
+                  <a:schemeClr val="bg1"/>
+                </a:solidFill>
+              </a:rPr>
+              <a:t>clearTimeout</a:t>
+            </a:r>
+            <a:r>
+              <a:rPr lang="en-US" b="1" dirty="0">
+                <a:solidFill>
+                  <a:schemeClr val="bg1"/>
+                </a:solidFill>
+              </a:rPr>
+              <a:t>(</a:t>
+            </a:r>
+            <a:r>
+              <a:rPr lang="en-US" b="1" dirty="0" err="1">
+                <a:solidFill>
+                  <a:schemeClr val="bg1"/>
+                </a:solidFill>
+              </a:rPr>
+              <a:t>loopdraw</a:t>
+            </a:r>
+            <a:r>
+              <a:rPr lang="en-US" b="1" dirty="0" smtClean="0">
+                <a:solidFill>
+                  <a:schemeClr val="bg1"/>
+                </a:solidFill>
+              </a:rPr>
+              <a:t>);</a:t>
+            </a:r>
+            <a:r>
+              <a:rPr lang="en-US" b="1" dirty="0">
+                <a:solidFill>
+                  <a:schemeClr val="bg1"/>
+                </a:solidFill>
+              </a:rPr>
+              <a:t>	</a:t>
+            </a:r>
+          </a:p>
+          <a:p>
+            <a:r>
+              <a:rPr lang="en-US" b="1" dirty="0">
+                <a:solidFill>
+                  <a:schemeClr val="bg1"/>
+                </a:solidFill>
+              </a:rPr>
+              <a:t>				}</a:t>
+            </a:r>
+          </a:p>
+        </p:txBody>
+      </p:sp>
+    </p:spTree>
+    <p:extLst>
+      <p:ext uri="{BB962C8B-B14F-4D97-AF65-F5344CB8AC3E}">
+        <p14:creationId xmlns:p14="http://schemas.microsoft.com/office/powerpoint/2010/main" val="1662861303"/>
       </p:ext>
     </p:extLst>
   </p:cSld>
@@ -8765,15 +16497,7 @@
                   <a:schemeClr val="bg1"/>
                 </a:solidFill>
               </a:rPr>
-              <a:t>); // recursive call to the </a:t>
-            </a:r>
-            <a:r>
-              <a:rPr lang="en-US" b="1" dirty="0" smtClean="0">
-                <a:solidFill>
-                  <a:schemeClr val="bg1"/>
-                </a:solidFill>
-              </a:rPr>
-              <a:t>function</a:t>
+              <a:t>); // recursive call to the function</a:t>
             </a:r>
             <a:endParaRPr lang="en-US" b="1" dirty="0">
               <a:solidFill>
@@ -8911,6 +16635,386 @@
                 </a:schemeClr>
               </a:solidFill>
               <a:effectLst/>
+            </a:endParaRPr>
+          </a:p>
+        </p:txBody>
+      </p:sp>
+      <p:sp>
+        <p:nvSpPr>
+          <p:cNvPr id="3" name="TextBox 2"/>
+          <p:cNvSpPr txBox="1"/>
+          <p:nvPr/>
+        </p:nvSpPr>
+        <p:spPr>
+          <a:xfrm>
+            <a:off x="4133803" y="860412"/>
+            <a:ext cx="2360781" cy="369332"/>
+          </a:xfrm>
+          <a:prstGeom prst="rect">
+            <a:avLst/>
+          </a:prstGeom>
+          <a:noFill/>
+        </p:spPr>
+        <p:txBody>
+          <a:bodyPr wrap="square" rtlCol="0">
+            <a:spAutoFit/>
+          </a:bodyPr>
+          <a:lstStyle/>
+          <a:p>
+            <a:r>
+              <a:rPr lang="en-US" b="1" dirty="0" smtClean="0">
+                <a:solidFill>
+                  <a:srgbClr val="C00000"/>
+                </a:solidFill>
+              </a:rPr>
+              <a:t>Building The Setup </a:t>
+            </a:r>
+          </a:p>
+        </p:txBody>
+      </p:sp>
+      <p:sp>
+        <p:nvSpPr>
+          <p:cNvPr id="5" name="TextBox 4"/>
+          <p:cNvSpPr txBox="1"/>
+          <p:nvPr/>
+        </p:nvSpPr>
+        <p:spPr>
+          <a:xfrm>
+            <a:off x="1101969" y="1400945"/>
+            <a:ext cx="5193323" cy="369332"/>
+          </a:xfrm>
+          <a:prstGeom prst="rect">
+            <a:avLst/>
+          </a:prstGeom>
+          <a:noFill/>
+        </p:spPr>
+        <p:txBody>
+          <a:bodyPr wrap="square" rtlCol="0">
+            <a:spAutoFit/>
+          </a:bodyPr>
+          <a:lstStyle/>
+          <a:p>
+            <a:r>
+              <a:rPr lang="en-US" b="1" dirty="0" smtClean="0">
+                <a:solidFill>
+                  <a:schemeClr val="bg1"/>
+                </a:solidFill>
+              </a:rPr>
+              <a:t>We wont dealing much with the design part. </a:t>
+            </a:r>
+            <a:endParaRPr lang="en-US" b="1" dirty="0">
+              <a:solidFill>
+                <a:schemeClr val="bg1"/>
+              </a:solidFill>
+            </a:endParaRPr>
+          </a:p>
+        </p:txBody>
+      </p:sp>
+      <p:sp>
+        <p:nvSpPr>
+          <p:cNvPr id="6" name="TextBox 5"/>
+          <p:cNvSpPr txBox="1"/>
+          <p:nvPr/>
+        </p:nvSpPr>
+        <p:spPr>
+          <a:xfrm>
+            <a:off x="1008185" y="1928013"/>
+            <a:ext cx="8276494" cy="369332"/>
+          </a:xfrm>
+          <a:prstGeom prst="rect">
+            <a:avLst/>
+          </a:prstGeom>
+          <a:noFill/>
+        </p:spPr>
+        <p:txBody>
+          <a:bodyPr wrap="square" rtlCol="0">
+            <a:spAutoFit/>
+          </a:bodyPr>
+          <a:lstStyle/>
+          <a:p>
+            <a:r>
+              <a:rPr lang="en-US" b="1" dirty="0" smtClean="0">
+                <a:solidFill>
+                  <a:schemeClr val="bg1"/>
+                </a:solidFill>
+              </a:rPr>
+              <a:t>Step 1: Creating the canvas in the html page with some width and height. </a:t>
+            </a:r>
+            <a:endParaRPr lang="en-US" b="1" dirty="0">
+              <a:solidFill>
+                <a:schemeClr val="bg1"/>
+              </a:solidFill>
+            </a:endParaRPr>
+          </a:p>
+        </p:txBody>
+      </p:sp>
+      <p:sp>
+        <p:nvSpPr>
+          <p:cNvPr id="2" name="Rectangle 1"/>
+          <p:cNvSpPr/>
+          <p:nvPr/>
+        </p:nvSpPr>
+        <p:spPr>
+          <a:xfrm>
+            <a:off x="1899139" y="2482011"/>
+            <a:ext cx="7291753" cy="369332"/>
+          </a:xfrm>
+          <a:prstGeom prst="rect">
+            <a:avLst/>
+          </a:prstGeom>
+        </p:spPr>
+        <p:txBody>
+          <a:bodyPr wrap="square">
+            <a:spAutoFit/>
+          </a:bodyPr>
+          <a:lstStyle/>
+          <a:p>
+            <a:r>
+              <a:rPr lang="en-US" b="1" dirty="0" smtClean="0">
+                <a:solidFill>
+                  <a:schemeClr val="bg1">
+                    <a:lumMod val="95000"/>
+                    <a:lumOff val="5000"/>
+                  </a:schemeClr>
+                </a:solidFill>
+              </a:rPr>
+              <a:t>&lt;</a:t>
+            </a:r>
+            <a:r>
+              <a:rPr lang="en-US" b="1" dirty="0">
+                <a:solidFill>
+                  <a:schemeClr val="bg1">
+                    <a:lumMod val="95000"/>
+                    <a:lumOff val="5000"/>
+                  </a:schemeClr>
+                </a:solidFill>
+              </a:rPr>
+              <a:t>canvas id="canvas" width="800px" height="400px"&gt;&lt;/canvas&gt;</a:t>
+            </a:r>
+          </a:p>
+        </p:txBody>
+      </p:sp>
+      <p:sp>
+        <p:nvSpPr>
+          <p:cNvPr id="9" name="TextBox 8"/>
+          <p:cNvSpPr txBox="1"/>
+          <p:nvPr/>
+        </p:nvSpPr>
+        <p:spPr>
+          <a:xfrm>
+            <a:off x="1008185" y="3036009"/>
+            <a:ext cx="8065477" cy="646331"/>
+          </a:xfrm>
+          <a:prstGeom prst="rect">
+            <a:avLst/>
+          </a:prstGeom>
+          <a:noFill/>
+        </p:spPr>
+        <p:txBody>
+          <a:bodyPr wrap="square" rtlCol="0">
+            <a:spAutoFit/>
+          </a:bodyPr>
+          <a:lstStyle/>
+          <a:p>
+            <a:r>
+              <a:rPr lang="en-US" b="1" dirty="0" smtClean="0">
+                <a:solidFill>
+                  <a:schemeClr val="bg1"/>
+                </a:solidFill>
+              </a:rPr>
+              <a:t>Step 2: On click of start button , the game starts and on stop , the game 		stop. Hence creating two JavaScript function.     </a:t>
+            </a:r>
+            <a:endParaRPr lang="en-US" b="1" dirty="0">
+              <a:solidFill>
+                <a:schemeClr val="bg1"/>
+              </a:solidFill>
+            </a:endParaRPr>
+          </a:p>
+        </p:txBody>
+      </p:sp>
+      <p:sp>
+        <p:nvSpPr>
+          <p:cNvPr id="10" name="TextBox 9"/>
+          <p:cNvSpPr txBox="1"/>
+          <p:nvPr/>
+        </p:nvSpPr>
+        <p:spPr>
+          <a:xfrm>
+            <a:off x="961293" y="3851655"/>
+            <a:ext cx="7596554" cy="369332"/>
+          </a:xfrm>
+          <a:prstGeom prst="rect">
+            <a:avLst/>
+          </a:prstGeom>
+          <a:noFill/>
+        </p:spPr>
+        <p:txBody>
+          <a:bodyPr wrap="square" rtlCol="0">
+            <a:spAutoFit/>
+          </a:bodyPr>
+          <a:lstStyle/>
+          <a:p>
+            <a:r>
+              <a:rPr lang="en-US" b="1" dirty="0" smtClean="0">
+                <a:solidFill>
+                  <a:schemeClr val="bg1"/>
+                </a:solidFill>
+              </a:rPr>
+              <a:t>Step 3:  Our first objective will be drawing ball and animating them.</a:t>
+            </a:r>
+            <a:endParaRPr lang="en-US" b="1" dirty="0">
+              <a:solidFill>
+                <a:schemeClr val="bg1"/>
+              </a:solidFill>
+            </a:endParaRPr>
+          </a:p>
+        </p:txBody>
+      </p:sp>
+      <p:sp>
+        <p:nvSpPr>
+          <p:cNvPr id="11" name="TextBox 10"/>
+          <p:cNvSpPr txBox="1"/>
+          <p:nvPr/>
+        </p:nvSpPr>
+        <p:spPr>
+          <a:xfrm>
+            <a:off x="1594338" y="4563663"/>
+            <a:ext cx="6060831" cy="369332"/>
+          </a:xfrm>
+          <a:prstGeom prst="rect">
+            <a:avLst/>
+          </a:prstGeom>
+          <a:noFill/>
+        </p:spPr>
+        <p:txBody>
+          <a:bodyPr wrap="square" rtlCol="0">
+            <a:spAutoFit/>
+          </a:bodyPr>
+          <a:lstStyle/>
+          <a:p>
+            <a:r>
+              <a:rPr lang="en-US" b="1" dirty="0" smtClean="0">
+                <a:solidFill>
+                  <a:schemeClr val="bg1"/>
+                </a:solidFill>
+              </a:rPr>
+              <a:t>3.1) In our game a ball will have following properties </a:t>
+            </a:r>
+            <a:endParaRPr lang="en-US" b="1" dirty="0">
+              <a:solidFill>
+                <a:schemeClr val="bg1"/>
+              </a:solidFill>
+            </a:endParaRPr>
+          </a:p>
+        </p:txBody>
+      </p:sp>
+      <p:sp>
+        <p:nvSpPr>
+          <p:cNvPr id="12" name="TextBox 11"/>
+          <p:cNvSpPr txBox="1"/>
+          <p:nvPr/>
+        </p:nvSpPr>
+        <p:spPr>
+          <a:xfrm>
+            <a:off x="1594338" y="5228780"/>
+            <a:ext cx="8428894" cy="369332"/>
+          </a:xfrm>
+          <a:prstGeom prst="rect">
+            <a:avLst/>
+          </a:prstGeom>
+          <a:noFill/>
+        </p:spPr>
+        <p:txBody>
+          <a:bodyPr wrap="square" rtlCol="0">
+            <a:spAutoFit/>
+          </a:bodyPr>
+          <a:lstStyle/>
+          <a:p>
+            <a:r>
+              <a:rPr lang="en-US" b="1" dirty="0" smtClean="0">
+                <a:solidFill>
+                  <a:schemeClr val="bg1"/>
+                </a:solidFill>
+              </a:rPr>
+              <a:t>3.2</a:t>
+            </a:r>
+            <a:r>
+              <a:rPr lang="en-US" b="1" dirty="0">
+                <a:solidFill>
+                  <a:schemeClr val="bg1"/>
+                </a:solidFill>
+              </a:rPr>
+              <a:t>) {"x":30,"y":40,"r":15,"vx":1,"vy":2,"color":"red</a:t>
+            </a:r>
+            <a:r>
+              <a:rPr lang="en-US" b="1" dirty="0" smtClean="0">
+                <a:solidFill>
+                  <a:schemeClr val="bg1"/>
+                </a:solidFill>
+              </a:rPr>
+              <a:t>","</a:t>
+            </a:r>
+            <a:r>
+              <a:rPr lang="en-US" b="1" dirty="0">
+                <a:solidFill>
+                  <a:schemeClr val="bg1"/>
+                </a:solidFill>
+              </a:rPr>
+              <a:t>hitcount":1,"misscount":1}</a:t>
+            </a:r>
+          </a:p>
+        </p:txBody>
+      </p:sp>
+      <p:sp>
+        <p:nvSpPr>
+          <p:cNvPr id="14" name="TextBox 13"/>
+          <p:cNvSpPr txBox="1"/>
+          <p:nvPr/>
+        </p:nvSpPr>
+        <p:spPr>
+          <a:xfrm>
+            <a:off x="1594338" y="5940514"/>
+            <a:ext cx="9706708" cy="369332"/>
+          </a:xfrm>
+          <a:prstGeom prst="rect">
+            <a:avLst/>
+          </a:prstGeom>
+          <a:noFill/>
+        </p:spPr>
+        <p:txBody>
+          <a:bodyPr wrap="square" rtlCol="0">
+            <a:spAutoFit/>
+          </a:bodyPr>
+          <a:lstStyle/>
+          <a:p>
+            <a:r>
+              <a:rPr lang="en-US" b="1" dirty="0" smtClean="0">
+                <a:solidFill>
+                  <a:schemeClr val="bg1"/>
+                </a:solidFill>
+              </a:rPr>
+              <a:t>3.3) </a:t>
+            </a:r>
+            <a:r>
+              <a:rPr lang="en-US" b="1" dirty="0">
+                <a:solidFill>
+                  <a:schemeClr val="bg1"/>
+                </a:solidFill>
+              </a:rPr>
+              <a:t>T</a:t>
+            </a:r>
+            <a:r>
+              <a:rPr lang="en-US" b="1" dirty="0" smtClean="0">
+                <a:solidFill>
+                  <a:schemeClr val="bg1"/>
+                </a:solidFill>
+              </a:rPr>
+              <a:t>o draw multiple ball we have to create array of ball with above properties</a:t>
+            </a:r>
+            <a:endParaRPr lang="en-US" b="1" dirty="0">
+              <a:solidFill>
+                <a:schemeClr val="bg1"/>
+              </a:solidFill>
             </a:endParaRPr>
           </a:p>
         </p:txBody>
